--- a/secure-coding/slides/delivery/02__About-Secure-Coding-Class.pptx
+++ b/secure-coding/slides/delivery/02__About-Secure-Coding-Class.pptx
@@ -1,28 +1,28 @@
 
 <file path=ppt/presentation.xml><?xml version="1.0" encoding="utf-8"?>
-<p:presentation xmlns:a="http://schemas.openxmlformats.org/drawingml/2006/main" xmlns:r="http://schemas.openxmlformats.org/officeDocument/2006/relationships" xmlns:p="http://schemas.openxmlformats.org/presentationml/2006/main" showSpecialPlsOnTitleSld="0" autoCompressPictures="0">
+<p:presentation xmlns:a="http://schemas.openxmlformats.org/drawingml/2006/main" xmlns:r="http://schemas.openxmlformats.org/officeDocument/2006/relationships" xmlns:p="http://schemas.openxmlformats.org/presentationml/2006/main" showSpecialPlsOnTitleSld="0" saveSubsetFonts="1" autoCompressPictures="0">
   <p:sldMasterIdLst>
-    <p:sldMasterId id="2147483648" r:id="rId1"/>
+    <p:sldMasterId id="2147483651" r:id="rId1"/>
   </p:sldMasterIdLst>
   <p:notesMasterIdLst>
-    <p:notesMasterId r:id="rId10"/>
+    <p:notesMasterId r:id="rId12"/>
   </p:notesMasterIdLst>
   <p:handoutMasterIdLst>
-    <p:handoutMasterId r:id="rId14"/>
+    <p:handoutMasterId r:id="rId13"/>
   </p:handoutMasterIdLst>
   <p:sldIdLst>
-    <p:sldId id="256" r:id="rId3"/>
-    <p:sldId id="257" r:id="rId4"/>
-    <p:sldId id="258" r:id="rId5"/>
-    <p:sldId id="259" r:id="rId6"/>
-    <p:sldId id="260" r:id="rId7"/>
-    <p:sldId id="261" r:id="rId8"/>
-    <p:sldId id="262" r:id="rId9"/>
-    <p:sldId id="263" r:id="rId11"/>
-    <p:sldId id="264" r:id="rId12"/>
-    <p:sldId id="265" r:id="rId13"/>
+    <p:sldId id="256" r:id="rId2"/>
+    <p:sldId id="257" r:id="rId3"/>
+    <p:sldId id="258" r:id="rId4"/>
+    <p:sldId id="259" r:id="rId5"/>
+    <p:sldId id="260" r:id="rId6"/>
+    <p:sldId id="261" r:id="rId7"/>
+    <p:sldId id="262" r:id="rId8"/>
+    <p:sldId id="263" r:id="rId9"/>
+    <p:sldId id="264" r:id="rId10"/>
+    <p:sldId id="265" r:id="rId11"/>
   </p:sldIdLst>
-  <p:sldSz cx="9372600" cy="8297545"/>
+  <p:sldSz cx="9372600" cy="8297863"/>
   <p:notesSz cx="7315200" cy="9601200"/>
   <p:defaultTextStyle>
     <a:defPPr>
@@ -40,8 +40,8 @@
           <a:schemeClr val="tx1"/>
         </a:solidFill>
         <a:latin typeface="Garamond" pitchFamily="18" charset="0"/>
-        <a:ea typeface="MS PGothic"/>
-        <a:cs typeface="MS PGothic"/>
+        <a:ea typeface="ＭＳ Ｐゴシック"/>
+        <a:cs typeface="ＭＳ Ｐゴシック"/>
       </a:defRPr>
     </a:lvl1pPr>
     <a:lvl2pPr marL="457200" algn="l" rtl="0" fontAlgn="base">
@@ -56,8 +56,8 @@
           <a:schemeClr val="tx1"/>
         </a:solidFill>
         <a:latin typeface="Garamond" pitchFamily="18" charset="0"/>
-        <a:ea typeface="MS PGothic"/>
-        <a:cs typeface="MS PGothic"/>
+        <a:ea typeface="ＭＳ Ｐゴシック"/>
+        <a:cs typeface="ＭＳ Ｐゴシック"/>
       </a:defRPr>
     </a:lvl2pPr>
     <a:lvl3pPr marL="914400" algn="l" rtl="0" fontAlgn="base">
@@ -72,8 +72,8 @@
           <a:schemeClr val="tx1"/>
         </a:solidFill>
         <a:latin typeface="Garamond" pitchFamily="18" charset="0"/>
-        <a:ea typeface="MS PGothic"/>
-        <a:cs typeface="MS PGothic"/>
+        <a:ea typeface="ＭＳ Ｐゴシック"/>
+        <a:cs typeface="ＭＳ Ｐゴシック"/>
       </a:defRPr>
     </a:lvl3pPr>
     <a:lvl4pPr marL="1371600" algn="l" rtl="0" fontAlgn="base">
@@ -88,8 +88,8 @@
           <a:schemeClr val="tx1"/>
         </a:solidFill>
         <a:latin typeface="Garamond" pitchFamily="18" charset="0"/>
-        <a:ea typeface="MS PGothic"/>
-        <a:cs typeface="MS PGothic"/>
+        <a:ea typeface="ＭＳ Ｐゴシック"/>
+        <a:cs typeface="ＭＳ Ｐゴシック"/>
       </a:defRPr>
     </a:lvl4pPr>
     <a:lvl5pPr marL="1828800" algn="l" rtl="0" fontAlgn="base">
@@ -104,8 +104,8 @@
           <a:schemeClr val="tx1"/>
         </a:solidFill>
         <a:latin typeface="Garamond" pitchFamily="18" charset="0"/>
-        <a:ea typeface="MS PGothic"/>
-        <a:cs typeface="MS PGothic"/>
+        <a:ea typeface="ＭＳ Ｐゴシック"/>
+        <a:cs typeface="ＭＳ Ｐゴシック"/>
       </a:defRPr>
     </a:lvl5pPr>
     <a:lvl6pPr marL="2286000" algn="l" defTabSz="914400" rtl="0" eaLnBrk="1" latinLnBrk="0" hangingPunct="1">
@@ -114,8 +114,8 @@
           <a:schemeClr val="tx1"/>
         </a:solidFill>
         <a:latin typeface="Garamond" pitchFamily="18" charset="0"/>
-        <a:ea typeface="MS PGothic"/>
-        <a:cs typeface="MS PGothic"/>
+        <a:ea typeface="ＭＳ Ｐゴシック"/>
+        <a:cs typeface="ＭＳ Ｐゴシック"/>
       </a:defRPr>
     </a:lvl6pPr>
     <a:lvl7pPr marL="2743200" algn="l" defTabSz="914400" rtl="0" eaLnBrk="1" latinLnBrk="0" hangingPunct="1">
@@ -124,8 +124,8 @@
           <a:schemeClr val="tx1"/>
         </a:solidFill>
         <a:latin typeface="Garamond" pitchFamily="18" charset="0"/>
-        <a:ea typeface="MS PGothic"/>
-        <a:cs typeface="MS PGothic"/>
+        <a:ea typeface="ＭＳ Ｐゴシック"/>
+        <a:cs typeface="ＭＳ Ｐゴシック"/>
       </a:defRPr>
     </a:lvl7pPr>
     <a:lvl8pPr marL="3200400" algn="l" defTabSz="914400" rtl="0" eaLnBrk="1" latinLnBrk="0" hangingPunct="1">
@@ -134,8 +134,8 @@
           <a:schemeClr val="tx1"/>
         </a:solidFill>
         <a:latin typeface="Garamond" pitchFamily="18" charset="0"/>
-        <a:ea typeface="MS PGothic"/>
-        <a:cs typeface="MS PGothic"/>
+        <a:ea typeface="ＭＳ Ｐゴシック"/>
+        <a:cs typeface="ＭＳ Ｐゴシック"/>
       </a:defRPr>
     </a:lvl8pPr>
     <a:lvl9pPr marL="3657600" algn="l" defTabSz="914400" rtl="0" eaLnBrk="1" latinLnBrk="0" hangingPunct="1">
@@ -144,11 +144,41 @@
           <a:schemeClr val="tx1"/>
         </a:solidFill>
         <a:latin typeface="Garamond" pitchFamily="18" charset="0"/>
-        <a:ea typeface="MS PGothic"/>
-        <a:cs typeface="MS PGothic"/>
+        <a:ea typeface="ＭＳ Ｐゴシック"/>
+        <a:cs typeface="ＭＳ Ｐゴシック"/>
       </a:defRPr>
     </a:lvl9pPr>
   </p:defaultTextStyle>
+  <p:extLst>
+    <p:ext uri="{EFAFB233-063F-42B5-8137-9DF3F51BA10A}">
+      <p15:sldGuideLst xmlns:p15="http://schemas.microsoft.com/office/powerpoint/2012/main">
+        <p15:guide id="1" orient="horz" pos="2614" userDrawn="1">
+          <p15:clr>
+            <a:srgbClr val="A4A3A4"/>
+          </p15:clr>
+        </p15:guide>
+        <p15:guide id="2" pos="2952" userDrawn="1">
+          <p15:clr>
+            <a:srgbClr val="A4A3A4"/>
+          </p15:clr>
+        </p15:guide>
+      </p15:sldGuideLst>
+    </p:ext>
+    <p:ext uri="{2D200454-40CA-4A62-9FC3-DE9A4176ACB9}">
+      <p15:notesGuideLst xmlns:p15="http://schemas.microsoft.com/office/powerpoint/2012/main">
+        <p15:guide id="1" orient="horz" pos="3024">
+          <p15:clr>
+            <a:srgbClr val="A4A3A4"/>
+          </p15:clr>
+        </p15:guide>
+        <p15:guide id="2" pos="2308">
+          <p15:clr>
+            <a:srgbClr val="A4A3A4"/>
+          </p15:clr>
+        </p15:guide>
+      </p15:notesGuideLst>
+    </p:ext>
+  </p:extLst>
 </p:presentation>
 </file>
 
@@ -209,14 +239,20 @@
           <a:ln w="9525">
             <a:noFill/>
             <a:miter lim="800000"/>
+            <a:headEnd/>
+            <a:tailEnd/>
           </a:ln>
         </p:spPr>
         <p:txBody>
-          <a:bodyPr vert="horz" wrap="square" lIns="96603" tIns="48303" rIns="96603" bIns="48303" numCol="1" anchor="b" anchorCtr="0" compatLnSpc="1"/>
+          <a:bodyPr vert="horz" wrap="square" lIns="96603" tIns="48303" rIns="96603" bIns="48303" numCol="1" anchor="b" anchorCtr="0" compatLnSpc="1">
+            <a:prstTxWarp prst="textNoShape">
+              <a:avLst/>
+            </a:prstTxWarp>
+          </a:bodyPr>
           <a:lstStyle>
             <a:lvl1pPr defTabSz="965200">
               <a:defRPr sz="1200">
-                <a:latin typeface="Times New Roman" panose="02020603050405020304" pitchFamily="-110" charset="0"/>
+                <a:latin typeface="Times New Roman" pitchFamily="18" charset="0"/>
               </a:defRPr>
             </a:lvl1pPr>
           </a:lstStyle>
@@ -228,7 +264,6 @@
               <a:rPr lang="en-US" dirty="0"/>
               <a:t>Copyright © 2017 Elephant Scale. All rights reserved.</a:t>
             </a:r>
-            <a:endParaRPr lang="en-US" dirty="0"/>
           </a:p>
         </p:txBody>
       </p:sp>
@@ -254,14 +289,20 @@
           <a:ln w="9525">
             <a:noFill/>
             <a:miter lim="800000"/>
+            <a:headEnd/>
+            <a:tailEnd/>
           </a:ln>
         </p:spPr>
         <p:txBody>
-          <a:bodyPr vert="horz" wrap="square" lIns="96603" tIns="48303" rIns="96603" bIns="48303" numCol="1" anchor="b" anchorCtr="0" compatLnSpc="1"/>
+          <a:bodyPr vert="horz" wrap="square" lIns="96603" tIns="48303" rIns="96603" bIns="48303" numCol="1" anchor="b" anchorCtr="0" compatLnSpc="1">
+            <a:prstTxWarp prst="textNoShape">
+              <a:avLst/>
+            </a:prstTxWarp>
+          </a:bodyPr>
           <a:lstStyle>
             <a:lvl1pPr algn="r" defTabSz="965200">
               <a:defRPr sz="1200">
-                <a:latin typeface="Times New Roman" panose="02020603050405020304" pitchFamily="-110" charset="0"/>
+                <a:latin typeface="Times New Roman" pitchFamily="18" charset="0"/>
               </a:defRPr>
             </a:lvl1pPr>
           </a:lstStyle>
@@ -271,12 +312,21 @@
             </a:pPr>
             <a:fld id="{97E62689-8C7D-4291-A094-4E689FEC4C3B}" type="slidenum">
               <a:rPr lang="en-US"/>
+              <a:pPr>
+                <a:defRPr/>
+              </a:pPr>
+              <a:t>‹#›</a:t>
             </a:fld>
             <a:endParaRPr lang="en-US" dirty="0"/>
           </a:p>
         </p:txBody>
       </p:sp>
     </p:spTree>
+    <p:extLst>
+      <p:ext uri="{BB962C8B-B14F-4D97-AF65-F5344CB8AC3E}">
+        <p14:creationId xmlns:p14="http://schemas.microsoft.com/office/powerpoint/2010/main" val="3239291525"/>
+      </p:ext>
+    </p:extLst>
   </p:cSld>
   <p:clrMap bg1="lt1" tx1="dk1" bg2="lt2" tx2="dk2" accent1="accent1" accent2="accent2" accent3="accent3" accent4="accent4" accent5="accent5" accent6="accent6" hlink="hlink" folHlink="folHlink"/>
   <p:hf hdr="0" ftr="0" dt="0"/>
@@ -332,6 +382,8 @@
               <a:srgbClr val="000000"/>
             </a:solidFill>
             <a:miter lim="800000"/>
+            <a:headEnd/>
+            <a:tailEnd/>
           </a:ln>
         </p:spPr>
       </p:sp>
@@ -357,15 +409,21 @@
           <a:ln w="9525">
             <a:noFill/>
             <a:miter lim="800000"/>
+            <a:headEnd/>
+            <a:tailEnd/>
           </a:ln>
           <a:effectLst/>
         </p:spPr>
         <p:txBody>
-          <a:bodyPr vert="horz" wrap="square" lIns="0" tIns="0" rIns="0" bIns="0" numCol="1" anchor="b" anchorCtr="1" compatLnSpc="1"/>
+          <a:bodyPr vert="horz" wrap="square" lIns="0" tIns="0" rIns="0" bIns="0" numCol="1" anchor="b" anchorCtr="1" compatLnSpc="1">
+            <a:prstTxWarp prst="textNoShape">
+              <a:avLst/>
+            </a:prstTxWarp>
+          </a:bodyPr>
           <a:lstStyle>
             <a:lvl1pPr algn="ctr" defTabSz="965200" eaLnBrk="0" hangingPunct="0">
               <a:defRPr sz="900">
-                <a:latin typeface="Arial" panose="020B0604020202020204" pitchFamily="34" charset="0"/>
+                <a:latin typeface="Arial" charset="0"/>
               </a:defRPr>
             </a:lvl1pPr>
           </a:lstStyle>
@@ -377,7 +435,6 @@
               <a:rPr lang="en-US" dirty="0"/>
               <a:t>Copyright © 2017 Elephant Scale. All rights reserved.</a:t>
             </a:r>
-            <a:endParaRPr lang="en-US" dirty="0"/>
           </a:p>
         </p:txBody>
       </p:sp>
@@ -403,15 +460,21 @@
           <a:ln w="9525">
             <a:noFill/>
             <a:miter lim="800000"/>
+            <a:headEnd/>
+            <a:tailEnd/>
           </a:ln>
           <a:effectLst/>
         </p:spPr>
         <p:txBody>
-          <a:bodyPr vert="horz" wrap="square" lIns="0" tIns="0" rIns="0" bIns="0" numCol="1" anchor="b" anchorCtr="0" compatLnSpc="1"/>
+          <a:bodyPr vert="horz" wrap="square" lIns="0" tIns="0" rIns="0" bIns="0" numCol="1" anchor="b" anchorCtr="0" compatLnSpc="1">
+            <a:prstTxWarp prst="textNoShape">
+              <a:avLst/>
+            </a:prstTxWarp>
+          </a:bodyPr>
           <a:lstStyle>
             <a:lvl1pPr algn="r" defTabSz="965200" eaLnBrk="0" hangingPunct="0">
               <a:defRPr b="1">
-                <a:latin typeface="Arial" panose="020B0604020202020204" pitchFamily="34" charset="0"/>
+                <a:latin typeface="Arial" charset="0"/>
               </a:defRPr>
             </a:lvl1pPr>
           </a:lstStyle>
@@ -421,6 +484,10 @@
             </a:pPr>
             <a:fld id="{EFAADD5D-AF76-45EE-AA5F-6DAC73BF167A}" type="slidenum">
               <a:rPr lang="en-US"/>
+              <a:pPr>
+                <a:defRPr/>
+              </a:pPr>
+              <a:t>‹#›</a:t>
             </a:fld>
             <a:endParaRPr lang="en-US" dirty="0"/>
           </a:p>
@@ -446,26 +513,24 @@
           <a:ln w="9525">
             <a:noFill/>
             <a:miter lim="800000"/>
+            <a:headEnd/>
+            <a:tailEnd/>
           </a:ln>
         </p:spPr>
         <p:txBody>
           <a:bodyPr wrap="none" lIns="96386" tIns="48194" rIns="96386" bIns="48194"/>
           <a:lstStyle/>
           <a:p>
-            <a:pPr defTabSz="960755">
+            <a:pPr defTabSz="960438">
               <a:defRPr/>
             </a:pPr>
             <a:r>
               <a:rPr lang="en-US" sz="1200" b="1" u="sng" dirty="0">
-                <a:latin typeface="Times New Roman" panose="02020603050405020304" pitchFamily="-110" charset="0"/>
-                <a:cs typeface="Times New Roman" panose="02020603050405020304" pitchFamily="-110" charset="0"/>
+                <a:latin typeface="Times New Roman" pitchFamily="18" charset="0"/>
+                <a:cs typeface="Times New Roman" pitchFamily="18" charset="0"/>
               </a:rPr>
               <a:t>Notes:</a:t>
             </a:r>
-            <a:endParaRPr lang="en-US" sz="1200" b="1" u="sng" dirty="0">
-              <a:latin typeface="Times New Roman" panose="02020603050405020304" pitchFamily="-110" charset="0"/>
-              <a:cs typeface="Times New Roman" panose="02020603050405020304" pitchFamily="-110" charset="0"/>
-            </a:endParaRPr>
           </a:p>
         </p:txBody>
       </p:sp>
@@ -491,10 +556,16 @@
           <a:ln w="9525">
             <a:noFill/>
             <a:miter lim="800000"/>
+            <a:headEnd/>
+            <a:tailEnd/>
           </a:ln>
         </p:spPr>
         <p:txBody>
-          <a:bodyPr vert="horz" wrap="square" lIns="91537" tIns="45768" rIns="91537" bIns="45768" numCol="1" anchor="t" anchorCtr="0" compatLnSpc="1"/>
+          <a:bodyPr vert="horz" wrap="square" lIns="91537" tIns="45768" rIns="91537" bIns="45768" numCol="1" anchor="t" anchorCtr="0" compatLnSpc="1">
+            <a:prstTxWarp prst="textNoShape">
+              <a:avLst/>
+            </a:prstTxWarp>
+          </a:bodyPr>
           <a:lstStyle/>
           <a:p>
             <a:pPr lvl="0"/>
@@ -524,6 +595,8 @@
               <a:srgbClr val="000000"/>
             </a:solidFill>
             <a:round/>
+            <a:headEnd/>
+            <a:tailEnd/>
           </a:ln>
           <a:effectLst/>
         </p:spPr>
@@ -538,7 +611,7 @@
               <a:defRPr/>
             </a:pPr>
             <a:endParaRPr lang="en-US" dirty="0">
-              <a:latin typeface="Garamond" pitchFamily="18" charset="0"/>
+              <a:latin typeface="Garamond" pitchFamily="-110" charset="0"/>
               <a:ea typeface="+mn-ea"/>
               <a:cs typeface="+mn-cs"/>
             </a:endParaRPr>
@@ -546,6 +619,11 @@
         </p:txBody>
       </p:sp>
     </p:spTree>
+    <p:extLst>
+      <p:ext uri="{BB962C8B-B14F-4D97-AF65-F5344CB8AC3E}">
+        <p14:creationId xmlns:p14="http://schemas.microsoft.com/office/powerpoint/2010/main" val="953744030"/>
+      </p:ext>
+    </p:extLst>
   </p:cSld>
   <p:clrMap bg1="lt1" tx1="dk1" bg2="lt2" tx2="dk2" accent1="accent1" accent2="accent2" accent3="accent3" accent4="accent4" accent5="accent5" accent6="accent6" hlink="hlink" folHlink="folHlink"/>
   <p:hf dt="0"/>
@@ -558,15 +636,15 @@
         <a:spcPct val="0"/>
       </a:spcAft>
       <a:buSzPct val="65000"/>
-      <a:buFont typeface="Wingdings" panose="05000000000000000000" pitchFamily="2" charset="2"/>
+      <a:buFont typeface="Wingdings" pitchFamily="2" charset="2"/>
       <a:buNone/>
       <a:defRPr sz="1200" kern="1200">
         <a:solidFill>
           <a:schemeClr val="tx1"/>
         </a:solidFill>
-        <a:latin typeface="Times New Roman" panose="02020603050405020304" pitchFamily="-110" charset="0"/>
-        <a:ea typeface="MS PGothic" pitchFamily="-110" charset="-128"/>
-        <a:cs typeface="MS PGothic" pitchFamily="-110" charset="-128"/>
+        <a:latin typeface="Times New Roman" pitchFamily="-110" charset="0"/>
+        <a:ea typeface="ＭＳ Ｐゴシック" pitchFamily="-110" charset="-128"/>
+        <a:cs typeface="ＭＳ Ｐゴシック" pitchFamily="-110" charset="-128"/>
       </a:defRPr>
     </a:lvl1pPr>
     <a:lvl2pPr marL="282575" indent="0" algn="l" rtl="0" eaLnBrk="0" fontAlgn="base" hangingPunct="0">
@@ -581,12 +659,12 @@
         <a:solidFill>
           <a:schemeClr val="tx1"/>
         </a:solidFill>
-        <a:latin typeface="Times New Roman" panose="02020603050405020304" pitchFamily="-110" charset="0"/>
-        <a:ea typeface="MS PGothic" pitchFamily="-110" charset="-128"/>
-        <a:cs typeface="MS PGothic"/>
+        <a:latin typeface="Times New Roman" pitchFamily="-110" charset="0"/>
+        <a:ea typeface="ＭＳ Ｐゴシック" pitchFamily="-110" charset="-128"/>
+        <a:cs typeface="ＭＳ Ｐゴシック"/>
       </a:defRPr>
     </a:lvl2pPr>
-    <a:lvl3pPr marL="744855" indent="-173355" algn="l" rtl="0" eaLnBrk="0" fontAlgn="base" hangingPunct="0">
+    <a:lvl3pPr marL="744538" indent="-173038" algn="l" rtl="0" eaLnBrk="0" fontAlgn="base" hangingPunct="0">
       <a:spcBef>
         <a:spcPct val="30000"/>
       </a:spcBef>
@@ -598,9 +676,9 @@
         <a:solidFill>
           <a:schemeClr val="tx1"/>
         </a:solidFill>
-        <a:latin typeface="Times New Roman" panose="02020603050405020304" pitchFamily="-110" charset="0"/>
-        <a:ea typeface="MS PGothic" pitchFamily="-110" charset="-128"/>
-        <a:cs typeface="MS PGothic"/>
+        <a:latin typeface="Times New Roman" pitchFamily="-110" charset="0"/>
+        <a:ea typeface="ＭＳ Ｐゴシック" pitchFamily="-110" charset="-128"/>
+        <a:cs typeface="ＭＳ Ｐゴシック"/>
       </a:defRPr>
     </a:lvl3pPr>
     <a:lvl4pPr marL="1600200" indent="-228600" algn="l" rtl="0" eaLnBrk="0" fontAlgn="base" hangingPunct="0">
@@ -614,9 +692,9 @@
         <a:solidFill>
           <a:schemeClr val="tx1"/>
         </a:solidFill>
-        <a:latin typeface="Times New Roman" panose="02020603050405020304" pitchFamily="-110" charset="0"/>
-        <a:ea typeface="MS PGothic" pitchFamily="-110" charset="-128"/>
-        <a:cs typeface="MS PGothic"/>
+        <a:latin typeface="Times New Roman" pitchFamily="-110" charset="0"/>
+        <a:ea typeface="ＭＳ Ｐゴシック" pitchFamily="-110" charset="-128"/>
+        <a:cs typeface="ＭＳ Ｐゴシック"/>
       </a:defRPr>
     </a:lvl4pPr>
     <a:lvl5pPr marL="2057400" indent="-228600" algn="l" rtl="0" eaLnBrk="0" fontAlgn="base" hangingPunct="0">
@@ -630,9 +708,9 @@
         <a:solidFill>
           <a:schemeClr val="tx1"/>
         </a:solidFill>
-        <a:latin typeface="Times New Roman" panose="02020603050405020304" pitchFamily="-110" charset="0"/>
-        <a:ea typeface="MS PGothic" pitchFamily="-110" charset="-128"/>
-        <a:cs typeface="MS PGothic"/>
+        <a:latin typeface="Times New Roman" pitchFamily="-110" charset="0"/>
+        <a:ea typeface="ＭＳ Ｐゴシック" pitchFamily="-110" charset="-128"/>
+        <a:cs typeface="ＭＳ Ｐゴシック"/>
       </a:defRPr>
     </a:lvl5pPr>
     <a:lvl6pPr marL="2286000" algn="l" defTabSz="457200" rtl="0" eaLnBrk="1" latinLnBrk="0" hangingPunct="1">
@@ -700,7 +778,7 @@
         <p:nvSpPr>
           <p:cNvPr id="2" name="Slide Image Placeholder 1"/>
           <p:cNvSpPr>
-            <a:spLocks noGrp="1"/>
+            <a:spLocks noGrp="1" noRot="1" noChangeAspect="1"/>
           </p:cNvSpPr>
           <p:nvPr>
             <p:ph type="sldImg" idx="2"/>
@@ -770,7 +848,7 @@
         <p:nvSpPr>
           <p:cNvPr id="2" name="Slide Image Placeholder 1"/>
           <p:cNvSpPr>
-            <a:spLocks noGrp="1"/>
+            <a:spLocks noGrp="1" noRot="1" noChangeAspect="1"/>
           </p:cNvSpPr>
           <p:nvPr>
             <p:ph type="sldImg" idx="2"/>
@@ -820,7 +898,7 @@
 </file>
 
 <file path=ppt/slideLayouts/slideLayout1.xml><?xml version="1.0" encoding="utf-8"?>
-<p:sldLayout xmlns:a="http://schemas.openxmlformats.org/drawingml/2006/main" xmlns:r="http://schemas.openxmlformats.org/officeDocument/2006/relationships" xmlns:p="http://schemas.openxmlformats.org/presentationml/2006/main" type="title" preserve="1" showMasterSp="0">
+<p:sldLayout xmlns:a="http://schemas.openxmlformats.org/drawingml/2006/main" xmlns:r="http://schemas.openxmlformats.org/officeDocument/2006/relationships" xmlns:p="http://schemas.openxmlformats.org/presentationml/2006/main" showMasterSp="0" type="title" preserve="1">
   <p:cSld name="Title Slide">
     <p:bg>
       <p:bgPr>
@@ -855,9 +933,7 @@
         <p:blipFill rotWithShape="1">
           <a:blip r:embed="rId2"/>
           <a:srcRect t="19473"/>
-          <a:stretch>
-            <a:fillRect/>
-          </a:stretch>
+          <a:stretch/>
         </p:blipFill>
         <p:spPr bwMode="auto">
           <a:xfrm>
@@ -908,7 +984,6 @@
               <a:rPr lang="en-US"/>
               <a:t>Click to edit Master subtitle style</a:t>
             </a:r>
-            <a:endParaRPr lang="en-US"/>
           </a:p>
         </p:txBody>
       </p:sp>
@@ -940,7 +1015,6 @@
               <a:rPr lang="en-US"/>
               <a:t>Click to edit Master title style</a:t>
             </a:r>
-            <a:endParaRPr lang="en-US"/>
           </a:p>
         </p:txBody>
       </p:sp>
@@ -990,7 +1064,6 @@
               <a:rPr lang="en-US" dirty="0"/>
               <a:t>Click to edit Master title style</a:t>
             </a:r>
-            <a:endParaRPr lang="en-US" dirty="0"/>
           </a:p>
         </p:txBody>
       </p:sp>
@@ -1014,7 +1087,6 @@
               <a:rPr lang="en-US" dirty="0"/>
               <a:t>Click to edit Master text styles</a:t>
             </a:r>
-            <a:endParaRPr lang="en-US" dirty="0"/>
           </a:p>
           <a:p>
             <a:pPr lvl="1"/>
@@ -1022,7 +1094,6 @@
               <a:rPr lang="en-US" dirty="0"/>
               <a:t>Second level</a:t>
             </a:r>
-            <a:endParaRPr lang="en-US" dirty="0"/>
           </a:p>
           <a:p>
             <a:pPr lvl="2"/>
@@ -1030,7 +1101,6 @@
               <a:rPr lang="en-US" dirty="0"/>
               <a:t>Third level</a:t>
             </a:r>
-            <a:endParaRPr lang="en-US" dirty="0"/>
           </a:p>
           <a:p>
             <a:pPr lvl="3"/>
@@ -1038,7 +1108,6 @@
               <a:rPr lang="en-US" dirty="0"/>
               <a:t>Fourth level</a:t>
             </a:r>
-            <a:endParaRPr lang="en-US" dirty="0"/>
           </a:p>
           <a:p>
             <a:pPr lvl="4"/>
@@ -1046,7 +1115,6 @@
               <a:rPr lang="en-US" dirty="0"/>
               <a:t>Fifth level</a:t>
             </a:r>
-            <a:endParaRPr lang="en-US" dirty="0"/>
           </a:p>
         </p:txBody>
       </p:sp>
@@ -1072,7 +1140,6 @@
               <a:rPr lang="en-US" dirty="0"/>
               <a:t>Copyright © 2017 Elephant Scale. All rights reserved.</a:t>
             </a:r>
-            <a:endParaRPr lang="en-US" dirty="0"/>
           </a:p>
         </p:txBody>
       </p:sp>
@@ -1096,6 +1163,10 @@
             </a:pPr>
             <a:fld id="{77EF9825-4C23-4085-A4E3-B5565466BD91}" type="slidenum">
               <a:rPr lang="en-US" smtClean="0"/>
+              <a:pPr>
+                <a:defRPr/>
+              </a:pPr>
+              <a:t>‹#›</a:t>
             </a:fld>
             <a:endParaRPr lang="en-US" dirty="0"/>
           </a:p>
@@ -1150,7 +1221,6 @@
               <a:rPr lang="en-US"/>
               <a:t>Click to edit Master title style</a:t>
             </a:r>
-            <a:endParaRPr lang="en-US"/>
           </a:p>
         </p:txBody>
       </p:sp>
@@ -1179,7 +1249,6 @@
               <a:rPr lang="en-US"/>
               <a:t>Click to edit Master text styles</a:t>
             </a:r>
-            <a:endParaRPr lang="en-US"/>
           </a:p>
           <a:p>
             <a:pPr lvl="1"/>
@@ -1187,7 +1256,6 @@
               <a:rPr lang="en-US"/>
               <a:t>Second level</a:t>
             </a:r>
-            <a:endParaRPr lang="en-US"/>
           </a:p>
           <a:p>
             <a:pPr lvl="2"/>
@@ -1195,7 +1263,6 @@
               <a:rPr lang="en-US"/>
               <a:t>Third level</a:t>
             </a:r>
-            <a:endParaRPr lang="en-US"/>
           </a:p>
           <a:p>
             <a:pPr lvl="3"/>
@@ -1203,7 +1270,6 @@
               <a:rPr lang="en-US"/>
               <a:t>Fourth level</a:t>
             </a:r>
-            <a:endParaRPr lang="en-US"/>
           </a:p>
           <a:p>
             <a:pPr lvl="4"/>
@@ -1211,7 +1277,6 @@
               <a:rPr lang="en-US"/>
               <a:t>Fifth level</a:t>
             </a:r>
-            <a:endParaRPr lang="en-US"/>
           </a:p>
         </p:txBody>
       </p:sp>
@@ -1240,7 +1305,6 @@
               <a:rPr lang="en-US"/>
               <a:t>Click to edit Master text styles</a:t>
             </a:r>
-            <a:endParaRPr lang="en-US"/>
           </a:p>
           <a:p>
             <a:pPr lvl="1"/>
@@ -1248,7 +1312,6 @@
               <a:rPr lang="en-US"/>
               <a:t>Second level</a:t>
             </a:r>
-            <a:endParaRPr lang="en-US"/>
           </a:p>
           <a:p>
             <a:pPr lvl="2"/>
@@ -1256,7 +1319,6 @@
               <a:rPr lang="en-US"/>
               <a:t>Third level</a:t>
             </a:r>
-            <a:endParaRPr lang="en-US"/>
           </a:p>
           <a:p>
             <a:pPr lvl="3"/>
@@ -1264,7 +1326,6 @@
               <a:rPr lang="en-US"/>
               <a:t>Fourth level</a:t>
             </a:r>
-            <a:endParaRPr lang="en-US"/>
           </a:p>
           <a:p>
             <a:pPr lvl="4"/>
@@ -1272,7 +1333,6 @@
               <a:rPr lang="en-US"/>
               <a:t>Fifth level</a:t>
             </a:r>
-            <a:endParaRPr lang="en-US"/>
           </a:p>
         </p:txBody>
       </p:sp>
@@ -1301,7 +1361,6 @@
               <a:rPr lang="en-US"/>
               <a:t>Click to edit Master text styles</a:t>
             </a:r>
-            <a:endParaRPr lang="en-US"/>
           </a:p>
           <a:p>
             <a:pPr lvl="1"/>
@@ -1309,7 +1368,6 @@
               <a:rPr lang="en-US"/>
               <a:t>Second level</a:t>
             </a:r>
-            <a:endParaRPr lang="en-US"/>
           </a:p>
           <a:p>
             <a:pPr lvl="2"/>
@@ -1317,7 +1375,6 @@
               <a:rPr lang="en-US"/>
               <a:t>Third level</a:t>
             </a:r>
-            <a:endParaRPr lang="en-US"/>
           </a:p>
           <a:p>
             <a:pPr lvl="3"/>
@@ -1325,7 +1382,6 @@
               <a:rPr lang="en-US"/>
               <a:t>Fourth level</a:t>
             </a:r>
-            <a:endParaRPr lang="en-US"/>
           </a:p>
           <a:p>
             <a:pPr lvl="4"/>
@@ -1333,7 +1389,6 @@
               <a:rPr lang="en-US"/>
               <a:t>Fifth level</a:t>
             </a:r>
-            <a:endParaRPr lang="en-US"/>
           </a:p>
         </p:txBody>
       </p:sp>
@@ -1347,7 +1402,9 @@
             <p:ph type="sldNum" sz="quarter" idx="11"/>
           </p:nvPr>
         </p:nvSpPr>
-        <p:spPr/>
+        <p:spPr>
+          <a:ln/>
+        </p:spPr>
         <p:txBody>
           <a:bodyPr/>
           <a:lstStyle>
@@ -1361,6 +1418,10 @@
             </a:pPr>
             <a:fld id="{040E4B02-67B9-4228-B08B-2561CEE6B946}" type="slidenum">
               <a:rPr lang="en-US"/>
+              <a:pPr>
+                <a:defRPr/>
+              </a:pPr>
+              <a:t>‹#›</a:t>
             </a:fld>
             <a:endParaRPr lang="en-US" dirty="0"/>
           </a:p>
@@ -1376,7 +1437,9 @@
             <p:ph type="ftr" sz="quarter" idx="12"/>
           </p:nvPr>
         </p:nvSpPr>
-        <p:spPr/>
+        <p:spPr>
+          <a:ln/>
+        </p:spPr>
         <p:txBody>
           <a:bodyPr/>
           <a:lstStyle>
@@ -1392,7 +1455,6 @@
               <a:rPr lang="en-US" dirty="0"/>
               <a:t>Copyright © 2017 Elephant Scale. All rights reserved.</a:t>
             </a:r>
-            <a:endParaRPr lang="en-US" dirty="0"/>
           </a:p>
         </p:txBody>
       </p:sp>
@@ -1445,7 +1507,6 @@
               <a:rPr lang="en-US"/>
               <a:t>Click to edit Master title style</a:t>
             </a:r>
-            <a:endParaRPr lang="en-US"/>
           </a:p>
         </p:txBody>
       </p:sp>
@@ -1474,7 +1535,6 @@
               <a:rPr lang="en-US"/>
               <a:t>Click to edit Master text styles</a:t>
             </a:r>
-            <a:endParaRPr lang="en-US"/>
           </a:p>
           <a:p>
             <a:pPr lvl="1"/>
@@ -1482,7 +1542,6 @@
               <a:rPr lang="en-US"/>
               <a:t>Second level</a:t>
             </a:r>
-            <a:endParaRPr lang="en-US"/>
           </a:p>
           <a:p>
             <a:pPr lvl="2"/>
@@ -1490,7 +1549,6 @@
               <a:rPr lang="en-US"/>
               <a:t>Third level</a:t>
             </a:r>
-            <a:endParaRPr lang="en-US"/>
           </a:p>
           <a:p>
             <a:pPr lvl="3"/>
@@ -1498,7 +1556,6 @@
               <a:rPr lang="en-US"/>
               <a:t>Fourth level</a:t>
             </a:r>
-            <a:endParaRPr lang="en-US"/>
           </a:p>
           <a:p>
             <a:pPr lvl="4"/>
@@ -1506,7 +1563,6 @@
               <a:rPr lang="en-US"/>
               <a:t>Fifth level</a:t>
             </a:r>
-            <a:endParaRPr lang="en-US"/>
           </a:p>
         </p:txBody>
       </p:sp>
@@ -1535,7 +1591,6 @@
               <a:rPr lang="en-US"/>
               <a:t>Click to edit Master text styles</a:t>
             </a:r>
-            <a:endParaRPr lang="en-US"/>
           </a:p>
           <a:p>
             <a:pPr lvl="1"/>
@@ -1543,7 +1598,6 @@
               <a:rPr lang="en-US"/>
               <a:t>Second level</a:t>
             </a:r>
-            <a:endParaRPr lang="en-US"/>
           </a:p>
           <a:p>
             <a:pPr lvl="2"/>
@@ -1551,7 +1605,6 @@
               <a:rPr lang="en-US"/>
               <a:t>Third level</a:t>
             </a:r>
-            <a:endParaRPr lang="en-US"/>
           </a:p>
           <a:p>
             <a:pPr lvl="3"/>
@@ -1559,7 +1612,6 @@
               <a:rPr lang="en-US"/>
               <a:t>Fourth level</a:t>
             </a:r>
-            <a:endParaRPr lang="en-US"/>
           </a:p>
           <a:p>
             <a:pPr lvl="4"/>
@@ -1567,7 +1619,6 @@
               <a:rPr lang="en-US"/>
               <a:t>Fifth level</a:t>
             </a:r>
-            <a:endParaRPr lang="en-US"/>
           </a:p>
         </p:txBody>
       </p:sp>
@@ -1581,7 +1632,9 @@
             <p:ph type="sldNum" sz="quarter" idx="11"/>
           </p:nvPr>
         </p:nvSpPr>
-        <p:spPr/>
+        <p:spPr>
+          <a:ln/>
+        </p:spPr>
         <p:txBody>
           <a:bodyPr/>
           <a:lstStyle>
@@ -1595,6 +1648,10 @@
             </a:pPr>
             <a:fld id="{A86CC632-9864-46F1-8EAB-FCD3BB9CEC9A}" type="slidenum">
               <a:rPr lang="en-US"/>
+              <a:pPr>
+                <a:defRPr/>
+              </a:pPr>
+              <a:t>‹#›</a:t>
             </a:fld>
             <a:endParaRPr lang="en-US" dirty="0"/>
           </a:p>
@@ -1610,7 +1667,9 @@
             <p:ph type="ftr" sz="quarter" idx="12"/>
           </p:nvPr>
         </p:nvSpPr>
-        <p:spPr/>
+        <p:spPr>
+          <a:ln/>
+        </p:spPr>
         <p:txBody>
           <a:bodyPr/>
           <a:lstStyle>
@@ -1626,7 +1685,6 @@
               <a:rPr lang="en-US" dirty="0"/>
               <a:t>Copyright © 2017 Elephant Scale. All rights reserved.</a:t>
             </a:r>
-            <a:endParaRPr lang="en-US" dirty="0"/>
           </a:p>
         </p:txBody>
       </p:sp>
@@ -1685,10 +1743,15 @@
           <a:ln w="9525">
             <a:noFill/>
             <a:miter lim="800000"/>
+            <a:headEnd/>
+            <a:tailEnd/>
           </a:ln>
         </p:spPr>
         <p:txBody>
           <a:bodyPr vert="horz" wrap="square" lIns="92007" tIns="46005" rIns="92007" bIns="46005" numCol="1" anchor="t" anchorCtr="0" compatLnSpc="1">
+            <a:prstTxWarp prst="textNoShape">
+              <a:avLst/>
+            </a:prstTxWarp>
             <a:normAutofit/>
           </a:bodyPr>
           <a:lstStyle/>
@@ -1698,7 +1761,6 @@
               <a:rPr lang="en-US" dirty="0"/>
               <a:t>Click to edit Master text styles</a:t>
             </a:r>
-            <a:endParaRPr lang="en-US" dirty="0"/>
           </a:p>
           <a:p>
             <a:pPr lvl="1"/>
@@ -1706,7 +1768,6 @@
               <a:rPr lang="en-US" dirty="0"/>
               <a:t>Second level</a:t>
             </a:r>
-            <a:endParaRPr lang="en-US" dirty="0"/>
           </a:p>
           <a:p>
             <a:pPr lvl="2"/>
@@ -1714,7 +1775,6 @@
               <a:rPr lang="en-US" dirty="0"/>
               <a:t>Third level</a:t>
             </a:r>
-            <a:endParaRPr lang="en-US" dirty="0"/>
           </a:p>
           <a:p>
             <a:pPr lvl="3"/>
@@ -1722,7 +1782,6 @@
               <a:rPr lang="en-US" dirty="0"/>
               <a:t>Fourth level</a:t>
             </a:r>
-            <a:endParaRPr lang="en-US" dirty="0"/>
           </a:p>
           <a:p>
             <a:pPr lvl="4"/>
@@ -1730,7 +1789,6 @@
               <a:rPr lang="en-US" dirty="0"/>
               <a:t>Fifth level</a:t>
             </a:r>
-            <a:endParaRPr lang="en-US" dirty="0"/>
           </a:p>
         </p:txBody>
       </p:sp>
@@ -1756,20 +1814,26 @@
           <a:ln w="9525">
             <a:noFill/>
             <a:miter lim="800000"/>
+            <a:headEnd/>
+            <a:tailEnd/>
           </a:ln>
           <a:effectLst/>
         </p:spPr>
         <p:txBody>
-          <a:bodyPr vert="horz" wrap="square" lIns="0" tIns="0" rIns="0" bIns="0" numCol="1" anchor="b" anchorCtr="0" compatLnSpc="1"/>
+          <a:bodyPr vert="horz" wrap="square" lIns="0" tIns="0" rIns="0" bIns="0" numCol="1" anchor="b" anchorCtr="0" compatLnSpc="1">
+            <a:prstTxWarp prst="textNoShape">
+              <a:avLst/>
+            </a:prstTxWarp>
+          </a:bodyPr>
           <a:lstStyle>
             <a:lvl1pPr algn="r" eaLnBrk="0" hangingPunct="0">
               <a:defRPr b="1">
                 <a:solidFill>
                   <a:srgbClr val="000000"/>
                 </a:solidFill>
-                <a:latin typeface="Arial" panose="020B0604020202020204" pitchFamily="34" charset="0"/>
-                <a:ea typeface="MS PGothic" charset="0"/>
-                <a:cs typeface="MS PGothic" charset="0"/>
+                <a:latin typeface="Arial" charset="0"/>
+                <a:ea typeface="ＭＳ Ｐゴシック" charset="0"/>
+                <a:cs typeface="ＭＳ Ｐゴシック" charset="0"/>
               </a:defRPr>
             </a:lvl1pPr>
           </a:lstStyle>
@@ -1779,6 +1843,10 @@
             </a:pPr>
             <a:fld id="{77EF9825-4C23-4085-A4E3-B5565466BD91}" type="slidenum">
               <a:rPr lang="en-US"/>
+              <a:pPr>
+                <a:defRPr/>
+              </a:pPr>
+              <a:t>‹#›</a:t>
             </a:fld>
             <a:endParaRPr lang="en-US" dirty="0"/>
           </a:p>
@@ -1806,11 +1874,16 @@
           <a:ln w="9525">
             <a:noFill/>
             <a:miter lim="800000"/>
+            <a:headEnd/>
+            <a:tailEnd/>
           </a:ln>
           <a:effectLst/>
         </p:spPr>
         <p:txBody>
           <a:bodyPr vert="horz" wrap="square" lIns="0" tIns="0" rIns="0" bIns="0" numCol="1" anchor="t" anchorCtr="0" compatLnSpc="1">
+            <a:prstTxWarp prst="textNoShape">
+              <a:avLst/>
+            </a:prstTxWarp>
             <a:spAutoFit/>
           </a:bodyPr>
           <a:lstStyle>
@@ -1836,7 +1909,6 @@
               <a:rPr lang="en-US" dirty="0"/>
               <a:t>Copyright © 2017 Elephant Scale. All rights reserved.</a:t>
             </a:r>
-            <a:endParaRPr lang="en-US" dirty="0"/>
           </a:p>
         </p:txBody>
       </p:sp>
@@ -1849,7 +1921,7 @@
           <p:nvPr/>
         </p:nvPicPr>
         <p:blipFill>
-          <a:blip r:embed="rId5"/>
+          <a:blip r:embed="rId6"/>
           <a:srcRect/>
           <a:stretch>
             <a:fillRect/>
@@ -1896,10 +1968,16 @@
           <a:ln w="9525">
             <a:noFill/>
             <a:miter lim="800000"/>
+            <a:headEnd/>
+            <a:tailEnd/>
           </a:ln>
         </p:spPr>
         <p:txBody>
-          <a:bodyPr vert="horz" wrap="square" lIns="92007" tIns="46005" rIns="92007" bIns="46005" numCol="1" anchor="b" anchorCtr="0" compatLnSpc="1"/>
+          <a:bodyPr vert="horz" wrap="square" lIns="92007" tIns="46005" rIns="92007" bIns="46005" numCol="1" anchor="b" anchorCtr="0" compatLnSpc="1">
+            <a:prstTxWarp prst="textNoShape">
+              <a:avLst/>
+            </a:prstTxWarp>
+          </a:bodyPr>
           <a:lstStyle/>
           <a:p>
             <a:pPr lvl="0"/>
@@ -1907,7 +1985,6 @@
               <a:rPr lang="en-US" dirty="0"/>
               <a:t>Click to edit Master title style</a:t>
             </a:r>
-            <a:endParaRPr lang="en-US" dirty="0"/>
           </a:p>
         </p:txBody>
       </p:sp>
@@ -1915,10 +1992,10 @@
   </p:cSld>
   <p:clrMap bg1="dk2" tx1="lt1" bg2="dk1" tx2="lt2" accent1="accent1" accent2="accent2" accent3="accent3" accent4="accent4" accent5="accent5" accent6="accent6" hlink="hlink" folHlink="folHlink"/>
   <p:sldLayoutIdLst>
-    <p:sldLayoutId id="2147483649" r:id="rId1"/>
-    <p:sldLayoutId id="2147483650" r:id="rId2"/>
-    <p:sldLayoutId id="2147483651" r:id="rId3"/>
-    <p:sldLayoutId id="2147483652" r:id="rId4"/>
+    <p:sldLayoutId id="2147483656" r:id="rId1"/>
+    <p:sldLayoutId id="2147483655" r:id="rId2"/>
+    <p:sldLayoutId id="2147483654" r:id="rId3"/>
+    <p:sldLayoutId id="2147483653" r:id="rId4"/>
   </p:sldLayoutIdLst>
   <p:hf hdr="0" dt="0"/>
   <p:txStyles>
@@ -1935,8 +2012,8 @@
             <a:schemeClr val="tx1"/>
           </a:solidFill>
           <a:latin typeface="+mj-lt"/>
-          <a:ea typeface="MS PGothic" pitchFamily="-110" charset="-128"/>
-          <a:cs typeface="MS PGothic" pitchFamily="-110" charset="-128"/>
+          <a:ea typeface="ＭＳ Ｐゴシック" pitchFamily="-110" charset="-128"/>
+          <a:cs typeface="ＭＳ Ｐゴシック" pitchFamily="-110" charset="-128"/>
         </a:defRPr>
       </a:lvl1pPr>
       <a:lvl2pPr algn="l" rtl="0" eaLnBrk="0" fontAlgn="base" hangingPunct="0">
@@ -1950,9 +2027,9 @@
           <a:solidFill>
             <a:schemeClr val="tx1"/>
           </a:solidFill>
-          <a:latin typeface="Verdana" panose="020B0604030504040204" pitchFamily="-110" charset="0"/>
-          <a:ea typeface="MS PGothic" pitchFamily="-110" charset="-128"/>
-          <a:cs typeface="MS PGothic" pitchFamily="-110" charset="-128"/>
+          <a:latin typeface="Verdana" pitchFamily="-110" charset="0"/>
+          <a:ea typeface="ＭＳ Ｐゴシック" pitchFamily="-110" charset="-128"/>
+          <a:cs typeface="ＭＳ Ｐゴシック" pitchFamily="-110" charset="-128"/>
         </a:defRPr>
       </a:lvl2pPr>
       <a:lvl3pPr algn="l" rtl="0" eaLnBrk="0" fontAlgn="base" hangingPunct="0">
@@ -1966,9 +2043,9 @@
           <a:solidFill>
             <a:schemeClr val="tx1"/>
           </a:solidFill>
-          <a:latin typeface="Verdana" panose="020B0604030504040204" pitchFamily="-110" charset="0"/>
-          <a:ea typeface="MS PGothic" pitchFamily="-110" charset="-128"/>
-          <a:cs typeface="MS PGothic" pitchFamily="-110" charset="-128"/>
+          <a:latin typeface="Verdana" pitchFamily="-110" charset="0"/>
+          <a:ea typeface="ＭＳ Ｐゴシック" pitchFamily="-110" charset="-128"/>
+          <a:cs typeface="ＭＳ Ｐゴシック" pitchFamily="-110" charset="-128"/>
         </a:defRPr>
       </a:lvl3pPr>
       <a:lvl4pPr algn="l" rtl="0" eaLnBrk="0" fontAlgn="base" hangingPunct="0">
@@ -1982,9 +2059,9 @@
           <a:solidFill>
             <a:schemeClr val="tx1"/>
           </a:solidFill>
-          <a:latin typeface="Verdana" panose="020B0604030504040204" pitchFamily="-110" charset="0"/>
-          <a:ea typeface="MS PGothic" pitchFamily="-110" charset="-128"/>
-          <a:cs typeface="MS PGothic" pitchFamily="-110" charset="-128"/>
+          <a:latin typeface="Verdana" pitchFamily="-110" charset="0"/>
+          <a:ea typeface="ＭＳ Ｐゴシック" pitchFamily="-110" charset="-128"/>
+          <a:cs typeface="ＭＳ Ｐゴシック" pitchFamily="-110" charset="-128"/>
         </a:defRPr>
       </a:lvl4pPr>
       <a:lvl5pPr algn="l" rtl="0" eaLnBrk="0" fontAlgn="base" hangingPunct="0">
@@ -1998,9 +2075,9 @@
           <a:solidFill>
             <a:schemeClr val="tx1"/>
           </a:solidFill>
-          <a:latin typeface="Verdana" panose="020B0604030504040204" pitchFamily="-110" charset="0"/>
-          <a:ea typeface="MS PGothic" pitchFamily="-110" charset="-128"/>
-          <a:cs typeface="MS PGothic" pitchFamily="-110" charset="-128"/>
+          <a:latin typeface="Verdana" pitchFamily="-110" charset="0"/>
+          <a:ea typeface="ＭＳ Ｐゴシック" pitchFamily="-110" charset="-128"/>
+          <a:cs typeface="ＭＳ Ｐゴシック" pitchFamily="-110" charset="-128"/>
         </a:defRPr>
       </a:lvl5pPr>
       <a:lvl6pPr marL="457200" algn="l" rtl="0" eaLnBrk="0" fontAlgn="base" hangingPunct="0">
@@ -2014,7 +2091,7 @@
           <a:solidFill>
             <a:schemeClr val="tx1"/>
           </a:solidFill>
-          <a:latin typeface="Verdana" panose="020B0604030504040204" pitchFamily="-110" charset="0"/>
+          <a:latin typeface="Verdana" pitchFamily="-110" charset="0"/>
         </a:defRPr>
       </a:lvl6pPr>
       <a:lvl7pPr marL="914400" algn="l" rtl="0" eaLnBrk="0" fontAlgn="base" hangingPunct="0">
@@ -2028,7 +2105,7 @@
           <a:solidFill>
             <a:schemeClr val="tx1"/>
           </a:solidFill>
-          <a:latin typeface="Verdana" panose="020B0604030504040204" pitchFamily="-110" charset="0"/>
+          <a:latin typeface="Verdana" pitchFamily="-110" charset="0"/>
         </a:defRPr>
       </a:lvl7pPr>
       <a:lvl8pPr marL="1371600" algn="l" rtl="0" eaLnBrk="0" fontAlgn="base" hangingPunct="0">
@@ -2042,7 +2119,7 @@
           <a:solidFill>
             <a:schemeClr val="tx1"/>
           </a:solidFill>
-          <a:latin typeface="Verdana" panose="020B0604030504040204" pitchFamily="-110" charset="0"/>
+          <a:latin typeface="Verdana" pitchFamily="-110" charset="0"/>
         </a:defRPr>
       </a:lvl8pPr>
       <a:lvl9pPr marL="1828800" algn="l" rtl="0" eaLnBrk="0" fontAlgn="base" hangingPunct="0">
@@ -2056,12 +2133,12 @@
           <a:solidFill>
             <a:schemeClr val="tx1"/>
           </a:solidFill>
-          <a:latin typeface="Verdana" panose="020B0604030504040204" pitchFamily="-110" charset="0"/>
+          <a:latin typeface="Verdana" pitchFamily="-110" charset="0"/>
         </a:defRPr>
       </a:lvl9pPr>
     </p:titleStyle>
     <p:bodyStyle>
-      <a:lvl1pPr marL="290830" indent="-290830" algn="l" rtl="0" eaLnBrk="0" fontAlgn="base" hangingPunct="0">
+      <a:lvl1pPr marL="290513" indent="-290513" algn="l" rtl="0" eaLnBrk="0" fontAlgn="base" hangingPunct="0">
         <a:spcBef>
           <a:spcPct val="20000"/>
         </a:spcBef>
@@ -2072,18 +2149,18 @@
           <a:schemeClr val="tx2"/>
         </a:buClr>
         <a:buSzPct val="65000"/>
-        <a:buFont typeface="Wingdings" panose="05000000000000000000" pitchFamily="2" charset="2"/>
+        <a:buFont typeface="Wingdings" pitchFamily="2" charset="2"/>
         <a:buChar char=""/>
         <a:defRPr sz="2400">
           <a:solidFill>
             <a:srgbClr val="000000"/>
           </a:solidFill>
           <a:latin typeface="+mn-lt"/>
-          <a:ea typeface="MS PGothic" pitchFamily="-110" charset="-128"/>
-          <a:cs typeface="MS PGothic" pitchFamily="-110" charset="-128"/>
+          <a:ea typeface="ＭＳ Ｐゴシック" pitchFamily="-110" charset="-128"/>
+          <a:cs typeface="ＭＳ Ｐゴシック" pitchFamily="-110" charset="-128"/>
         </a:defRPr>
       </a:lvl1pPr>
-      <a:lvl2pPr marL="633730" indent="-228600" algn="l" rtl="0" eaLnBrk="0" fontAlgn="base" hangingPunct="0">
+      <a:lvl2pPr marL="633413" indent="-228600" algn="l" rtl="0" eaLnBrk="0" fontAlgn="base" hangingPunct="0">
         <a:spcBef>
           <a:spcPct val="20000"/>
         </a:spcBef>
@@ -2099,11 +2176,11 @@
             <a:srgbClr val="000000"/>
           </a:solidFill>
           <a:latin typeface="+mn-lt"/>
-          <a:ea typeface="MS PGothic" pitchFamily="-110" charset="-128"/>
-          <a:cs typeface="MS PGothic"/>
+          <a:ea typeface="ＭＳ Ｐゴシック" pitchFamily="-110" charset="-128"/>
+          <a:cs typeface="ＭＳ Ｐゴシック"/>
         </a:defRPr>
       </a:lvl2pPr>
-      <a:lvl3pPr marL="970280" indent="-222250" algn="l" rtl="0" eaLnBrk="0" fontAlgn="base" hangingPunct="0">
+      <a:lvl3pPr marL="969963" indent="-222250" algn="l" rtl="0" eaLnBrk="0" fontAlgn="base" hangingPunct="0">
         <a:spcBef>
           <a:spcPct val="20000"/>
         </a:spcBef>
@@ -2116,11 +2193,11 @@
             <a:srgbClr val="000000"/>
           </a:solidFill>
           <a:latin typeface="+mn-lt"/>
-          <a:ea typeface="MS PGothic" pitchFamily="-110" charset="-128"/>
-          <a:cs typeface="MS PGothic"/>
+          <a:ea typeface="ＭＳ Ｐゴシック" pitchFamily="-110" charset="-128"/>
+          <a:cs typeface="ＭＳ Ｐゴシック"/>
         </a:defRPr>
       </a:lvl3pPr>
-      <a:lvl4pPr marL="1259205" indent="-228600" algn="l" rtl="0" eaLnBrk="0" fontAlgn="base" hangingPunct="0">
+      <a:lvl4pPr marL="1258888" indent="-228600" algn="l" rtl="0" eaLnBrk="0" fontAlgn="base" hangingPunct="0">
         <a:spcBef>
           <a:spcPct val="0"/>
         </a:spcBef>
@@ -2138,11 +2215,11 @@
             <a:srgbClr val="000000"/>
           </a:solidFill>
           <a:latin typeface="+mn-lt"/>
-          <a:ea typeface="MS PGothic" pitchFamily="-110" charset="-128"/>
-          <a:cs typeface="MS PGothic"/>
+          <a:ea typeface="ＭＳ Ｐゴシック" pitchFamily="-110" charset="-128"/>
+          <a:cs typeface="ＭＳ Ｐゴシック"/>
         </a:defRPr>
       </a:lvl4pPr>
-      <a:lvl5pPr marL="2056130" indent="-230505" algn="l" rtl="0" eaLnBrk="0" fontAlgn="base" hangingPunct="0">
+      <a:lvl5pPr marL="2055813" indent="-230188" algn="l" rtl="0" eaLnBrk="0" fontAlgn="base" hangingPunct="0">
         <a:spcBef>
           <a:spcPct val="20000"/>
         </a:spcBef>
@@ -2156,12 +2233,12 @@
           <a:solidFill>
             <a:schemeClr val="tx1"/>
           </a:solidFill>
-          <a:latin typeface="Times New Roman" panose="02020603050405020304" pitchFamily="-110" charset="0"/>
-          <a:ea typeface="MS PGothic" pitchFamily="-110" charset="-128"/>
-          <a:cs typeface="MS PGothic"/>
+          <a:latin typeface="Times New Roman" pitchFamily="-110" charset="0"/>
+          <a:ea typeface="ＭＳ Ｐゴシック" pitchFamily="-110" charset="-128"/>
+          <a:cs typeface="ＭＳ Ｐゴシック"/>
         </a:defRPr>
       </a:lvl5pPr>
-      <a:lvl6pPr marL="2513330" indent="-230505" algn="l" rtl="0" eaLnBrk="0" fontAlgn="base" hangingPunct="0">
+      <a:lvl6pPr marL="2513013" indent="-230188" algn="l" rtl="0" eaLnBrk="0" fontAlgn="base" hangingPunct="0">
         <a:spcBef>
           <a:spcPct val="20000"/>
         </a:spcBef>
@@ -2175,11 +2252,11 @@
           <a:solidFill>
             <a:schemeClr val="tx1"/>
           </a:solidFill>
-          <a:latin typeface="Times New Roman" panose="02020603050405020304" pitchFamily="-110" charset="0"/>
-          <a:ea typeface="MS PGothic" pitchFamily="-110" charset="-128"/>
+          <a:latin typeface="Times New Roman" pitchFamily="-110" charset="0"/>
+          <a:ea typeface="ＭＳ Ｐゴシック" pitchFamily="-110" charset="-128"/>
         </a:defRPr>
       </a:lvl6pPr>
-      <a:lvl7pPr marL="2970530" indent="-230505" algn="l" rtl="0" eaLnBrk="0" fontAlgn="base" hangingPunct="0">
+      <a:lvl7pPr marL="2970213" indent="-230188" algn="l" rtl="0" eaLnBrk="0" fontAlgn="base" hangingPunct="0">
         <a:spcBef>
           <a:spcPct val="20000"/>
         </a:spcBef>
@@ -2193,11 +2270,11 @@
           <a:solidFill>
             <a:schemeClr val="tx1"/>
           </a:solidFill>
-          <a:latin typeface="Times New Roman" panose="02020603050405020304" pitchFamily="-110" charset="0"/>
-          <a:ea typeface="MS PGothic" pitchFamily="-110" charset="-128"/>
+          <a:latin typeface="Times New Roman" pitchFamily="-110" charset="0"/>
+          <a:ea typeface="ＭＳ Ｐゴシック" pitchFamily="-110" charset="-128"/>
         </a:defRPr>
       </a:lvl7pPr>
-      <a:lvl8pPr marL="3427730" indent="-230505" algn="l" rtl="0" eaLnBrk="0" fontAlgn="base" hangingPunct="0">
+      <a:lvl8pPr marL="3427413" indent="-230188" algn="l" rtl="0" eaLnBrk="0" fontAlgn="base" hangingPunct="0">
         <a:spcBef>
           <a:spcPct val="20000"/>
         </a:spcBef>
@@ -2211,11 +2288,11 @@
           <a:solidFill>
             <a:schemeClr val="tx1"/>
           </a:solidFill>
-          <a:latin typeface="Times New Roman" panose="02020603050405020304" pitchFamily="-110" charset="0"/>
-          <a:ea typeface="MS PGothic" pitchFamily="-110" charset="-128"/>
+          <a:latin typeface="Times New Roman" pitchFamily="-110" charset="0"/>
+          <a:ea typeface="ＭＳ Ｐゴシック" pitchFamily="-110" charset="-128"/>
         </a:defRPr>
       </a:lvl8pPr>
-      <a:lvl9pPr marL="3884930" indent="-230505" algn="l" rtl="0" eaLnBrk="0" fontAlgn="base" hangingPunct="0">
+      <a:lvl9pPr marL="3884613" indent="-230188" algn="l" rtl="0" eaLnBrk="0" fontAlgn="base" hangingPunct="0">
         <a:spcBef>
           <a:spcPct val="20000"/>
         </a:spcBef>
@@ -2229,8 +2306,8 @@
           <a:solidFill>
             <a:schemeClr val="tx1"/>
           </a:solidFill>
-          <a:latin typeface="Times New Roman" panose="02020603050405020304" pitchFamily="-110" charset="0"/>
-          <a:ea typeface="MS PGothic" pitchFamily="-110" charset="-128"/>
+          <a:latin typeface="Times New Roman" pitchFamily="-110" charset="0"/>
+          <a:ea typeface="ＭＳ Ｐゴシック" pitchFamily="-110" charset="-128"/>
         </a:defRPr>
       </a:lvl9pPr>
     </p:bodyStyle>
@@ -2342,7 +2419,14 @@
         <p:cNvGrpSpPr/>
         <p:nvPr/>
       </p:nvGrpSpPr>
-      <p:grpSpPr/>
+      <p:grpSpPr>
+        <a:xfrm>
+          <a:off x="0" y="0"/>
+          <a:ext cx="0" cy="0"/>
+          <a:chOff x="0" y="0"/>
+          <a:chExt cx="0" cy="0"/>
+        </a:xfrm>
+      </p:grpSpPr>
       <p:sp>
         <p:nvSpPr>
           <p:cNvPr id="2" name="Subtitle 1"/>
@@ -2357,7 +2441,9 @@
         <p:txBody>
           <a:bodyPr/>
           <a:lstStyle/>
-          <a:p/>
+          <a:p>
+            <a:endParaRPr/>
+          </a:p>
         </p:txBody>
       </p:sp>
       <p:sp>
@@ -2372,13 +2458,15 @@
         </p:nvSpPr>
         <p:spPr/>
         <p:txBody>
-          <a:bodyPr/>
+          <a:bodyPr wrap="square">
+            <a:noAutofit/>
+          </a:bodyPr>
           <a:lstStyle/>
           <a:p>
-            <a:pPr>
-              <a:defRPr sz="4200"/>
-            </a:pPr>
-            <a:r>
+            <a:r>
+              <a:rPr sz="4200" b="1" i="0">
+                <a:latin typeface="Times New Roman"/>
+              </a:rPr>
               <a:t>Secure Coding</a:t>
             </a:r>
           </a:p>
@@ -2414,11 +2502,6 @@
               </a:rPr>
               <a:t>Copyright © 2021 by Elephant Scale, All Rights Reserved</a:t>
             </a:r>
-            <a:endParaRPr sz="800">
-              <a:solidFill>
-                <a:srgbClr val="000000"/>
-              </a:solidFill>
-            </a:endParaRPr>
           </a:p>
         </p:txBody>
       </p:sp>
@@ -2439,7 +2522,14 @@
         <p:cNvGrpSpPr/>
         <p:nvPr/>
       </p:nvGrpSpPr>
-      <p:grpSpPr/>
+      <p:grpSpPr>
+        <a:xfrm>
+          <a:off x="0" y="0"/>
+          <a:ext cx="0" cy="0"/>
+          <a:chOff x="0" y="0"/>
+          <a:chExt cx="0" cy="0"/>
+        </a:xfrm>
+      </p:grpSpPr>
       <p:sp>
         <p:nvSpPr>
           <p:cNvPr id="2" name="Title 1"/>
@@ -2494,7 +2584,7 @@
           <a:p>
             <a:pPr lvl="1"/>
             <a:r>
-              <a:t> Your background (developer, admin, manager, …)</a:t>
+              <a:t> Your background (developer, admin, manager, ...)</a:t>
             </a:r>
           </a:p>
           <a:p>
@@ -2512,28 +2602,24 @@
           <a:p>
             <a:pPr lvl="1"/>
             <a:r>
-              <a:t> Something non-technical about you!</a:t>
-            </a:r>
-            <a:r>
-              <a:rPr lang="en-US"/>
-              <a:t> </a:t>
-            </a:r>
-            <a:r>
-              <a:t>(favorite ice cream flavor </a:t>
-            </a:r>
-            <a:r>
-              <a:rPr lang="en-US"/>
-              <a:t>or</a:t>
-            </a:r>
-            <a:r>
-              <a:t> hobby…)</a:t>
-            </a:r>
-          </a:p>
-          <a:p/>
-          <a:p/>
-          <a:p/>
-          <a:p/>
-          <a:p/>
+              <a:t> Something non-technical about you!(favorite ice cream flavor or hobby…)</a:t>
+            </a:r>
+          </a:p>
+          <a:p>
+            <a:endParaRPr/>
+          </a:p>
+          <a:p>
+            <a:endParaRPr/>
+          </a:p>
+          <a:p>
+            <a:endParaRPr/>
+          </a:p>
+          <a:p>
+            <a:endParaRPr/>
+          </a:p>
+          <a:p>
+            <a:endParaRPr/>
+          </a:p>
         </p:txBody>
       </p:sp>
       <p:sp>
@@ -2566,11 +2652,6 @@
               </a:rPr>
               <a:t>Copyright © 2021 by Elephant Scale, All Rights Reserved</a:t>
             </a:r>
-            <a:endParaRPr sz="800">
-              <a:solidFill>
-                <a:srgbClr val="000000"/>
-              </a:solidFill>
-            </a:endParaRPr>
           </a:p>
         </p:txBody>
       </p:sp>
@@ -2583,7 +2664,7 @@
           <p:nvPr/>
         </p:nvPicPr>
         <p:blipFill>
-          <a:blip r:embed="rId1"/>
+          <a:blip r:embed="rId2"/>
           <a:stretch>
             <a:fillRect/>
           </a:stretch>
@@ -2607,7 +2688,7 @@
           <p:nvPr/>
         </p:nvPicPr>
         <p:blipFill>
-          <a:blip r:embed="rId2"/>
+          <a:blip r:embed="rId3"/>
           <a:stretch>
             <a:fillRect/>
           </a:stretch>
@@ -2639,7 +2720,14 @@
         <p:cNvGrpSpPr/>
         <p:nvPr/>
       </p:nvGrpSpPr>
-      <p:grpSpPr/>
+      <p:grpSpPr>
+        <a:xfrm>
+          <a:off x="0" y="0"/>
+          <a:ext cx="0" cy="0"/>
+          <a:chOff x="0" y="0"/>
+          <a:chExt cx="0" cy="0"/>
+        </a:xfrm>
+      </p:grpSpPr>
       <p:sp>
         <p:nvSpPr>
           <p:cNvPr id="2" name="Title 1"/>
@@ -2675,11 +2763,21 @@
         <p:txBody>
           <a:bodyPr/>
           <a:lstStyle/>
-          <a:p/>
-          <a:p/>
-          <a:p/>
-          <a:p/>
-          <a:p/>
+          <a:p>
+            <a:endParaRPr/>
+          </a:p>
+          <a:p>
+            <a:endParaRPr/>
+          </a:p>
+          <a:p>
+            <a:endParaRPr/>
+          </a:p>
+          <a:p>
+            <a:endParaRPr/>
+          </a:p>
+          <a:p>
+            <a:endParaRPr/>
+          </a:p>
         </p:txBody>
       </p:sp>
       <p:sp>
@@ -2712,11 +2810,6 @@
               </a:rPr>
               <a:t>Copyright © 2021 by Elephant Scale, All Rights Reserved</a:t>
             </a:r>
-            <a:endParaRPr sz="800">
-              <a:solidFill>
-                <a:srgbClr val="000000"/>
-              </a:solidFill>
-            </a:endParaRPr>
           </a:p>
         </p:txBody>
       </p:sp>
@@ -2726,10 +2819,16 @@
           <p:cNvGraphicFramePr>
             <a:graphicFrameLocks noGrp="1"/>
           </p:cNvGraphicFramePr>
-          <p:nvPr/>
+          <p:nvPr>
+            <p:extLst>
+              <p:ext uri="{D42A27DB-BD31-4B8C-83A1-F6EECF244321}">
+                <p14:modId xmlns:p14="http://schemas.microsoft.com/office/powerpoint/2010/main" val="3649093384"/>
+              </p:ext>
+            </p:extLst>
+          </p:nvPr>
         </p:nvGraphicFramePr>
         <p:xfrm>
-          <a:off x="237744" y="914400"/>
+          <a:off x="237744" y="963771"/>
           <a:ext cx="8915400" cy="2651760"/>
         </p:xfrm>
         <a:graphic>
@@ -2739,9 +2838,27 @@
                 <a:tableStyleId>{5C22544A-7EE6-4342-B048-85BDC9FD1C3A}</a:tableStyleId>
               </a:tblPr>
               <a:tblGrid>
-                <a:gridCol w="882015"/>
-                <a:gridCol w="2836545"/>
-                <a:gridCol w="5196840"/>
+                <a:gridCol w="1400556">
+                  <a:extLst>
+                    <a:ext uri="{9D8B030D-6E8A-4147-A177-3AD203B41FA5}">
+                      <a16:colId xmlns:a16="http://schemas.microsoft.com/office/drawing/2014/main" val="20000"/>
+                    </a:ext>
+                  </a:extLst>
+                </a:gridCol>
+                <a:gridCol w="2514600">
+                  <a:extLst>
+                    <a:ext uri="{9D8B030D-6E8A-4147-A177-3AD203B41FA5}">
+                      <a16:colId xmlns:a16="http://schemas.microsoft.com/office/drawing/2014/main" val="20001"/>
+                    </a:ext>
+                  </a:extLst>
+                </a:gridCol>
+                <a:gridCol w="5000244">
+                  <a:extLst>
+                    <a:ext uri="{9D8B030D-6E8A-4147-A177-3AD203B41FA5}">
+                      <a16:colId xmlns:a16="http://schemas.microsoft.com/office/drawing/2014/main" val="20002"/>
+                    </a:ext>
+                  </a:extLst>
+                </a:gridCol>
               </a:tblGrid>
               <a:tr h="457200">
                 <a:tc>
@@ -2780,6 +2897,11 @@
                   </a:txBody>
                   <a:tcPr/>
                 </a:tc>
+                <a:extLst>
+                  <a:ext uri="{0D108BD9-81ED-4DB2-BD59-A6C34878D82A}">
+                    <a16:rowId xmlns:a16="http://schemas.microsoft.com/office/drawing/2014/main" val="10000"/>
+                  </a:ext>
+                </a:extLst>
               </a:tr>
               <a:tr h="457200">
                 <a:tc>
@@ -2812,22 +2934,17 @@
                     <a:lstStyle/>
                     <a:p>
                       <a:r>
-                        <a:t>Threat modeling  </a:t>
-                      </a:r>
-                    </a:p>
-                    <a:p>
-                      <a:r>
-                        <a:t>Common attacks </a:t>
-                      </a:r>
-                    </a:p>
-                    <a:p>
-                      <a:r>
-                        <a:t>Secure design</a:t>
+                        <a:t>Threat modeling  Common attacks Secure design</a:t>
                       </a:r>
                     </a:p>
                   </a:txBody>
                   <a:tcPr/>
                 </a:tc>
+                <a:extLst>
+                  <a:ext uri="{0D108BD9-81ED-4DB2-BD59-A6C34878D82A}">
+                    <a16:rowId xmlns:a16="http://schemas.microsoft.com/office/drawing/2014/main" val="10001"/>
+                  </a:ext>
+                </a:extLst>
               </a:tr>
               <a:tr h="457200">
                 <a:tc>
@@ -2860,22 +2977,17 @@
                     <a:lstStyle/>
                     <a:p>
                       <a:r>
-                        <a:t>Countermeasures  </a:t>
-                      </a:r>
-                    </a:p>
-                    <a:p>
-                      <a:r>
-                        <a:t>Authorization and authentication  </a:t>
-                      </a:r>
-                    </a:p>
-                    <a:p>
-                      <a:r>
-                        <a:t>Session security</a:t>
+                        <a:t>Countermeasures  Authorization and authentication  Session security</a:t>
                       </a:r>
                     </a:p>
                   </a:txBody>
                   <a:tcPr/>
                 </a:tc>
+                <a:extLst>
+                  <a:ext uri="{0D108BD9-81ED-4DB2-BD59-A6C34878D82A}">
+                    <a16:rowId xmlns:a16="http://schemas.microsoft.com/office/drawing/2014/main" val="10002"/>
+                  </a:ext>
+                </a:extLst>
               </a:tr>
               <a:tr h="457200">
                 <a:tc>
@@ -2908,27 +3020,18 @@
                     <a:lstStyle/>
                     <a:p>
                       <a:r>
-                        <a:t>Modern security frameworks  </a:t>
-                      </a:r>
-                    </a:p>
-                    <a:p>
-                      <a:r>
-                        <a:t>Framework architecture  </a:t>
-                      </a:r>
-                    </a:p>
-                    <a:p>
-                      <a:r>
-                        <a:t>Securing the runtime environment  </a:t>
-                      </a:r>
-                    </a:p>
-                    <a:p>
-                      <a:r>
-                        <a:t>Security future</a:t>
+                        <a:rPr dirty="0"/>
+                        <a:t>Modern security frameworks  Framework architecture  Securing the runtime environment  Security future</a:t>
                       </a:r>
                     </a:p>
                   </a:txBody>
                   <a:tcPr/>
                 </a:tc>
+                <a:extLst>
+                  <a:ext uri="{0D108BD9-81ED-4DB2-BD59-A6C34878D82A}">
+                    <a16:rowId xmlns:a16="http://schemas.microsoft.com/office/drawing/2014/main" val="10003"/>
+                  </a:ext>
+                </a:extLst>
               </a:tr>
             </a:tbl>
           </a:graphicData>
@@ -2951,7 +3054,14 @@
         <p:cNvGrpSpPr/>
         <p:nvPr/>
       </p:nvGrpSpPr>
-      <p:grpSpPr/>
+      <p:grpSpPr>
+        <a:xfrm>
+          <a:off x="0" y="0"/>
+          <a:ext cx="0" cy="0"/>
+          <a:chOff x="0" y="0"/>
+          <a:chExt cx="0" cy="0"/>
+        </a:xfrm>
+      </p:grpSpPr>
       <p:sp>
         <p:nvSpPr>
           <p:cNvPr id="2" name="Title 1"/>
@@ -3069,11 +3179,6 @@
               </a:rPr>
               <a:t>Copyright © 2021 by Elephant Scale, All Rights Reserved</a:t>
             </a:r>
-            <a:endParaRPr sz="800">
-              <a:solidFill>
-                <a:srgbClr val="000000"/>
-              </a:solidFill>
-            </a:endParaRPr>
           </a:p>
         </p:txBody>
       </p:sp>
@@ -3094,7 +3199,14 @@
         <p:cNvGrpSpPr/>
         <p:nvPr/>
       </p:nvGrpSpPr>
-      <p:grpSpPr/>
+      <p:grpSpPr>
+        <a:xfrm>
+          <a:off x="0" y="0"/>
+          <a:ext cx="0" cy="0"/>
+          <a:chOff x="0" y="0"/>
+          <a:chExt cx="0" cy="0"/>
+        </a:xfrm>
+      </p:grpSpPr>
       <p:sp>
         <p:nvSpPr>
           <p:cNvPr id="2" name="Title 1"/>
@@ -3182,11 +3294,6 @@
               </a:rPr>
               <a:t>Copyright © 2021 by Elephant Scale, All Rights Reserved</a:t>
             </a:r>
-            <a:endParaRPr sz="800">
-              <a:solidFill>
-                <a:srgbClr val="000000"/>
-              </a:solidFill>
-            </a:endParaRPr>
           </a:p>
         </p:txBody>
       </p:sp>
@@ -3207,7 +3314,14 @@
         <p:cNvGrpSpPr/>
         <p:nvPr/>
       </p:nvGrpSpPr>
-      <p:grpSpPr/>
+      <p:grpSpPr>
+        <a:xfrm>
+          <a:off x="0" y="0"/>
+          <a:ext cx="0" cy="0"/>
+          <a:chOff x="0" y="0"/>
+          <a:chExt cx="0" cy="0"/>
+        </a:xfrm>
+      </p:grpSpPr>
       <p:sp>
         <p:nvSpPr>
           <p:cNvPr id="2" name="Title 1"/>
@@ -3248,19 +3362,45 @@
               <a:t> Where is the ANY key?</a:t>
             </a:r>
           </a:p>
-          <a:p/>
-          <a:p/>
-          <a:p/>
-          <a:p/>
-          <a:p/>
-          <a:p/>
-          <a:p/>
-          <a:p/>
-          <a:p/>
-          <a:p/>
-          <a:p/>
-          <a:p/>
-          <a:p/>
+          <a:p>
+            <a:endParaRPr/>
+          </a:p>
+          <a:p>
+            <a:endParaRPr/>
+          </a:p>
+          <a:p>
+            <a:endParaRPr/>
+          </a:p>
+          <a:p>
+            <a:endParaRPr/>
+          </a:p>
+          <a:p>
+            <a:endParaRPr/>
+          </a:p>
+          <a:p>
+            <a:endParaRPr/>
+          </a:p>
+          <a:p>
+            <a:endParaRPr/>
+          </a:p>
+          <a:p>
+            <a:endParaRPr/>
+          </a:p>
+          <a:p>
+            <a:endParaRPr/>
+          </a:p>
+          <a:p>
+            <a:endParaRPr/>
+          </a:p>
+          <a:p>
+            <a:endParaRPr/>
+          </a:p>
+          <a:p>
+            <a:endParaRPr/>
+          </a:p>
+          <a:p>
+            <a:endParaRPr/>
+          </a:p>
         </p:txBody>
       </p:sp>
       <p:sp>
@@ -3293,11 +3433,6 @@
               </a:rPr>
               <a:t>Copyright © 2021 by Elephant Scale, All Rights Reserved</a:t>
             </a:r>
-            <a:endParaRPr sz="800">
-              <a:solidFill>
-                <a:srgbClr val="000000"/>
-              </a:solidFill>
-            </a:endParaRPr>
           </a:p>
         </p:txBody>
       </p:sp>
@@ -3310,7 +3445,7 @@
           <p:nvPr/>
         </p:nvPicPr>
         <p:blipFill>
-          <a:blip r:embed="rId1"/>
+          <a:blip r:embed="rId2"/>
           <a:stretch>
             <a:fillRect/>
           </a:stretch>
@@ -3342,7 +3477,14 @@
         <p:cNvGrpSpPr/>
         <p:nvPr/>
       </p:nvGrpSpPr>
-      <p:grpSpPr/>
+      <p:grpSpPr>
+        <a:xfrm>
+          <a:off x="0" y="0"/>
+          <a:ext cx="0" cy="0"/>
+          <a:chOff x="0" y="0"/>
+          <a:chExt cx="0" cy="0"/>
+        </a:xfrm>
+      </p:grpSpPr>
       <p:sp>
         <p:nvSpPr>
           <p:cNvPr id="2" name="Title 1"/>
@@ -3378,20 +3520,48 @@
         <p:txBody>
           <a:bodyPr/>
           <a:lstStyle/>
-          <a:p/>
-          <a:p/>
-          <a:p/>
-          <a:p/>
-          <a:p/>
-          <a:p/>
-          <a:p/>
-          <a:p/>
-          <a:p/>
-          <a:p/>
-          <a:p/>
-          <a:p/>
-          <a:p/>
-          <a:p/>
+          <a:p>
+            <a:endParaRPr/>
+          </a:p>
+          <a:p>
+            <a:endParaRPr/>
+          </a:p>
+          <a:p>
+            <a:endParaRPr/>
+          </a:p>
+          <a:p>
+            <a:endParaRPr/>
+          </a:p>
+          <a:p>
+            <a:endParaRPr/>
+          </a:p>
+          <a:p>
+            <a:endParaRPr/>
+          </a:p>
+          <a:p>
+            <a:endParaRPr/>
+          </a:p>
+          <a:p>
+            <a:endParaRPr/>
+          </a:p>
+          <a:p>
+            <a:endParaRPr/>
+          </a:p>
+          <a:p>
+            <a:endParaRPr/>
+          </a:p>
+          <a:p>
+            <a:endParaRPr/>
+          </a:p>
+          <a:p>
+            <a:endParaRPr/>
+          </a:p>
+          <a:p>
+            <a:endParaRPr/>
+          </a:p>
+          <a:p>
+            <a:endParaRPr/>
+          </a:p>
         </p:txBody>
       </p:sp>
       <p:sp>
@@ -3424,11 +3594,6 @@
               </a:rPr>
               <a:t>Copyright © 2021 by Elephant Scale, All Rights Reserved</a:t>
             </a:r>
-            <a:endParaRPr sz="800">
-              <a:solidFill>
-                <a:srgbClr val="000000"/>
-              </a:solidFill>
-            </a:endParaRPr>
           </a:p>
         </p:txBody>
       </p:sp>
@@ -3441,7 +3606,7 @@
           <p:nvPr/>
         </p:nvPicPr>
         <p:blipFill>
-          <a:blip r:embed="rId1"/>
+          <a:blip r:embed="rId2"/>
           <a:stretch>
             <a:fillRect/>
           </a:stretch>
@@ -3473,7 +3638,14 @@
         <p:cNvGrpSpPr/>
         <p:nvPr/>
       </p:nvGrpSpPr>
-      <p:grpSpPr/>
+      <p:grpSpPr>
+        <a:xfrm>
+          <a:off x="0" y="0"/>
+          <a:ext cx="0" cy="0"/>
+          <a:chOff x="0" y="0"/>
+          <a:chExt cx="0" cy="0"/>
+        </a:xfrm>
+      </p:grpSpPr>
       <p:sp>
         <p:nvSpPr>
           <p:cNvPr id="2" name="Title 1"/>
@@ -3509,20 +3681,48 @@
         <p:txBody>
           <a:bodyPr/>
           <a:lstStyle/>
-          <a:p/>
-          <a:p/>
-          <a:p/>
-          <a:p/>
-          <a:p/>
-          <a:p/>
-          <a:p/>
-          <a:p/>
-          <a:p/>
-          <a:p/>
-          <a:p/>
-          <a:p/>
-          <a:p/>
-          <a:p/>
+          <a:p>
+            <a:endParaRPr/>
+          </a:p>
+          <a:p>
+            <a:endParaRPr/>
+          </a:p>
+          <a:p>
+            <a:endParaRPr/>
+          </a:p>
+          <a:p>
+            <a:endParaRPr/>
+          </a:p>
+          <a:p>
+            <a:endParaRPr/>
+          </a:p>
+          <a:p>
+            <a:endParaRPr/>
+          </a:p>
+          <a:p>
+            <a:endParaRPr/>
+          </a:p>
+          <a:p>
+            <a:endParaRPr/>
+          </a:p>
+          <a:p>
+            <a:endParaRPr/>
+          </a:p>
+          <a:p>
+            <a:endParaRPr/>
+          </a:p>
+          <a:p>
+            <a:endParaRPr/>
+          </a:p>
+          <a:p>
+            <a:endParaRPr/>
+          </a:p>
+          <a:p>
+            <a:endParaRPr/>
+          </a:p>
+          <a:p>
+            <a:endParaRPr/>
+          </a:p>
         </p:txBody>
       </p:sp>
       <p:sp>
@@ -3555,11 +3755,6 @@
               </a:rPr>
               <a:t>Copyright © 2021 by Elephant Scale, All Rights Reserved</a:t>
             </a:r>
-            <a:endParaRPr sz="800">
-              <a:solidFill>
-                <a:srgbClr val="000000"/>
-              </a:solidFill>
-            </a:endParaRPr>
           </a:p>
         </p:txBody>
       </p:sp>
@@ -3572,7 +3767,7 @@
           <p:nvPr/>
         </p:nvPicPr>
         <p:blipFill>
-          <a:blip r:embed="rId1"/>
+          <a:blip r:embed="rId3"/>
           <a:stretch>
             <a:fillRect/>
           </a:stretch>
@@ -3604,7 +3799,14 @@
         <p:cNvGrpSpPr/>
         <p:nvPr/>
       </p:nvGrpSpPr>
-      <p:grpSpPr/>
+      <p:grpSpPr>
+        <a:xfrm>
+          <a:off x="0" y="0"/>
+          <a:ext cx="0" cy="0"/>
+          <a:chOff x="0" y="0"/>
+          <a:chExt cx="0" cy="0"/>
+        </a:xfrm>
+      </p:grpSpPr>
       <p:sp>
         <p:nvSpPr>
           <p:cNvPr id="2" name="Title 1"/>
@@ -3640,20 +3842,48 @@
         <p:txBody>
           <a:bodyPr/>
           <a:lstStyle/>
-          <a:p/>
-          <a:p/>
-          <a:p/>
-          <a:p/>
-          <a:p/>
-          <a:p/>
-          <a:p/>
-          <a:p/>
-          <a:p/>
-          <a:p/>
-          <a:p/>
-          <a:p/>
-          <a:p/>
-          <a:p/>
+          <a:p>
+            <a:endParaRPr/>
+          </a:p>
+          <a:p>
+            <a:endParaRPr/>
+          </a:p>
+          <a:p>
+            <a:endParaRPr/>
+          </a:p>
+          <a:p>
+            <a:endParaRPr/>
+          </a:p>
+          <a:p>
+            <a:endParaRPr/>
+          </a:p>
+          <a:p>
+            <a:endParaRPr/>
+          </a:p>
+          <a:p>
+            <a:endParaRPr/>
+          </a:p>
+          <a:p>
+            <a:endParaRPr/>
+          </a:p>
+          <a:p>
+            <a:endParaRPr/>
+          </a:p>
+          <a:p>
+            <a:endParaRPr/>
+          </a:p>
+          <a:p>
+            <a:endParaRPr/>
+          </a:p>
+          <a:p>
+            <a:endParaRPr/>
+          </a:p>
+          <a:p>
+            <a:endParaRPr/>
+          </a:p>
+          <a:p>
+            <a:endParaRPr/>
+          </a:p>
         </p:txBody>
       </p:sp>
       <p:sp>
@@ -3686,11 +3916,6 @@
               </a:rPr>
               <a:t>Copyright © 2021 by Elephant Scale, All Rights Reserved</a:t>
             </a:r>
-            <a:endParaRPr sz="800">
-              <a:solidFill>
-                <a:srgbClr val="000000"/>
-              </a:solidFill>
-            </a:endParaRPr>
           </a:p>
         </p:txBody>
       </p:sp>
@@ -3703,7 +3928,7 @@
           <p:nvPr/>
         </p:nvPicPr>
         <p:blipFill>
-          <a:blip r:embed="rId1"/>
+          <a:blip r:embed="rId3"/>
           <a:stretch>
             <a:fillRect/>
           </a:stretch>
@@ -3735,7 +3960,14 @@
         <p:cNvGrpSpPr/>
         <p:nvPr/>
       </p:nvGrpSpPr>
-      <p:grpSpPr/>
+      <p:grpSpPr>
+        <a:xfrm>
+          <a:off x="0" y="0"/>
+          <a:ext cx="0" cy="0"/>
+          <a:chOff x="0" y="0"/>
+          <a:chExt cx="0" cy="0"/>
+        </a:xfrm>
+      </p:grpSpPr>
       <p:sp>
         <p:nvSpPr>
           <p:cNvPr id="2" name="Title 1"/>
@@ -3771,14 +4003,30 @@
         <p:txBody>
           <a:bodyPr/>
           <a:lstStyle/>
-          <a:p/>
-          <a:p/>
-          <a:p/>
-          <a:p/>
-          <a:p/>
-          <a:p/>
-          <a:p/>
-          <a:p/>
+          <a:p>
+            <a:endParaRPr/>
+          </a:p>
+          <a:p>
+            <a:endParaRPr/>
+          </a:p>
+          <a:p>
+            <a:endParaRPr/>
+          </a:p>
+          <a:p>
+            <a:endParaRPr/>
+          </a:p>
+          <a:p>
+            <a:endParaRPr/>
+          </a:p>
+          <a:p>
+            <a:endParaRPr/>
+          </a:p>
+          <a:p>
+            <a:endParaRPr/>
+          </a:p>
+          <a:p>
+            <a:endParaRPr/>
+          </a:p>
         </p:txBody>
       </p:sp>
       <p:sp>
@@ -3811,11 +4059,6 @@
               </a:rPr>
               <a:t>Copyright © 2021 by Elephant Scale, All Rights Reserved</a:t>
             </a:r>
-            <a:endParaRPr sz="800">
-              <a:solidFill>
-                <a:srgbClr val="000000"/>
-              </a:solidFill>
-            </a:endParaRPr>
           </a:p>
         </p:txBody>
       </p:sp>
@@ -3828,7 +4071,7 @@
           <p:nvPr/>
         </p:nvPicPr>
         <p:blipFill>
-          <a:blip r:embed="rId1"/>
+          <a:blip r:embed="rId2"/>
           <a:stretch>
             <a:fillRect/>
           </a:stretch>
@@ -4094,8 +4337,13 @@
           <a:headEnd type="none" w="med" len="med"/>
           <a:tailEnd type="none" w="med" len="med"/>
         </a:ln>
+        <a:effectLst/>
       </a:spPr>
-      <a:bodyPr vert="horz" wrap="square" lIns="91440" tIns="45720" rIns="91440" bIns="45720" numCol="1" anchor="t" anchorCtr="0" compatLnSpc="1"/>
+      <a:bodyPr vert="horz" wrap="square" lIns="91440" tIns="45720" rIns="91440" bIns="45720" numCol="1" anchor="t" anchorCtr="0" compatLnSpc="1">
+        <a:prstTxWarp prst="textNoShape">
+          <a:avLst/>
+        </a:prstTxWarp>
+      </a:bodyPr>
       <a:lstStyle>
         <a:defPPr marL="0" marR="0" indent="0" algn="ctr" defTabSz="914400" rtl="0" eaLnBrk="1" fontAlgn="base" latinLnBrk="0" hangingPunct="1">
           <a:lnSpc>
@@ -4111,6 +4359,7 @@
           <a:buSzTx/>
           <a:buFontTx/>
           <a:buNone/>
+          <a:tabLst/>
           <a:defRPr kumimoji="0" lang="en-US" sz="1000" b="0" i="0" u="none" strike="noStrike" cap="none" normalizeH="0" baseline="0">
             <a:ln>
               <a:noFill/>
@@ -4119,7 +4368,7 @@
               <a:schemeClr val="tx1"/>
             </a:solidFill>
             <a:effectLst/>
-            <a:latin typeface="Garamond" pitchFamily="18" charset="0"/>
+            <a:latin typeface="Garamond" pitchFamily="-110" charset="0"/>
           </a:defRPr>
         </a:defPPr>
       </a:lstStyle>
@@ -4150,8 +4399,13 @@
           <a:headEnd type="none" w="med" len="med"/>
           <a:tailEnd type="none" w="med" len="med"/>
         </a:ln>
+        <a:effectLst/>
       </a:spPr>
-      <a:bodyPr vert="horz" wrap="square" lIns="91440" tIns="45720" rIns="91440" bIns="45720" numCol="1" anchor="t" anchorCtr="0" compatLnSpc="1"/>
+      <a:bodyPr vert="horz" wrap="square" lIns="91440" tIns="45720" rIns="91440" bIns="45720" numCol="1" anchor="t" anchorCtr="0" compatLnSpc="1">
+        <a:prstTxWarp prst="textNoShape">
+          <a:avLst/>
+        </a:prstTxWarp>
+      </a:bodyPr>
       <a:lstStyle>
         <a:defPPr marL="0" marR="0" indent="0" algn="ctr" defTabSz="914400" rtl="0" eaLnBrk="1" fontAlgn="base" latinLnBrk="0" hangingPunct="1">
           <a:lnSpc>
@@ -4167,6 +4421,7 @@
           <a:buSzTx/>
           <a:buFontTx/>
           <a:buNone/>
+          <a:tabLst/>
           <a:defRPr kumimoji="0" lang="en-US" sz="1000" b="0" i="0" u="none" strike="noStrike" cap="none" normalizeH="0" baseline="0">
             <a:ln>
               <a:noFill/>
@@ -4175,7 +4430,7 @@
               <a:schemeClr val="tx1"/>
             </a:solidFill>
             <a:effectLst/>
-            <a:latin typeface="Garamond" pitchFamily="18" charset="0"/>
+            <a:latin typeface="Garamond" pitchFamily="-110" charset="0"/>
           </a:defRPr>
         </a:defPPr>
       </a:lstStyle>
@@ -4470,11 +4725,6 @@
       <a:clrMap bg1="dk2" tx1="lt1" bg2="dk1" tx2="lt2" accent1="accent1" accent2="accent2" accent3="accent3" accent4="accent4" accent5="accent5" accent6="accent6" hlink="hlink" folHlink="folHlink"/>
     </a:extraClrScheme>
   </a:extraClrSchemeLst>
-  <a:extLst>
-    <a:ext uri="{05A4C25C-085E-4340-85A3-A5531E510DB2}">
-      <thm15:themeFamily xmlns:thm15="http://schemas.microsoft.com/office/thememl/2012/main" name="Office Theme" id="{62F939B6-93AF-4DB8-9C6B-D6C7DFDC589F}" vid="{4A3C46E8-61CC-4603-A589-7422A47A8E4A}"/>
-    </a:ext>
-  </a:extLst>
 </a:theme>
 </file>
 
@@ -4792,11 +5042,7 @@
       </a:style>
     </a:lnDef>
   </a:objectDefaults>
-  <a:extLst>
-    <a:ext uri="{05A4C25C-085E-4340-85A3-A5531E510DB2}">
-      <thm15:themeFamily xmlns:thm15="http://schemas.microsoft.com/office/thememl/2012/main" name="Office Theme" id="{62F939B6-93AF-4DB8-9C6B-D6C7DFDC589F}" vid="{4A3C46E8-61CC-4603-A589-7422A47A8E4A}"/>
-    </a:ext>
-  </a:extLst>
+  <a:extraClrSchemeLst/>
 </a:theme>
 </file>
 
@@ -5114,10 +5360,6 @@
       </a:style>
     </a:lnDef>
   </a:objectDefaults>
-  <a:extLst>
-    <a:ext uri="{05A4C25C-085E-4340-85A3-A5531E510DB2}">
-      <thm15:themeFamily xmlns:thm15="http://schemas.microsoft.com/office/thememl/2012/main" name="Office Theme" id="{62F939B6-93AF-4DB8-9C6B-D6C7DFDC589F}" vid="{4A3C46E8-61CC-4603-A589-7422A47A8E4A}"/>
-    </a:ext>
-  </a:extLst>
+  <a:extraClrSchemeLst/>
 </a:theme>
 </file>
--- a/secure-coding/slides/delivery/02__About-Secure-Coding-Class.pptx
+++ b/secure-coding/slides/delivery/02__About-Secure-Coding-Class.pptx
@@ -1,28 +1,28 @@
 
 <file path=ppt/presentation.xml><?xml version="1.0" encoding="utf-8"?>
-<p:presentation xmlns:a="http://schemas.openxmlformats.org/drawingml/2006/main" xmlns:r="http://schemas.openxmlformats.org/officeDocument/2006/relationships" xmlns:p="http://schemas.openxmlformats.org/presentationml/2006/main" showSpecialPlsOnTitleSld="0" saveSubsetFonts="1" autoCompressPictures="0">
+<p:presentation xmlns:a="http://schemas.openxmlformats.org/drawingml/2006/main" xmlns:r="http://schemas.openxmlformats.org/officeDocument/2006/relationships" xmlns:p="http://schemas.openxmlformats.org/presentationml/2006/main" showSpecialPlsOnTitleSld="0" autoCompressPictures="0">
   <p:sldMasterIdLst>
-    <p:sldMasterId id="2147483651" r:id="rId1"/>
+    <p:sldMasterId id="2147483648" r:id="rId1"/>
   </p:sldMasterIdLst>
   <p:notesMasterIdLst>
-    <p:notesMasterId r:id="rId12"/>
+    <p:notesMasterId r:id="rId10"/>
   </p:notesMasterIdLst>
   <p:handoutMasterIdLst>
-    <p:handoutMasterId r:id="rId13"/>
+    <p:handoutMasterId r:id="rId14"/>
   </p:handoutMasterIdLst>
   <p:sldIdLst>
-    <p:sldId id="256" r:id="rId2"/>
-    <p:sldId id="257" r:id="rId3"/>
-    <p:sldId id="258" r:id="rId4"/>
-    <p:sldId id="259" r:id="rId5"/>
-    <p:sldId id="260" r:id="rId6"/>
-    <p:sldId id="261" r:id="rId7"/>
-    <p:sldId id="262" r:id="rId8"/>
-    <p:sldId id="263" r:id="rId9"/>
-    <p:sldId id="264" r:id="rId10"/>
-    <p:sldId id="265" r:id="rId11"/>
+    <p:sldId id="256" r:id="rId3"/>
+    <p:sldId id="257" r:id="rId4"/>
+    <p:sldId id="258" r:id="rId5"/>
+    <p:sldId id="259" r:id="rId6"/>
+    <p:sldId id="260" r:id="rId7"/>
+    <p:sldId id="261" r:id="rId8"/>
+    <p:sldId id="262" r:id="rId9"/>
+    <p:sldId id="263" r:id="rId11"/>
+    <p:sldId id="264" r:id="rId12"/>
+    <p:sldId id="265" r:id="rId13"/>
   </p:sldIdLst>
-  <p:sldSz cx="9372600" cy="8297863"/>
+  <p:sldSz cx="9372600" cy="8297545"/>
   <p:notesSz cx="7315200" cy="9601200"/>
   <p:defaultTextStyle>
     <a:defPPr>
@@ -40,8 +40,8 @@
           <a:schemeClr val="tx1"/>
         </a:solidFill>
         <a:latin typeface="Garamond" pitchFamily="18" charset="0"/>
-        <a:ea typeface="ＭＳ Ｐゴシック"/>
-        <a:cs typeface="ＭＳ Ｐゴシック"/>
+        <a:ea typeface="MS PGothic"/>
+        <a:cs typeface="MS PGothic"/>
       </a:defRPr>
     </a:lvl1pPr>
     <a:lvl2pPr marL="457200" algn="l" rtl="0" fontAlgn="base">
@@ -56,8 +56,8 @@
           <a:schemeClr val="tx1"/>
         </a:solidFill>
         <a:latin typeface="Garamond" pitchFamily="18" charset="0"/>
-        <a:ea typeface="ＭＳ Ｐゴシック"/>
-        <a:cs typeface="ＭＳ Ｐゴシック"/>
+        <a:ea typeface="MS PGothic"/>
+        <a:cs typeface="MS PGothic"/>
       </a:defRPr>
     </a:lvl2pPr>
     <a:lvl3pPr marL="914400" algn="l" rtl="0" fontAlgn="base">
@@ -72,8 +72,8 @@
           <a:schemeClr val="tx1"/>
         </a:solidFill>
         <a:latin typeface="Garamond" pitchFamily="18" charset="0"/>
-        <a:ea typeface="ＭＳ Ｐゴシック"/>
-        <a:cs typeface="ＭＳ Ｐゴシック"/>
+        <a:ea typeface="MS PGothic"/>
+        <a:cs typeface="MS PGothic"/>
       </a:defRPr>
     </a:lvl3pPr>
     <a:lvl4pPr marL="1371600" algn="l" rtl="0" fontAlgn="base">
@@ -88,8 +88,8 @@
           <a:schemeClr val="tx1"/>
         </a:solidFill>
         <a:latin typeface="Garamond" pitchFamily="18" charset="0"/>
-        <a:ea typeface="ＭＳ Ｐゴシック"/>
-        <a:cs typeface="ＭＳ Ｐゴシック"/>
+        <a:ea typeface="MS PGothic"/>
+        <a:cs typeface="MS PGothic"/>
       </a:defRPr>
     </a:lvl4pPr>
     <a:lvl5pPr marL="1828800" algn="l" rtl="0" fontAlgn="base">
@@ -104,8 +104,8 @@
           <a:schemeClr val="tx1"/>
         </a:solidFill>
         <a:latin typeface="Garamond" pitchFamily="18" charset="0"/>
-        <a:ea typeface="ＭＳ Ｐゴシック"/>
-        <a:cs typeface="ＭＳ Ｐゴシック"/>
+        <a:ea typeface="MS PGothic"/>
+        <a:cs typeface="MS PGothic"/>
       </a:defRPr>
     </a:lvl5pPr>
     <a:lvl6pPr marL="2286000" algn="l" defTabSz="914400" rtl="0" eaLnBrk="1" latinLnBrk="0" hangingPunct="1">
@@ -114,8 +114,8 @@
           <a:schemeClr val="tx1"/>
         </a:solidFill>
         <a:latin typeface="Garamond" pitchFamily="18" charset="0"/>
-        <a:ea typeface="ＭＳ Ｐゴシック"/>
-        <a:cs typeface="ＭＳ Ｐゴシック"/>
+        <a:ea typeface="MS PGothic"/>
+        <a:cs typeface="MS PGothic"/>
       </a:defRPr>
     </a:lvl6pPr>
     <a:lvl7pPr marL="2743200" algn="l" defTabSz="914400" rtl="0" eaLnBrk="1" latinLnBrk="0" hangingPunct="1">
@@ -124,8 +124,8 @@
           <a:schemeClr val="tx1"/>
         </a:solidFill>
         <a:latin typeface="Garamond" pitchFamily="18" charset="0"/>
-        <a:ea typeface="ＭＳ Ｐゴシック"/>
-        <a:cs typeface="ＭＳ Ｐゴシック"/>
+        <a:ea typeface="MS PGothic"/>
+        <a:cs typeface="MS PGothic"/>
       </a:defRPr>
     </a:lvl7pPr>
     <a:lvl8pPr marL="3200400" algn="l" defTabSz="914400" rtl="0" eaLnBrk="1" latinLnBrk="0" hangingPunct="1">
@@ -134,8 +134,8 @@
           <a:schemeClr val="tx1"/>
         </a:solidFill>
         <a:latin typeface="Garamond" pitchFamily="18" charset="0"/>
-        <a:ea typeface="ＭＳ Ｐゴシック"/>
-        <a:cs typeface="ＭＳ Ｐゴシック"/>
+        <a:ea typeface="MS PGothic"/>
+        <a:cs typeface="MS PGothic"/>
       </a:defRPr>
     </a:lvl8pPr>
     <a:lvl9pPr marL="3657600" algn="l" defTabSz="914400" rtl="0" eaLnBrk="1" latinLnBrk="0" hangingPunct="1">
@@ -144,41 +144,11 @@
           <a:schemeClr val="tx1"/>
         </a:solidFill>
         <a:latin typeface="Garamond" pitchFamily="18" charset="0"/>
-        <a:ea typeface="ＭＳ Ｐゴシック"/>
-        <a:cs typeface="ＭＳ Ｐゴシック"/>
+        <a:ea typeface="MS PGothic"/>
+        <a:cs typeface="MS PGothic"/>
       </a:defRPr>
     </a:lvl9pPr>
   </p:defaultTextStyle>
-  <p:extLst>
-    <p:ext uri="{EFAFB233-063F-42B5-8137-9DF3F51BA10A}">
-      <p15:sldGuideLst xmlns:p15="http://schemas.microsoft.com/office/powerpoint/2012/main">
-        <p15:guide id="1" orient="horz" pos="2614" userDrawn="1">
-          <p15:clr>
-            <a:srgbClr val="A4A3A4"/>
-          </p15:clr>
-        </p15:guide>
-        <p15:guide id="2" pos="2952" userDrawn="1">
-          <p15:clr>
-            <a:srgbClr val="A4A3A4"/>
-          </p15:clr>
-        </p15:guide>
-      </p15:sldGuideLst>
-    </p:ext>
-    <p:ext uri="{2D200454-40CA-4A62-9FC3-DE9A4176ACB9}">
-      <p15:notesGuideLst xmlns:p15="http://schemas.microsoft.com/office/powerpoint/2012/main">
-        <p15:guide id="1" orient="horz" pos="3024">
-          <p15:clr>
-            <a:srgbClr val="A4A3A4"/>
-          </p15:clr>
-        </p15:guide>
-        <p15:guide id="2" pos="2308">
-          <p15:clr>
-            <a:srgbClr val="A4A3A4"/>
-          </p15:clr>
-        </p15:guide>
-      </p15:notesGuideLst>
-    </p:ext>
-  </p:extLst>
 </p:presentation>
 </file>
 
@@ -239,20 +209,14 @@
           <a:ln w="9525">
             <a:noFill/>
             <a:miter lim="800000"/>
-            <a:headEnd/>
-            <a:tailEnd/>
           </a:ln>
         </p:spPr>
         <p:txBody>
-          <a:bodyPr vert="horz" wrap="square" lIns="96603" tIns="48303" rIns="96603" bIns="48303" numCol="1" anchor="b" anchorCtr="0" compatLnSpc="1">
-            <a:prstTxWarp prst="textNoShape">
-              <a:avLst/>
-            </a:prstTxWarp>
-          </a:bodyPr>
+          <a:bodyPr vert="horz" wrap="square" lIns="96603" tIns="48303" rIns="96603" bIns="48303" numCol="1" anchor="b" anchorCtr="0" compatLnSpc="1"/>
           <a:lstStyle>
             <a:lvl1pPr defTabSz="965200">
               <a:defRPr sz="1200">
-                <a:latin typeface="Times New Roman" pitchFamily="18" charset="0"/>
+                <a:latin typeface="Times New Roman" panose="02020603050405020304" pitchFamily="-110" charset="0"/>
               </a:defRPr>
             </a:lvl1pPr>
           </a:lstStyle>
@@ -264,6 +228,7 @@
               <a:rPr lang="en-US" dirty="0"/>
               <a:t>Copyright © 2017 Elephant Scale. All rights reserved.</a:t>
             </a:r>
+            <a:endParaRPr lang="en-US" dirty="0"/>
           </a:p>
         </p:txBody>
       </p:sp>
@@ -289,20 +254,14 @@
           <a:ln w="9525">
             <a:noFill/>
             <a:miter lim="800000"/>
-            <a:headEnd/>
-            <a:tailEnd/>
           </a:ln>
         </p:spPr>
         <p:txBody>
-          <a:bodyPr vert="horz" wrap="square" lIns="96603" tIns="48303" rIns="96603" bIns="48303" numCol="1" anchor="b" anchorCtr="0" compatLnSpc="1">
-            <a:prstTxWarp prst="textNoShape">
-              <a:avLst/>
-            </a:prstTxWarp>
-          </a:bodyPr>
+          <a:bodyPr vert="horz" wrap="square" lIns="96603" tIns="48303" rIns="96603" bIns="48303" numCol="1" anchor="b" anchorCtr="0" compatLnSpc="1"/>
           <a:lstStyle>
             <a:lvl1pPr algn="r" defTabSz="965200">
               <a:defRPr sz="1200">
-                <a:latin typeface="Times New Roman" pitchFamily="18" charset="0"/>
+                <a:latin typeface="Times New Roman" panose="02020603050405020304" pitchFamily="-110" charset="0"/>
               </a:defRPr>
             </a:lvl1pPr>
           </a:lstStyle>
@@ -312,21 +271,12 @@
             </a:pPr>
             <a:fld id="{97E62689-8C7D-4291-A094-4E689FEC4C3B}" type="slidenum">
               <a:rPr lang="en-US"/>
-              <a:pPr>
-                <a:defRPr/>
-              </a:pPr>
-              <a:t>‹#›</a:t>
             </a:fld>
             <a:endParaRPr lang="en-US" dirty="0"/>
           </a:p>
         </p:txBody>
       </p:sp>
     </p:spTree>
-    <p:extLst>
-      <p:ext uri="{BB962C8B-B14F-4D97-AF65-F5344CB8AC3E}">
-        <p14:creationId xmlns:p14="http://schemas.microsoft.com/office/powerpoint/2010/main" val="3239291525"/>
-      </p:ext>
-    </p:extLst>
   </p:cSld>
   <p:clrMap bg1="lt1" tx1="dk1" bg2="lt2" tx2="dk2" accent1="accent1" accent2="accent2" accent3="accent3" accent4="accent4" accent5="accent5" accent6="accent6" hlink="hlink" folHlink="folHlink"/>
   <p:hf hdr="0" ftr="0" dt="0"/>
@@ -382,8 +332,6 @@
               <a:srgbClr val="000000"/>
             </a:solidFill>
             <a:miter lim="800000"/>
-            <a:headEnd/>
-            <a:tailEnd/>
           </a:ln>
         </p:spPr>
       </p:sp>
@@ -409,21 +357,15 @@
           <a:ln w="9525">
             <a:noFill/>
             <a:miter lim="800000"/>
-            <a:headEnd/>
-            <a:tailEnd/>
           </a:ln>
           <a:effectLst/>
         </p:spPr>
         <p:txBody>
-          <a:bodyPr vert="horz" wrap="square" lIns="0" tIns="0" rIns="0" bIns="0" numCol="1" anchor="b" anchorCtr="1" compatLnSpc="1">
-            <a:prstTxWarp prst="textNoShape">
-              <a:avLst/>
-            </a:prstTxWarp>
-          </a:bodyPr>
+          <a:bodyPr vert="horz" wrap="square" lIns="0" tIns="0" rIns="0" bIns="0" numCol="1" anchor="b" anchorCtr="1" compatLnSpc="1"/>
           <a:lstStyle>
             <a:lvl1pPr algn="ctr" defTabSz="965200" eaLnBrk="0" hangingPunct="0">
               <a:defRPr sz="900">
-                <a:latin typeface="Arial" charset="0"/>
+                <a:latin typeface="Arial" panose="020B0604020202020204" pitchFamily="34" charset="0"/>
               </a:defRPr>
             </a:lvl1pPr>
           </a:lstStyle>
@@ -435,6 +377,7 @@
               <a:rPr lang="en-US" dirty="0"/>
               <a:t>Copyright © 2017 Elephant Scale. All rights reserved.</a:t>
             </a:r>
+            <a:endParaRPr lang="en-US" dirty="0"/>
           </a:p>
         </p:txBody>
       </p:sp>
@@ -460,21 +403,15 @@
           <a:ln w="9525">
             <a:noFill/>
             <a:miter lim="800000"/>
-            <a:headEnd/>
-            <a:tailEnd/>
           </a:ln>
           <a:effectLst/>
         </p:spPr>
         <p:txBody>
-          <a:bodyPr vert="horz" wrap="square" lIns="0" tIns="0" rIns="0" bIns="0" numCol="1" anchor="b" anchorCtr="0" compatLnSpc="1">
-            <a:prstTxWarp prst="textNoShape">
-              <a:avLst/>
-            </a:prstTxWarp>
-          </a:bodyPr>
+          <a:bodyPr vert="horz" wrap="square" lIns="0" tIns="0" rIns="0" bIns="0" numCol="1" anchor="b" anchorCtr="0" compatLnSpc="1"/>
           <a:lstStyle>
             <a:lvl1pPr algn="r" defTabSz="965200" eaLnBrk="0" hangingPunct="0">
               <a:defRPr b="1">
-                <a:latin typeface="Arial" charset="0"/>
+                <a:latin typeface="Arial" panose="020B0604020202020204" pitchFamily="34" charset="0"/>
               </a:defRPr>
             </a:lvl1pPr>
           </a:lstStyle>
@@ -484,10 +421,6 @@
             </a:pPr>
             <a:fld id="{EFAADD5D-AF76-45EE-AA5F-6DAC73BF167A}" type="slidenum">
               <a:rPr lang="en-US"/>
-              <a:pPr>
-                <a:defRPr/>
-              </a:pPr>
-              <a:t>‹#›</a:t>
             </a:fld>
             <a:endParaRPr lang="en-US" dirty="0"/>
           </a:p>
@@ -513,24 +446,26 @@
           <a:ln w="9525">
             <a:noFill/>
             <a:miter lim="800000"/>
-            <a:headEnd/>
-            <a:tailEnd/>
           </a:ln>
         </p:spPr>
         <p:txBody>
           <a:bodyPr wrap="none" lIns="96386" tIns="48194" rIns="96386" bIns="48194"/>
           <a:lstStyle/>
           <a:p>
-            <a:pPr defTabSz="960438">
+            <a:pPr defTabSz="960755">
               <a:defRPr/>
             </a:pPr>
             <a:r>
               <a:rPr lang="en-US" sz="1200" b="1" u="sng" dirty="0">
-                <a:latin typeface="Times New Roman" pitchFamily="18" charset="0"/>
-                <a:cs typeface="Times New Roman" pitchFamily="18" charset="0"/>
+                <a:latin typeface="Times New Roman" panose="02020603050405020304" pitchFamily="-110" charset="0"/>
+                <a:cs typeface="Times New Roman" panose="02020603050405020304" pitchFamily="-110" charset="0"/>
               </a:rPr>
               <a:t>Notes:</a:t>
             </a:r>
+            <a:endParaRPr lang="en-US" sz="1200" b="1" u="sng" dirty="0">
+              <a:latin typeface="Times New Roman" panose="02020603050405020304" pitchFamily="-110" charset="0"/>
+              <a:cs typeface="Times New Roman" panose="02020603050405020304" pitchFamily="-110" charset="0"/>
+            </a:endParaRPr>
           </a:p>
         </p:txBody>
       </p:sp>
@@ -556,16 +491,10 @@
           <a:ln w="9525">
             <a:noFill/>
             <a:miter lim="800000"/>
-            <a:headEnd/>
-            <a:tailEnd/>
           </a:ln>
         </p:spPr>
         <p:txBody>
-          <a:bodyPr vert="horz" wrap="square" lIns="91537" tIns="45768" rIns="91537" bIns="45768" numCol="1" anchor="t" anchorCtr="0" compatLnSpc="1">
-            <a:prstTxWarp prst="textNoShape">
-              <a:avLst/>
-            </a:prstTxWarp>
-          </a:bodyPr>
+          <a:bodyPr vert="horz" wrap="square" lIns="91537" tIns="45768" rIns="91537" bIns="45768" numCol="1" anchor="t" anchorCtr="0" compatLnSpc="1"/>
           <a:lstStyle/>
           <a:p>
             <a:pPr lvl="0"/>
@@ -595,8 +524,6 @@
               <a:srgbClr val="000000"/>
             </a:solidFill>
             <a:round/>
-            <a:headEnd/>
-            <a:tailEnd/>
           </a:ln>
           <a:effectLst/>
         </p:spPr>
@@ -611,7 +538,7 @@
               <a:defRPr/>
             </a:pPr>
             <a:endParaRPr lang="en-US" dirty="0">
-              <a:latin typeface="Garamond" pitchFamily="-110" charset="0"/>
+              <a:latin typeface="Garamond" pitchFamily="18" charset="0"/>
               <a:ea typeface="+mn-ea"/>
               <a:cs typeface="+mn-cs"/>
             </a:endParaRPr>
@@ -619,11 +546,6 @@
         </p:txBody>
       </p:sp>
     </p:spTree>
-    <p:extLst>
-      <p:ext uri="{BB962C8B-B14F-4D97-AF65-F5344CB8AC3E}">
-        <p14:creationId xmlns:p14="http://schemas.microsoft.com/office/powerpoint/2010/main" val="953744030"/>
-      </p:ext>
-    </p:extLst>
   </p:cSld>
   <p:clrMap bg1="lt1" tx1="dk1" bg2="lt2" tx2="dk2" accent1="accent1" accent2="accent2" accent3="accent3" accent4="accent4" accent5="accent5" accent6="accent6" hlink="hlink" folHlink="folHlink"/>
   <p:hf dt="0"/>
@@ -636,15 +558,15 @@
         <a:spcPct val="0"/>
       </a:spcAft>
       <a:buSzPct val="65000"/>
-      <a:buFont typeface="Wingdings" pitchFamily="2" charset="2"/>
+      <a:buFont typeface="Wingdings" panose="05000000000000000000" pitchFamily="2" charset="2"/>
       <a:buNone/>
       <a:defRPr sz="1200" kern="1200">
         <a:solidFill>
           <a:schemeClr val="tx1"/>
         </a:solidFill>
-        <a:latin typeface="Times New Roman" pitchFamily="-110" charset="0"/>
-        <a:ea typeface="ＭＳ Ｐゴシック" pitchFamily="-110" charset="-128"/>
-        <a:cs typeface="ＭＳ Ｐゴシック" pitchFamily="-110" charset="-128"/>
+        <a:latin typeface="Times New Roman" panose="02020603050405020304" pitchFamily="-110" charset="0"/>
+        <a:ea typeface="MS PGothic" pitchFamily="-110" charset="-128"/>
+        <a:cs typeface="MS PGothic" pitchFamily="-110" charset="-128"/>
       </a:defRPr>
     </a:lvl1pPr>
     <a:lvl2pPr marL="282575" indent="0" algn="l" rtl="0" eaLnBrk="0" fontAlgn="base" hangingPunct="0">
@@ -659,12 +581,12 @@
         <a:solidFill>
           <a:schemeClr val="tx1"/>
         </a:solidFill>
-        <a:latin typeface="Times New Roman" pitchFamily="-110" charset="0"/>
-        <a:ea typeface="ＭＳ Ｐゴシック" pitchFamily="-110" charset="-128"/>
-        <a:cs typeface="ＭＳ Ｐゴシック"/>
+        <a:latin typeface="Times New Roman" panose="02020603050405020304" pitchFamily="-110" charset="0"/>
+        <a:ea typeface="MS PGothic" pitchFamily="-110" charset="-128"/>
+        <a:cs typeface="MS PGothic"/>
       </a:defRPr>
     </a:lvl2pPr>
-    <a:lvl3pPr marL="744538" indent="-173038" algn="l" rtl="0" eaLnBrk="0" fontAlgn="base" hangingPunct="0">
+    <a:lvl3pPr marL="744855" indent="-173355" algn="l" rtl="0" eaLnBrk="0" fontAlgn="base" hangingPunct="0">
       <a:spcBef>
         <a:spcPct val="30000"/>
       </a:spcBef>
@@ -676,9 +598,9 @@
         <a:solidFill>
           <a:schemeClr val="tx1"/>
         </a:solidFill>
-        <a:latin typeface="Times New Roman" pitchFamily="-110" charset="0"/>
-        <a:ea typeface="ＭＳ Ｐゴシック" pitchFamily="-110" charset="-128"/>
-        <a:cs typeface="ＭＳ Ｐゴシック"/>
+        <a:latin typeface="Times New Roman" panose="02020603050405020304" pitchFamily="-110" charset="0"/>
+        <a:ea typeface="MS PGothic" pitchFamily="-110" charset="-128"/>
+        <a:cs typeface="MS PGothic"/>
       </a:defRPr>
     </a:lvl3pPr>
     <a:lvl4pPr marL="1600200" indent="-228600" algn="l" rtl="0" eaLnBrk="0" fontAlgn="base" hangingPunct="0">
@@ -692,9 +614,9 @@
         <a:solidFill>
           <a:schemeClr val="tx1"/>
         </a:solidFill>
-        <a:latin typeface="Times New Roman" pitchFamily="-110" charset="0"/>
-        <a:ea typeface="ＭＳ Ｐゴシック" pitchFamily="-110" charset="-128"/>
-        <a:cs typeface="ＭＳ Ｐゴシック"/>
+        <a:latin typeface="Times New Roman" panose="02020603050405020304" pitchFamily="-110" charset="0"/>
+        <a:ea typeface="MS PGothic" pitchFamily="-110" charset="-128"/>
+        <a:cs typeface="MS PGothic"/>
       </a:defRPr>
     </a:lvl4pPr>
     <a:lvl5pPr marL="2057400" indent="-228600" algn="l" rtl="0" eaLnBrk="0" fontAlgn="base" hangingPunct="0">
@@ -708,9 +630,9 @@
         <a:solidFill>
           <a:schemeClr val="tx1"/>
         </a:solidFill>
-        <a:latin typeface="Times New Roman" pitchFamily="-110" charset="0"/>
-        <a:ea typeface="ＭＳ Ｐゴシック" pitchFamily="-110" charset="-128"/>
-        <a:cs typeface="ＭＳ Ｐゴシック"/>
+        <a:latin typeface="Times New Roman" panose="02020603050405020304" pitchFamily="-110" charset="0"/>
+        <a:ea typeface="MS PGothic" pitchFamily="-110" charset="-128"/>
+        <a:cs typeface="MS PGothic"/>
       </a:defRPr>
     </a:lvl5pPr>
     <a:lvl6pPr marL="2286000" algn="l" defTabSz="457200" rtl="0" eaLnBrk="1" latinLnBrk="0" hangingPunct="1">
@@ -898,7 +820,7 @@
 </file>
 
 <file path=ppt/slideLayouts/slideLayout1.xml><?xml version="1.0" encoding="utf-8"?>
-<p:sldLayout xmlns:a="http://schemas.openxmlformats.org/drawingml/2006/main" xmlns:r="http://schemas.openxmlformats.org/officeDocument/2006/relationships" xmlns:p="http://schemas.openxmlformats.org/presentationml/2006/main" showMasterSp="0" type="title" preserve="1">
+<p:sldLayout xmlns:a="http://schemas.openxmlformats.org/drawingml/2006/main" xmlns:r="http://schemas.openxmlformats.org/officeDocument/2006/relationships" xmlns:p="http://schemas.openxmlformats.org/presentationml/2006/main" type="title" preserve="1" showMasterSp="0">
   <p:cSld name="Title Slide">
     <p:bg>
       <p:bgPr>
@@ -933,7 +855,9 @@
         <p:blipFill rotWithShape="1">
           <a:blip r:embed="rId2"/>
           <a:srcRect t="19473"/>
-          <a:stretch/>
+          <a:stretch>
+            <a:fillRect/>
+          </a:stretch>
         </p:blipFill>
         <p:spPr bwMode="auto">
           <a:xfrm>
@@ -984,6 +908,7 @@
               <a:rPr lang="en-US"/>
               <a:t>Click to edit Master subtitle style</a:t>
             </a:r>
+            <a:endParaRPr lang="en-US"/>
           </a:p>
         </p:txBody>
       </p:sp>
@@ -1015,6 +940,7 @@
               <a:rPr lang="en-US"/>
               <a:t>Click to edit Master title style</a:t>
             </a:r>
+            <a:endParaRPr lang="en-US"/>
           </a:p>
         </p:txBody>
       </p:sp>
@@ -1064,6 +990,7 @@
               <a:rPr lang="en-US" dirty="0"/>
               <a:t>Click to edit Master title style</a:t>
             </a:r>
+            <a:endParaRPr lang="en-US" dirty="0"/>
           </a:p>
         </p:txBody>
       </p:sp>
@@ -1087,6 +1014,7 @@
               <a:rPr lang="en-US" dirty="0"/>
               <a:t>Click to edit Master text styles</a:t>
             </a:r>
+            <a:endParaRPr lang="en-US" dirty="0"/>
           </a:p>
           <a:p>
             <a:pPr lvl="1"/>
@@ -1094,6 +1022,7 @@
               <a:rPr lang="en-US" dirty="0"/>
               <a:t>Second level</a:t>
             </a:r>
+            <a:endParaRPr lang="en-US" dirty="0"/>
           </a:p>
           <a:p>
             <a:pPr lvl="2"/>
@@ -1101,6 +1030,7 @@
               <a:rPr lang="en-US" dirty="0"/>
               <a:t>Third level</a:t>
             </a:r>
+            <a:endParaRPr lang="en-US" dirty="0"/>
           </a:p>
           <a:p>
             <a:pPr lvl="3"/>
@@ -1108,6 +1038,7 @@
               <a:rPr lang="en-US" dirty="0"/>
               <a:t>Fourth level</a:t>
             </a:r>
+            <a:endParaRPr lang="en-US" dirty="0"/>
           </a:p>
           <a:p>
             <a:pPr lvl="4"/>
@@ -1115,6 +1046,7 @@
               <a:rPr lang="en-US" dirty="0"/>
               <a:t>Fifth level</a:t>
             </a:r>
+            <a:endParaRPr lang="en-US" dirty="0"/>
           </a:p>
         </p:txBody>
       </p:sp>
@@ -1140,6 +1072,7 @@
               <a:rPr lang="en-US" dirty="0"/>
               <a:t>Copyright © 2017 Elephant Scale. All rights reserved.</a:t>
             </a:r>
+            <a:endParaRPr lang="en-US" dirty="0"/>
           </a:p>
         </p:txBody>
       </p:sp>
@@ -1163,10 +1096,6 @@
             </a:pPr>
             <a:fld id="{77EF9825-4C23-4085-A4E3-B5565466BD91}" type="slidenum">
               <a:rPr lang="en-US" smtClean="0"/>
-              <a:pPr>
-                <a:defRPr/>
-              </a:pPr>
-              <a:t>‹#›</a:t>
             </a:fld>
             <a:endParaRPr lang="en-US" dirty="0"/>
           </a:p>
@@ -1221,6 +1150,7 @@
               <a:rPr lang="en-US"/>
               <a:t>Click to edit Master title style</a:t>
             </a:r>
+            <a:endParaRPr lang="en-US"/>
           </a:p>
         </p:txBody>
       </p:sp>
@@ -1249,6 +1179,7 @@
               <a:rPr lang="en-US"/>
               <a:t>Click to edit Master text styles</a:t>
             </a:r>
+            <a:endParaRPr lang="en-US"/>
           </a:p>
           <a:p>
             <a:pPr lvl="1"/>
@@ -1256,6 +1187,7 @@
               <a:rPr lang="en-US"/>
               <a:t>Second level</a:t>
             </a:r>
+            <a:endParaRPr lang="en-US"/>
           </a:p>
           <a:p>
             <a:pPr lvl="2"/>
@@ -1263,6 +1195,7 @@
               <a:rPr lang="en-US"/>
               <a:t>Third level</a:t>
             </a:r>
+            <a:endParaRPr lang="en-US"/>
           </a:p>
           <a:p>
             <a:pPr lvl="3"/>
@@ -1270,6 +1203,7 @@
               <a:rPr lang="en-US"/>
               <a:t>Fourth level</a:t>
             </a:r>
+            <a:endParaRPr lang="en-US"/>
           </a:p>
           <a:p>
             <a:pPr lvl="4"/>
@@ -1277,6 +1211,7 @@
               <a:rPr lang="en-US"/>
               <a:t>Fifth level</a:t>
             </a:r>
+            <a:endParaRPr lang="en-US"/>
           </a:p>
         </p:txBody>
       </p:sp>
@@ -1305,6 +1240,7 @@
               <a:rPr lang="en-US"/>
               <a:t>Click to edit Master text styles</a:t>
             </a:r>
+            <a:endParaRPr lang="en-US"/>
           </a:p>
           <a:p>
             <a:pPr lvl="1"/>
@@ -1312,6 +1248,7 @@
               <a:rPr lang="en-US"/>
               <a:t>Second level</a:t>
             </a:r>
+            <a:endParaRPr lang="en-US"/>
           </a:p>
           <a:p>
             <a:pPr lvl="2"/>
@@ -1319,6 +1256,7 @@
               <a:rPr lang="en-US"/>
               <a:t>Third level</a:t>
             </a:r>
+            <a:endParaRPr lang="en-US"/>
           </a:p>
           <a:p>
             <a:pPr lvl="3"/>
@@ -1326,6 +1264,7 @@
               <a:rPr lang="en-US"/>
               <a:t>Fourth level</a:t>
             </a:r>
+            <a:endParaRPr lang="en-US"/>
           </a:p>
           <a:p>
             <a:pPr lvl="4"/>
@@ -1333,6 +1272,7 @@
               <a:rPr lang="en-US"/>
               <a:t>Fifth level</a:t>
             </a:r>
+            <a:endParaRPr lang="en-US"/>
           </a:p>
         </p:txBody>
       </p:sp>
@@ -1361,6 +1301,7 @@
               <a:rPr lang="en-US"/>
               <a:t>Click to edit Master text styles</a:t>
             </a:r>
+            <a:endParaRPr lang="en-US"/>
           </a:p>
           <a:p>
             <a:pPr lvl="1"/>
@@ -1368,6 +1309,7 @@
               <a:rPr lang="en-US"/>
               <a:t>Second level</a:t>
             </a:r>
+            <a:endParaRPr lang="en-US"/>
           </a:p>
           <a:p>
             <a:pPr lvl="2"/>
@@ -1375,6 +1317,7 @@
               <a:rPr lang="en-US"/>
               <a:t>Third level</a:t>
             </a:r>
+            <a:endParaRPr lang="en-US"/>
           </a:p>
           <a:p>
             <a:pPr lvl="3"/>
@@ -1382,6 +1325,7 @@
               <a:rPr lang="en-US"/>
               <a:t>Fourth level</a:t>
             </a:r>
+            <a:endParaRPr lang="en-US"/>
           </a:p>
           <a:p>
             <a:pPr lvl="4"/>
@@ -1389,6 +1333,7 @@
               <a:rPr lang="en-US"/>
               <a:t>Fifth level</a:t>
             </a:r>
+            <a:endParaRPr lang="en-US"/>
           </a:p>
         </p:txBody>
       </p:sp>
@@ -1402,9 +1347,7 @@
             <p:ph type="sldNum" sz="quarter" idx="11"/>
           </p:nvPr>
         </p:nvSpPr>
-        <p:spPr>
-          <a:ln/>
-        </p:spPr>
+        <p:spPr/>
         <p:txBody>
           <a:bodyPr/>
           <a:lstStyle>
@@ -1418,10 +1361,6 @@
             </a:pPr>
             <a:fld id="{040E4B02-67B9-4228-B08B-2561CEE6B946}" type="slidenum">
               <a:rPr lang="en-US"/>
-              <a:pPr>
-                <a:defRPr/>
-              </a:pPr>
-              <a:t>‹#›</a:t>
             </a:fld>
             <a:endParaRPr lang="en-US" dirty="0"/>
           </a:p>
@@ -1437,9 +1376,7 @@
             <p:ph type="ftr" sz="quarter" idx="12"/>
           </p:nvPr>
         </p:nvSpPr>
-        <p:spPr>
-          <a:ln/>
-        </p:spPr>
+        <p:spPr/>
         <p:txBody>
           <a:bodyPr/>
           <a:lstStyle>
@@ -1455,6 +1392,7 @@
               <a:rPr lang="en-US" dirty="0"/>
               <a:t>Copyright © 2017 Elephant Scale. All rights reserved.</a:t>
             </a:r>
+            <a:endParaRPr lang="en-US" dirty="0"/>
           </a:p>
         </p:txBody>
       </p:sp>
@@ -1507,6 +1445,7 @@
               <a:rPr lang="en-US"/>
               <a:t>Click to edit Master title style</a:t>
             </a:r>
+            <a:endParaRPr lang="en-US"/>
           </a:p>
         </p:txBody>
       </p:sp>
@@ -1535,6 +1474,7 @@
               <a:rPr lang="en-US"/>
               <a:t>Click to edit Master text styles</a:t>
             </a:r>
+            <a:endParaRPr lang="en-US"/>
           </a:p>
           <a:p>
             <a:pPr lvl="1"/>
@@ -1542,6 +1482,7 @@
               <a:rPr lang="en-US"/>
               <a:t>Second level</a:t>
             </a:r>
+            <a:endParaRPr lang="en-US"/>
           </a:p>
           <a:p>
             <a:pPr lvl="2"/>
@@ -1549,6 +1490,7 @@
               <a:rPr lang="en-US"/>
               <a:t>Third level</a:t>
             </a:r>
+            <a:endParaRPr lang="en-US"/>
           </a:p>
           <a:p>
             <a:pPr lvl="3"/>
@@ -1556,6 +1498,7 @@
               <a:rPr lang="en-US"/>
               <a:t>Fourth level</a:t>
             </a:r>
+            <a:endParaRPr lang="en-US"/>
           </a:p>
           <a:p>
             <a:pPr lvl="4"/>
@@ -1563,6 +1506,7 @@
               <a:rPr lang="en-US"/>
               <a:t>Fifth level</a:t>
             </a:r>
+            <a:endParaRPr lang="en-US"/>
           </a:p>
         </p:txBody>
       </p:sp>
@@ -1591,6 +1535,7 @@
               <a:rPr lang="en-US"/>
               <a:t>Click to edit Master text styles</a:t>
             </a:r>
+            <a:endParaRPr lang="en-US"/>
           </a:p>
           <a:p>
             <a:pPr lvl="1"/>
@@ -1598,6 +1543,7 @@
               <a:rPr lang="en-US"/>
               <a:t>Second level</a:t>
             </a:r>
+            <a:endParaRPr lang="en-US"/>
           </a:p>
           <a:p>
             <a:pPr lvl="2"/>
@@ -1605,6 +1551,7 @@
               <a:rPr lang="en-US"/>
               <a:t>Third level</a:t>
             </a:r>
+            <a:endParaRPr lang="en-US"/>
           </a:p>
           <a:p>
             <a:pPr lvl="3"/>
@@ -1612,6 +1559,7 @@
               <a:rPr lang="en-US"/>
               <a:t>Fourth level</a:t>
             </a:r>
+            <a:endParaRPr lang="en-US"/>
           </a:p>
           <a:p>
             <a:pPr lvl="4"/>
@@ -1619,6 +1567,7 @@
               <a:rPr lang="en-US"/>
               <a:t>Fifth level</a:t>
             </a:r>
+            <a:endParaRPr lang="en-US"/>
           </a:p>
         </p:txBody>
       </p:sp>
@@ -1632,9 +1581,7 @@
             <p:ph type="sldNum" sz="quarter" idx="11"/>
           </p:nvPr>
         </p:nvSpPr>
-        <p:spPr>
-          <a:ln/>
-        </p:spPr>
+        <p:spPr/>
         <p:txBody>
           <a:bodyPr/>
           <a:lstStyle>
@@ -1648,10 +1595,6 @@
             </a:pPr>
             <a:fld id="{A86CC632-9864-46F1-8EAB-FCD3BB9CEC9A}" type="slidenum">
               <a:rPr lang="en-US"/>
-              <a:pPr>
-                <a:defRPr/>
-              </a:pPr>
-              <a:t>‹#›</a:t>
             </a:fld>
             <a:endParaRPr lang="en-US" dirty="0"/>
           </a:p>
@@ -1667,9 +1610,7 @@
             <p:ph type="ftr" sz="quarter" idx="12"/>
           </p:nvPr>
         </p:nvSpPr>
-        <p:spPr>
-          <a:ln/>
-        </p:spPr>
+        <p:spPr/>
         <p:txBody>
           <a:bodyPr/>
           <a:lstStyle>
@@ -1685,6 +1626,7 @@
               <a:rPr lang="en-US" dirty="0"/>
               <a:t>Copyright © 2017 Elephant Scale. All rights reserved.</a:t>
             </a:r>
+            <a:endParaRPr lang="en-US" dirty="0"/>
           </a:p>
         </p:txBody>
       </p:sp>
@@ -1743,15 +1685,10 @@
           <a:ln w="9525">
             <a:noFill/>
             <a:miter lim="800000"/>
-            <a:headEnd/>
-            <a:tailEnd/>
           </a:ln>
         </p:spPr>
         <p:txBody>
           <a:bodyPr vert="horz" wrap="square" lIns="92007" tIns="46005" rIns="92007" bIns="46005" numCol="1" anchor="t" anchorCtr="0" compatLnSpc="1">
-            <a:prstTxWarp prst="textNoShape">
-              <a:avLst/>
-            </a:prstTxWarp>
             <a:normAutofit/>
           </a:bodyPr>
           <a:lstStyle/>
@@ -1761,6 +1698,7 @@
               <a:rPr lang="en-US" dirty="0"/>
               <a:t>Click to edit Master text styles</a:t>
             </a:r>
+            <a:endParaRPr lang="en-US" dirty="0"/>
           </a:p>
           <a:p>
             <a:pPr lvl="1"/>
@@ -1768,6 +1706,7 @@
               <a:rPr lang="en-US" dirty="0"/>
               <a:t>Second level</a:t>
             </a:r>
+            <a:endParaRPr lang="en-US" dirty="0"/>
           </a:p>
           <a:p>
             <a:pPr lvl="2"/>
@@ -1775,6 +1714,7 @@
               <a:rPr lang="en-US" dirty="0"/>
               <a:t>Third level</a:t>
             </a:r>
+            <a:endParaRPr lang="en-US" dirty="0"/>
           </a:p>
           <a:p>
             <a:pPr lvl="3"/>
@@ -1782,6 +1722,7 @@
               <a:rPr lang="en-US" dirty="0"/>
               <a:t>Fourth level</a:t>
             </a:r>
+            <a:endParaRPr lang="en-US" dirty="0"/>
           </a:p>
           <a:p>
             <a:pPr lvl="4"/>
@@ -1789,6 +1730,7 @@
               <a:rPr lang="en-US" dirty="0"/>
               <a:t>Fifth level</a:t>
             </a:r>
+            <a:endParaRPr lang="en-US" dirty="0"/>
           </a:p>
         </p:txBody>
       </p:sp>
@@ -1814,26 +1756,20 @@
           <a:ln w="9525">
             <a:noFill/>
             <a:miter lim="800000"/>
-            <a:headEnd/>
-            <a:tailEnd/>
           </a:ln>
           <a:effectLst/>
         </p:spPr>
         <p:txBody>
-          <a:bodyPr vert="horz" wrap="square" lIns="0" tIns="0" rIns="0" bIns="0" numCol="1" anchor="b" anchorCtr="0" compatLnSpc="1">
-            <a:prstTxWarp prst="textNoShape">
-              <a:avLst/>
-            </a:prstTxWarp>
-          </a:bodyPr>
+          <a:bodyPr vert="horz" wrap="square" lIns="0" tIns="0" rIns="0" bIns="0" numCol="1" anchor="b" anchorCtr="0" compatLnSpc="1"/>
           <a:lstStyle>
             <a:lvl1pPr algn="r" eaLnBrk="0" hangingPunct="0">
               <a:defRPr b="1">
                 <a:solidFill>
                   <a:srgbClr val="000000"/>
                 </a:solidFill>
-                <a:latin typeface="Arial" charset="0"/>
-                <a:ea typeface="ＭＳ Ｐゴシック" charset="0"/>
-                <a:cs typeface="ＭＳ Ｐゴシック" charset="0"/>
+                <a:latin typeface="Arial" panose="020B0604020202020204" pitchFamily="34" charset="0"/>
+                <a:ea typeface="MS PGothic" charset="0"/>
+                <a:cs typeface="MS PGothic" charset="0"/>
               </a:defRPr>
             </a:lvl1pPr>
           </a:lstStyle>
@@ -1843,10 +1779,6 @@
             </a:pPr>
             <a:fld id="{77EF9825-4C23-4085-A4E3-B5565466BD91}" type="slidenum">
               <a:rPr lang="en-US"/>
-              <a:pPr>
-                <a:defRPr/>
-              </a:pPr>
-              <a:t>‹#›</a:t>
             </a:fld>
             <a:endParaRPr lang="en-US" dirty="0"/>
           </a:p>
@@ -1874,16 +1806,11 @@
           <a:ln w="9525">
             <a:noFill/>
             <a:miter lim="800000"/>
-            <a:headEnd/>
-            <a:tailEnd/>
           </a:ln>
           <a:effectLst/>
         </p:spPr>
         <p:txBody>
           <a:bodyPr vert="horz" wrap="square" lIns="0" tIns="0" rIns="0" bIns="0" numCol="1" anchor="t" anchorCtr="0" compatLnSpc="1">
-            <a:prstTxWarp prst="textNoShape">
-              <a:avLst/>
-            </a:prstTxWarp>
             <a:spAutoFit/>
           </a:bodyPr>
           <a:lstStyle>
@@ -1909,6 +1836,7 @@
               <a:rPr lang="en-US" dirty="0"/>
               <a:t>Copyright © 2017 Elephant Scale. All rights reserved.</a:t>
             </a:r>
+            <a:endParaRPr lang="en-US" dirty="0"/>
           </a:p>
         </p:txBody>
       </p:sp>
@@ -1921,7 +1849,7 @@
           <p:nvPr/>
         </p:nvPicPr>
         <p:blipFill>
-          <a:blip r:embed="rId6"/>
+          <a:blip r:embed="rId5"/>
           <a:srcRect/>
           <a:stretch>
             <a:fillRect/>
@@ -1968,16 +1896,10 @@
           <a:ln w="9525">
             <a:noFill/>
             <a:miter lim="800000"/>
-            <a:headEnd/>
-            <a:tailEnd/>
           </a:ln>
         </p:spPr>
         <p:txBody>
-          <a:bodyPr vert="horz" wrap="square" lIns="92007" tIns="46005" rIns="92007" bIns="46005" numCol="1" anchor="b" anchorCtr="0" compatLnSpc="1">
-            <a:prstTxWarp prst="textNoShape">
-              <a:avLst/>
-            </a:prstTxWarp>
-          </a:bodyPr>
+          <a:bodyPr vert="horz" wrap="square" lIns="92007" tIns="46005" rIns="92007" bIns="46005" numCol="1" anchor="b" anchorCtr="0" compatLnSpc="1"/>
           <a:lstStyle/>
           <a:p>
             <a:pPr lvl="0"/>
@@ -1985,6 +1907,7 @@
               <a:rPr lang="en-US" dirty="0"/>
               <a:t>Click to edit Master title style</a:t>
             </a:r>
+            <a:endParaRPr lang="en-US" dirty="0"/>
           </a:p>
         </p:txBody>
       </p:sp>
@@ -1992,10 +1915,10 @@
   </p:cSld>
   <p:clrMap bg1="dk2" tx1="lt1" bg2="dk1" tx2="lt2" accent1="accent1" accent2="accent2" accent3="accent3" accent4="accent4" accent5="accent5" accent6="accent6" hlink="hlink" folHlink="folHlink"/>
   <p:sldLayoutIdLst>
-    <p:sldLayoutId id="2147483656" r:id="rId1"/>
-    <p:sldLayoutId id="2147483655" r:id="rId2"/>
-    <p:sldLayoutId id="2147483654" r:id="rId3"/>
-    <p:sldLayoutId id="2147483653" r:id="rId4"/>
+    <p:sldLayoutId id="2147483649" r:id="rId1"/>
+    <p:sldLayoutId id="2147483650" r:id="rId2"/>
+    <p:sldLayoutId id="2147483651" r:id="rId3"/>
+    <p:sldLayoutId id="2147483652" r:id="rId4"/>
   </p:sldLayoutIdLst>
   <p:hf hdr="0" dt="0"/>
   <p:txStyles>
@@ -2012,8 +1935,8 @@
             <a:schemeClr val="tx1"/>
           </a:solidFill>
           <a:latin typeface="+mj-lt"/>
-          <a:ea typeface="ＭＳ Ｐゴシック" pitchFamily="-110" charset="-128"/>
-          <a:cs typeface="ＭＳ Ｐゴシック" pitchFamily="-110" charset="-128"/>
+          <a:ea typeface="MS PGothic" pitchFamily="-110" charset="-128"/>
+          <a:cs typeface="MS PGothic" pitchFamily="-110" charset="-128"/>
         </a:defRPr>
       </a:lvl1pPr>
       <a:lvl2pPr algn="l" rtl="0" eaLnBrk="0" fontAlgn="base" hangingPunct="0">
@@ -2027,9 +1950,9 @@
           <a:solidFill>
             <a:schemeClr val="tx1"/>
           </a:solidFill>
-          <a:latin typeface="Verdana" pitchFamily="-110" charset="0"/>
-          <a:ea typeface="ＭＳ Ｐゴシック" pitchFamily="-110" charset="-128"/>
-          <a:cs typeface="ＭＳ Ｐゴシック" pitchFamily="-110" charset="-128"/>
+          <a:latin typeface="Verdana" panose="020B0604030504040204" pitchFamily="-110" charset="0"/>
+          <a:ea typeface="MS PGothic" pitchFamily="-110" charset="-128"/>
+          <a:cs typeface="MS PGothic" pitchFamily="-110" charset="-128"/>
         </a:defRPr>
       </a:lvl2pPr>
       <a:lvl3pPr algn="l" rtl="0" eaLnBrk="0" fontAlgn="base" hangingPunct="0">
@@ -2043,9 +1966,9 @@
           <a:solidFill>
             <a:schemeClr val="tx1"/>
           </a:solidFill>
-          <a:latin typeface="Verdana" pitchFamily="-110" charset="0"/>
-          <a:ea typeface="ＭＳ Ｐゴシック" pitchFamily="-110" charset="-128"/>
-          <a:cs typeface="ＭＳ Ｐゴシック" pitchFamily="-110" charset="-128"/>
+          <a:latin typeface="Verdana" panose="020B0604030504040204" pitchFamily="-110" charset="0"/>
+          <a:ea typeface="MS PGothic" pitchFamily="-110" charset="-128"/>
+          <a:cs typeface="MS PGothic" pitchFamily="-110" charset="-128"/>
         </a:defRPr>
       </a:lvl3pPr>
       <a:lvl4pPr algn="l" rtl="0" eaLnBrk="0" fontAlgn="base" hangingPunct="0">
@@ -2059,9 +1982,9 @@
           <a:solidFill>
             <a:schemeClr val="tx1"/>
           </a:solidFill>
-          <a:latin typeface="Verdana" pitchFamily="-110" charset="0"/>
-          <a:ea typeface="ＭＳ Ｐゴシック" pitchFamily="-110" charset="-128"/>
-          <a:cs typeface="ＭＳ Ｐゴシック" pitchFamily="-110" charset="-128"/>
+          <a:latin typeface="Verdana" panose="020B0604030504040204" pitchFamily="-110" charset="0"/>
+          <a:ea typeface="MS PGothic" pitchFamily="-110" charset="-128"/>
+          <a:cs typeface="MS PGothic" pitchFamily="-110" charset="-128"/>
         </a:defRPr>
       </a:lvl4pPr>
       <a:lvl5pPr algn="l" rtl="0" eaLnBrk="0" fontAlgn="base" hangingPunct="0">
@@ -2075,9 +1998,9 @@
           <a:solidFill>
             <a:schemeClr val="tx1"/>
           </a:solidFill>
-          <a:latin typeface="Verdana" pitchFamily="-110" charset="0"/>
-          <a:ea typeface="ＭＳ Ｐゴシック" pitchFamily="-110" charset="-128"/>
-          <a:cs typeface="ＭＳ Ｐゴシック" pitchFamily="-110" charset="-128"/>
+          <a:latin typeface="Verdana" panose="020B0604030504040204" pitchFamily="-110" charset="0"/>
+          <a:ea typeface="MS PGothic" pitchFamily="-110" charset="-128"/>
+          <a:cs typeface="MS PGothic" pitchFamily="-110" charset="-128"/>
         </a:defRPr>
       </a:lvl5pPr>
       <a:lvl6pPr marL="457200" algn="l" rtl="0" eaLnBrk="0" fontAlgn="base" hangingPunct="0">
@@ -2091,7 +2014,7 @@
           <a:solidFill>
             <a:schemeClr val="tx1"/>
           </a:solidFill>
-          <a:latin typeface="Verdana" pitchFamily="-110" charset="0"/>
+          <a:latin typeface="Verdana" panose="020B0604030504040204" pitchFamily="-110" charset="0"/>
         </a:defRPr>
       </a:lvl6pPr>
       <a:lvl7pPr marL="914400" algn="l" rtl="0" eaLnBrk="0" fontAlgn="base" hangingPunct="0">
@@ -2105,7 +2028,7 @@
           <a:solidFill>
             <a:schemeClr val="tx1"/>
           </a:solidFill>
-          <a:latin typeface="Verdana" pitchFamily="-110" charset="0"/>
+          <a:latin typeface="Verdana" panose="020B0604030504040204" pitchFamily="-110" charset="0"/>
         </a:defRPr>
       </a:lvl7pPr>
       <a:lvl8pPr marL="1371600" algn="l" rtl="0" eaLnBrk="0" fontAlgn="base" hangingPunct="0">
@@ -2119,7 +2042,7 @@
           <a:solidFill>
             <a:schemeClr val="tx1"/>
           </a:solidFill>
-          <a:latin typeface="Verdana" pitchFamily="-110" charset="0"/>
+          <a:latin typeface="Verdana" panose="020B0604030504040204" pitchFamily="-110" charset="0"/>
         </a:defRPr>
       </a:lvl8pPr>
       <a:lvl9pPr marL="1828800" algn="l" rtl="0" eaLnBrk="0" fontAlgn="base" hangingPunct="0">
@@ -2133,12 +2056,12 @@
           <a:solidFill>
             <a:schemeClr val="tx1"/>
           </a:solidFill>
-          <a:latin typeface="Verdana" pitchFamily="-110" charset="0"/>
+          <a:latin typeface="Verdana" panose="020B0604030504040204" pitchFamily="-110" charset="0"/>
         </a:defRPr>
       </a:lvl9pPr>
     </p:titleStyle>
     <p:bodyStyle>
-      <a:lvl1pPr marL="290513" indent="-290513" algn="l" rtl="0" eaLnBrk="0" fontAlgn="base" hangingPunct="0">
+      <a:lvl1pPr marL="290830" indent="-290830" algn="l" rtl="0" eaLnBrk="0" fontAlgn="base" hangingPunct="0">
         <a:spcBef>
           <a:spcPct val="20000"/>
         </a:spcBef>
@@ -2149,18 +2072,18 @@
           <a:schemeClr val="tx2"/>
         </a:buClr>
         <a:buSzPct val="65000"/>
-        <a:buFont typeface="Wingdings" pitchFamily="2" charset="2"/>
+        <a:buFont typeface="Wingdings" panose="05000000000000000000" pitchFamily="2" charset="2"/>
         <a:buChar char=""/>
         <a:defRPr sz="2400">
           <a:solidFill>
             <a:srgbClr val="000000"/>
           </a:solidFill>
           <a:latin typeface="+mn-lt"/>
-          <a:ea typeface="ＭＳ Ｐゴシック" pitchFamily="-110" charset="-128"/>
-          <a:cs typeface="ＭＳ Ｐゴシック" pitchFamily="-110" charset="-128"/>
+          <a:ea typeface="MS PGothic" pitchFamily="-110" charset="-128"/>
+          <a:cs typeface="MS PGothic" pitchFamily="-110" charset="-128"/>
         </a:defRPr>
       </a:lvl1pPr>
-      <a:lvl2pPr marL="633413" indent="-228600" algn="l" rtl="0" eaLnBrk="0" fontAlgn="base" hangingPunct="0">
+      <a:lvl2pPr marL="633730" indent="-228600" algn="l" rtl="0" eaLnBrk="0" fontAlgn="base" hangingPunct="0">
         <a:spcBef>
           <a:spcPct val="20000"/>
         </a:spcBef>
@@ -2176,11 +2099,11 @@
             <a:srgbClr val="000000"/>
           </a:solidFill>
           <a:latin typeface="+mn-lt"/>
-          <a:ea typeface="ＭＳ Ｐゴシック" pitchFamily="-110" charset="-128"/>
-          <a:cs typeface="ＭＳ Ｐゴシック"/>
+          <a:ea typeface="MS PGothic" pitchFamily="-110" charset="-128"/>
+          <a:cs typeface="MS PGothic"/>
         </a:defRPr>
       </a:lvl2pPr>
-      <a:lvl3pPr marL="969963" indent="-222250" algn="l" rtl="0" eaLnBrk="0" fontAlgn="base" hangingPunct="0">
+      <a:lvl3pPr marL="970280" indent="-222250" algn="l" rtl="0" eaLnBrk="0" fontAlgn="base" hangingPunct="0">
         <a:spcBef>
           <a:spcPct val="20000"/>
         </a:spcBef>
@@ -2193,11 +2116,11 @@
             <a:srgbClr val="000000"/>
           </a:solidFill>
           <a:latin typeface="+mn-lt"/>
-          <a:ea typeface="ＭＳ Ｐゴシック" pitchFamily="-110" charset="-128"/>
-          <a:cs typeface="ＭＳ Ｐゴシック"/>
+          <a:ea typeface="MS PGothic" pitchFamily="-110" charset="-128"/>
+          <a:cs typeface="MS PGothic"/>
         </a:defRPr>
       </a:lvl3pPr>
-      <a:lvl4pPr marL="1258888" indent="-228600" algn="l" rtl="0" eaLnBrk="0" fontAlgn="base" hangingPunct="0">
+      <a:lvl4pPr marL="1259205" indent="-228600" algn="l" rtl="0" eaLnBrk="0" fontAlgn="base" hangingPunct="0">
         <a:spcBef>
           <a:spcPct val="0"/>
         </a:spcBef>
@@ -2215,11 +2138,11 @@
             <a:srgbClr val="000000"/>
           </a:solidFill>
           <a:latin typeface="+mn-lt"/>
-          <a:ea typeface="ＭＳ Ｐゴシック" pitchFamily="-110" charset="-128"/>
-          <a:cs typeface="ＭＳ Ｐゴシック"/>
+          <a:ea typeface="MS PGothic" pitchFamily="-110" charset="-128"/>
+          <a:cs typeface="MS PGothic"/>
         </a:defRPr>
       </a:lvl4pPr>
-      <a:lvl5pPr marL="2055813" indent="-230188" algn="l" rtl="0" eaLnBrk="0" fontAlgn="base" hangingPunct="0">
+      <a:lvl5pPr marL="2056130" indent="-230505" algn="l" rtl="0" eaLnBrk="0" fontAlgn="base" hangingPunct="0">
         <a:spcBef>
           <a:spcPct val="20000"/>
         </a:spcBef>
@@ -2233,12 +2156,12 @@
           <a:solidFill>
             <a:schemeClr val="tx1"/>
           </a:solidFill>
-          <a:latin typeface="Times New Roman" pitchFamily="-110" charset="0"/>
-          <a:ea typeface="ＭＳ Ｐゴシック" pitchFamily="-110" charset="-128"/>
-          <a:cs typeface="ＭＳ Ｐゴシック"/>
+          <a:latin typeface="Times New Roman" panose="02020603050405020304" pitchFamily="-110" charset="0"/>
+          <a:ea typeface="MS PGothic" pitchFamily="-110" charset="-128"/>
+          <a:cs typeface="MS PGothic"/>
         </a:defRPr>
       </a:lvl5pPr>
-      <a:lvl6pPr marL="2513013" indent="-230188" algn="l" rtl="0" eaLnBrk="0" fontAlgn="base" hangingPunct="0">
+      <a:lvl6pPr marL="2513330" indent="-230505" algn="l" rtl="0" eaLnBrk="0" fontAlgn="base" hangingPunct="0">
         <a:spcBef>
           <a:spcPct val="20000"/>
         </a:spcBef>
@@ -2252,11 +2175,11 @@
           <a:solidFill>
             <a:schemeClr val="tx1"/>
           </a:solidFill>
-          <a:latin typeface="Times New Roman" pitchFamily="-110" charset="0"/>
-          <a:ea typeface="ＭＳ Ｐゴシック" pitchFamily="-110" charset="-128"/>
+          <a:latin typeface="Times New Roman" panose="02020603050405020304" pitchFamily="-110" charset="0"/>
+          <a:ea typeface="MS PGothic" pitchFamily="-110" charset="-128"/>
         </a:defRPr>
       </a:lvl6pPr>
-      <a:lvl7pPr marL="2970213" indent="-230188" algn="l" rtl="0" eaLnBrk="0" fontAlgn="base" hangingPunct="0">
+      <a:lvl7pPr marL="2970530" indent="-230505" algn="l" rtl="0" eaLnBrk="0" fontAlgn="base" hangingPunct="0">
         <a:spcBef>
           <a:spcPct val="20000"/>
         </a:spcBef>
@@ -2270,11 +2193,11 @@
           <a:solidFill>
             <a:schemeClr val="tx1"/>
           </a:solidFill>
-          <a:latin typeface="Times New Roman" pitchFamily="-110" charset="0"/>
-          <a:ea typeface="ＭＳ Ｐゴシック" pitchFamily="-110" charset="-128"/>
+          <a:latin typeface="Times New Roman" panose="02020603050405020304" pitchFamily="-110" charset="0"/>
+          <a:ea typeface="MS PGothic" pitchFamily="-110" charset="-128"/>
         </a:defRPr>
       </a:lvl7pPr>
-      <a:lvl8pPr marL="3427413" indent="-230188" algn="l" rtl="0" eaLnBrk="0" fontAlgn="base" hangingPunct="0">
+      <a:lvl8pPr marL="3427730" indent="-230505" algn="l" rtl="0" eaLnBrk="0" fontAlgn="base" hangingPunct="0">
         <a:spcBef>
           <a:spcPct val="20000"/>
         </a:spcBef>
@@ -2288,11 +2211,11 @@
           <a:solidFill>
             <a:schemeClr val="tx1"/>
           </a:solidFill>
-          <a:latin typeface="Times New Roman" pitchFamily="-110" charset="0"/>
-          <a:ea typeface="ＭＳ Ｐゴシック" pitchFamily="-110" charset="-128"/>
+          <a:latin typeface="Times New Roman" panose="02020603050405020304" pitchFamily="-110" charset="0"/>
+          <a:ea typeface="MS PGothic" pitchFamily="-110" charset="-128"/>
         </a:defRPr>
       </a:lvl8pPr>
-      <a:lvl9pPr marL="3884613" indent="-230188" algn="l" rtl="0" eaLnBrk="0" fontAlgn="base" hangingPunct="0">
+      <a:lvl9pPr marL="3884930" indent="-230505" algn="l" rtl="0" eaLnBrk="0" fontAlgn="base" hangingPunct="0">
         <a:spcBef>
           <a:spcPct val="20000"/>
         </a:spcBef>
@@ -2306,8 +2229,8 @@
           <a:solidFill>
             <a:schemeClr val="tx1"/>
           </a:solidFill>
-          <a:latin typeface="Times New Roman" pitchFamily="-110" charset="0"/>
-          <a:ea typeface="ＭＳ Ｐゴシック" pitchFamily="-110" charset="-128"/>
+          <a:latin typeface="Times New Roman" panose="02020603050405020304" pitchFamily="-110" charset="0"/>
+          <a:ea typeface="MS PGothic" pitchFamily="-110" charset="-128"/>
         </a:defRPr>
       </a:lvl9pPr>
     </p:bodyStyle>
@@ -2441,9 +2364,7 @@
         <p:txBody>
           <a:bodyPr/>
           <a:lstStyle/>
-          <a:p>
-            <a:endParaRPr/>
-          </a:p>
+          <a:p/>
         </p:txBody>
       </p:sp>
       <p:sp>
@@ -2465,10 +2386,13 @@
           <a:p>
             <a:r>
               <a:rPr sz="4200" b="1" i="0">
-                <a:latin typeface="Times New Roman"/>
+                <a:latin typeface="Times New Roman" panose="02020603050405020304"/>
               </a:rPr>
               <a:t>Secure Coding</a:t>
             </a:r>
+            <a:endParaRPr sz="4200" b="1" i="0">
+              <a:latin typeface="Times New Roman" panose="02020603050405020304"/>
+            </a:endParaRPr>
           </a:p>
         </p:txBody>
       </p:sp>
@@ -2502,6 +2426,11 @@
               </a:rPr>
               <a:t>Copyright © 2021 by Elephant Scale, All Rights Reserved</a:t>
             </a:r>
+            <a:endParaRPr sz="800">
+              <a:solidFill>
+                <a:srgbClr val="000000"/>
+              </a:solidFill>
+            </a:endParaRPr>
           </a:p>
         </p:txBody>
       </p:sp>
@@ -2605,21 +2534,11 @@
               <a:t> Something non-technical about you!(favorite ice cream flavor or hobby…)</a:t>
             </a:r>
           </a:p>
-          <a:p>
-            <a:endParaRPr/>
-          </a:p>
-          <a:p>
-            <a:endParaRPr/>
-          </a:p>
-          <a:p>
-            <a:endParaRPr/>
-          </a:p>
-          <a:p>
-            <a:endParaRPr/>
-          </a:p>
-          <a:p>
-            <a:endParaRPr/>
-          </a:p>
+          <a:p/>
+          <a:p/>
+          <a:p/>
+          <a:p/>
+          <a:p/>
         </p:txBody>
       </p:sp>
       <p:sp>
@@ -2652,6 +2571,11 @@
               </a:rPr>
               <a:t>Copyright © 2021 by Elephant Scale, All Rights Reserved</a:t>
             </a:r>
+            <a:endParaRPr sz="800">
+              <a:solidFill>
+                <a:srgbClr val="000000"/>
+              </a:solidFill>
+            </a:endParaRPr>
           </a:p>
         </p:txBody>
       </p:sp>
@@ -2664,7 +2588,7 @@
           <p:nvPr/>
         </p:nvPicPr>
         <p:blipFill>
-          <a:blip r:embed="rId2"/>
+          <a:blip r:embed="rId1"/>
           <a:stretch>
             <a:fillRect/>
           </a:stretch>
@@ -2688,7 +2612,7 @@
           <p:nvPr/>
         </p:nvPicPr>
         <p:blipFill>
-          <a:blip r:embed="rId3"/>
+          <a:blip r:embed="rId2"/>
           <a:stretch>
             <a:fillRect/>
           </a:stretch>
@@ -2763,21 +2687,11 @@
         <p:txBody>
           <a:bodyPr/>
           <a:lstStyle/>
-          <a:p>
-            <a:endParaRPr/>
-          </a:p>
-          <a:p>
-            <a:endParaRPr/>
-          </a:p>
-          <a:p>
-            <a:endParaRPr/>
-          </a:p>
-          <a:p>
-            <a:endParaRPr/>
-          </a:p>
-          <a:p>
-            <a:endParaRPr/>
-          </a:p>
+          <a:p/>
+          <a:p/>
+          <a:p/>
+          <a:p/>
+          <a:p/>
         </p:txBody>
       </p:sp>
       <p:sp>
@@ -2810,6 +2724,11 @@
               </a:rPr>
               <a:t>Copyright © 2021 by Elephant Scale, All Rights Reserved</a:t>
             </a:r>
+            <a:endParaRPr sz="800">
+              <a:solidFill>
+                <a:srgbClr val="000000"/>
+              </a:solidFill>
+            </a:endParaRPr>
           </a:p>
         </p:txBody>
       </p:sp>
@@ -2819,13 +2738,7 @@
           <p:cNvGraphicFramePr>
             <a:graphicFrameLocks noGrp="1"/>
           </p:cNvGraphicFramePr>
-          <p:nvPr>
-            <p:extLst>
-              <p:ext uri="{D42A27DB-BD31-4B8C-83A1-F6EECF244321}">
-                <p14:modId xmlns:p14="http://schemas.microsoft.com/office/powerpoint/2010/main" val="3649093384"/>
-              </p:ext>
-            </p:extLst>
-          </p:nvPr>
+          <p:nvPr/>
         </p:nvGraphicFramePr>
         <p:xfrm>
           <a:off x="237744" y="963771"/>
@@ -2838,27 +2751,9 @@
                 <a:tableStyleId>{5C22544A-7EE6-4342-B048-85BDC9FD1C3A}</a:tableStyleId>
               </a:tblPr>
               <a:tblGrid>
-                <a:gridCol w="1400556">
-                  <a:extLst>
-                    <a:ext uri="{9D8B030D-6E8A-4147-A177-3AD203B41FA5}">
-                      <a16:colId xmlns:a16="http://schemas.microsoft.com/office/drawing/2014/main" val="20000"/>
-                    </a:ext>
-                  </a:extLst>
-                </a:gridCol>
-                <a:gridCol w="2514600">
-                  <a:extLst>
-                    <a:ext uri="{9D8B030D-6E8A-4147-A177-3AD203B41FA5}">
-                      <a16:colId xmlns:a16="http://schemas.microsoft.com/office/drawing/2014/main" val="20001"/>
-                    </a:ext>
-                  </a:extLst>
-                </a:gridCol>
-                <a:gridCol w="5000244">
-                  <a:extLst>
-                    <a:ext uri="{9D8B030D-6E8A-4147-A177-3AD203B41FA5}">
-                      <a16:colId xmlns:a16="http://schemas.microsoft.com/office/drawing/2014/main" val="20002"/>
-                    </a:ext>
-                  </a:extLst>
-                </a:gridCol>
+                <a:gridCol w="1400556"/>
+                <a:gridCol w="2514600"/>
+                <a:gridCol w="5000244"/>
               </a:tblGrid>
               <a:tr h="457200">
                 <a:tc>
@@ -2897,11 +2792,6 @@
                   </a:txBody>
                   <a:tcPr/>
                 </a:tc>
-                <a:extLst>
-                  <a:ext uri="{0D108BD9-81ED-4DB2-BD59-A6C34878D82A}">
-                    <a16:rowId xmlns:a16="http://schemas.microsoft.com/office/drawing/2014/main" val="10000"/>
-                  </a:ext>
-                </a:extLst>
               </a:tr>
               <a:tr h="457200">
                 <a:tc>
@@ -2934,17 +2824,22 @@
                     <a:lstStyle/>
                     <a:p>
                       <a:r>
-                        <a:t>Threat modeling  Common attacks Secure design</a:t>
+                        <a:t>Threat modeling  </a:t>
+                      </a:r>
+                    </a:p>
+                    <a:p>
+                      <a:r>
+                        <a:t>Common attacks </a:t>
+                      </a:r>
+                    </a:p>
+                    <a:p>
+                      <a:r>
+                        <a:t>Secure design</a:t>
                       </a:r>
                     </a:p>
                   </a:txBody>
                   <a:tcPr/>
                 </a:tc>
-                <a:extLst>
-                  <a:ext uri="{0D108BD9-81ED-4DB2-BD59-A6C34878D82A}">
-                    <a16:rowId xmlns:a16="http://schemas.microsoft.com/office/drawing/2014/main" val="10001"/>
-                  </a:ext>
-                </a:extLst>
               </a:tr>
               <a:tr h="457200">
                 <a:tc>
@@ -2977,17 +2872,22 @@
                     <a:lstStyle/>
                     <a:p>
                       <a:r>
-                        <a:t>Countermeasures  Authorization and authentication  Session security</a:t>
+                        <a:t>Countermeasures  </a:t>
+                      </a:r>
+                    </a:p>
+                    <a:p>
+                      <a:r>
+                        <a:t>Authorization and authentication  </a:t>
+                      </a:r>
+                    </a:p>
+                    <a:p>
+                      <a:r>
+                        <a:t>Session security</a:t>
                       </a:r>
                     </a:p>
                   </a:txBody>
                   <a:tcPr/>
                 </a:tc>
-                <a:extLst>
-                  <a:ext uri="{0D108BD9-81ED-4DB2-BD59-A6C34878D82A}">
-                    <a16:rowId xmlns:a16="http://schemas.microsoft.com/office/drawing/2014/main" val="10002"/>
-                  </a:ext>
-                </a:extLst>
               </a:tr>
               <a:tr h="457200">
                 <a:tc>
@@ -3021,17 +2921,34 @@
                     <a:p>
                       <a:r>
                         <a:rPr dirty="0"/>
-                        <a:t>Modern security frameworks  Framework architecture  Securing the runtime environment  Security future</a:t>
+                        <a:t>Modern security frameworks  </a:t>
                       </a:r>
+                      <a:endParaRPr dirty="0"/>
+                    </a:p>
+                    <a:p>
+                      <a:r>
+                        <a:rPr dirty="0"/>
+                        <a:t>Framework architecture  </a:t>
+                      </a:r>
+                      <a:endParaRPr dirty="0"/>
+                    </a:p>
+                    <a:p>
+                      <a:r>
+                        <a:rPr dirty="0"/>
+                        <a:t>Securing the runtime environment  </a:t>
+                      </a:r>
+                      <a:endParaRPr dirty="0"/>
+                    </a:p>
+                    <a:p>
+                      <a:r>
+                        <a:rPr dirty="0"/>
+                        <a:t>Security future</a:t>
+                      </a:r>
+                      <a:endParaRPr dirty="0"/>
                     </a:p>
                   </a:txBody>
                   <a:tcPr/>
                 </a:tc>
-                <a:extLst>
-                  <a:ext uri="{0D108BD9-81ED-4DB2-BD59-A6C34878D82A}">
-                    <a16:rowId xmlns:a16="http://schemas.microsoft.com/office/drawing/2014/main" val="10003"/>
-                  </a:ext>
-                </a:extLst>
               </a:tr>
             </a:tbl>
           </a:graphicData>
@@ -3179,6 +3096,11 @@
               </a:rPr>
               <a:t>Copyright © 2021 by Elephant Scale, All Rights Reserved</a:t>
             </a:r>
+            <a:endParaRPr sz="800">
+              <a:solidFill>
+                <a:srgbClr val="000000"/>
+              </a:solidFill>
+            </a:endParaRPr>
           </a:p>
         </p:txBody>
       </p:sp>
@@ -3294,6 +3216,11 @@
               </a:rPr>
               <a:t>Copyright © 2021 by Elephant Scale, All Rights Reserved</a:t>
             </a:r>
+            <a:endParaRPr sz="800">
+              <a:solidFill>
+                <a:srgbClr val="000000"/>
+              </a:solidFill>
+            </a:endParaRPr>
           </a:p>
         </p:txBody>
       </p:sp>
@@ -3362,45 +3289,19 @@
               <a:t> Where is the ANY key?</a:t>
             </a:r>
           </a:p>
-          <a:p>
-            <a:endParaRPr/>
-          </a:p>
-          <a:p>
-            <a:endParaRPr/>
-          </a:p>
-          <a:p>
-            <a:endParaRPr/>
-          </a:p>
-          <a:p>
-            <a:endParaRPr/>
-          </a:p>
-          <a:p>
-            <a:endParaRPr/>
-          </a:p>
-          <a:p>
-            <a:endParaRPr/>
-          </a:p>
-          <a:p>
-            <a:endParaRPr/>
-          </a:p>
-          <a:p>
-            <a:endParaRPr/>
-          </a:p>
-          <a:p>
-            <a:endParaRPr/>
-          </a:p>
-          <a:p>
-            <a:endParaRPr/>
-          </a:p>
-          <a:p>
-            <a:endParaRPr/>
-          </a:p>
-          <a:p>
-            <a:endParaRPr/>
-          </a:p>
-          <a:p>
-            <a:endParaRPr/>
-          </a:p>
+          <a:p/>
+          <a:p/>
+          <a:p/>
+          <a:p/>
+          <a:p/>
+          <a:p/>
+          <a:p/>
+          <a:p/>
+          <a:p/>
+          <a:p/>
+          <a:p/>
+          <a:p/>
+          <a:p/>
         </p:txBody>
       </p:sp>
       <p:sp>
@@ -3433,6 +3334,11 @@
               </a:rPr>
               <a:t>Copyright © 2021 by Elephant Scale, All Rights Reserved</a:t>
             </a:r>
+            <a:endParaRPr sz="800">
+              <a:solidFill>
+                <a:srgbClr val="000000"/>
+              </a:solidFill>
+            </a:endParaRPr>
           </a:p>
         </p:txBody>
       </p:sp>
@@ -3445,7 +3351,7 @@
           <p:nvPr/>
         </p:nvPicPr>
         <p:blipFill>
-          <a:blip r:embed="rId2"/>
+          <a:blip r:embed="rId1"/>
           <a:stretch>
             <a:fillRect/>
           </a:stretch>
@@ -3520,48 +3426,20 @@
         <p:txBody>
           <a:bodyPr/>
           <a:lstStyle/>
-          <a:p>
-            <a:endParaRPr/>
-          </a:p>
-          <a:p>
-            <a:endParaRPr/>
-          </a:p>
-          <a:p>
-            <a:endParaRPr/>
-          </a:p>
-          <a:p>
-            <a:endParaRPr/>
-          </a:p>
-          <a:p>
-            <a:endParaRPr/>
-          </a:p>
-          <a:p>
-            <a:endParaRPr/>
-          </a:p>
-          <a:p>
-            <a:endParaRPr/>
-          </a:p>
-          <a:p>
-            <a:endParaRPr/>
-          </a:p>
-          <a:p>
-            <a:endParaRPr/>
-          </a:p>
-          <a:p>
-            <a:endParaRPr/>
-          </a:p>
-          <a:p>
-            <a:endParaRPr/>
-          </a:p>
-          <a:p>
-            <a:endParaRPr/>
-          </a:p>
-          <a:p>
-            <a:endParaRPr/>
-          </a:p>
-          <a:p>
-            <a:endParaRPr/>
-          </a:p>
+          <a:p/>
+          <a:p/>
+          <a:p/>
+          <a:p/>
+          <a:p/>
+          <a:p/>
+          <a:p/>
+          <a:p/>
+          <a:p/>
+          <a:p/>
+          <a:p/>
+          <a:p/>
+          <a:p/>
+          <a:p/>
         </p:txBody>
       </p:sp>
       <p:sp>
@@ -3594,6 +3472,11 @@
               </a:rPr>
               <a:t>Copyright © 2021 by Elephant Scale, All Rights Reserved</a:t>
             </a:r>
+            <a:endParaRPr sz="800">
+              <a:solidFill>
+                <a:srgbClr val="000000"/>
+              </a:solidFill>
+            </a:endParaRPr>
           </a:p>
         </p:txBody>
       </p:sp>
@@ -3606,7 +3489,7 @@
           <p:nvPr/>
         </p:nvPicPr>
         <p:blipFill>
-          <a:blip r:embed="rId2"/>
+          <a:blip r:embed="rId1"/>
           <a:stretch>
             <a:fillRect/>
           </a:stretch>
@@ -3681,48 +3564,20 @@
         <p:txBody>
           <a:bodyPr/>
           <a:lstStyle/>
-          <a:p>
-            <a:endParaRPr/>
-          </a:p>
-          <a:p>
-            <a:endParaRPr/>
-          </a:p>
-          <a:p>
-            <a:endParaRPr/>
-          </a:p>
-          <a:p>
-            <a:endParaRPr/>
-          </a:p>
-          <a:p>
-            <a:endParaRPr/>
-          </a:p>
-          <a:p>
-            <a:endParaRPr/>
-          </a:p>
-          <a:p>
-            <a:endParaRPr/>
-          </a:p>
-          <a:p>
-            <a:endParaRPr/>
-          </a:p>
-          <a:p>
-            <a:endParaRPr/>
-          </a:p>
-          <a:p>
-            <a:endParaRPr/>
-          </a:p>
-          <a:p>
-            <a:endParaRPr/>
-          </a:p>
-          <a:p>
-            <a:endParaRPr/>
-          </a:p>
-          <a:p>
-            <a:endParaRPr/>
-          </a:p>
-          <a:p>
-            <a:endParaRPr/>
-          </a:p>
+          <a:p/>
+          <a:p/>
+          <a:p/>
+          <a:p/>
+          <a:p/>
+          <a:p/>
+          <a:p/>
+          <a:p/>
+          <a:p/>
+          <a:p/>
+          <a:p/>
+          <a:p/>
+          <a:p/>
+          <a:p/>
         </p:txBody>
       </p:sp>
       <p:sp>
@@ -3755,6 +3610,11 @@
               </a:rPr>
               <a:t>Copyright © 2021 by Elephant Scale, All Rights Reserved</a:t>
             </a:r>
+            <a:endParaRPr sz="800">
+              <a:solidFill>
+                <a:srgbClr val="000000"/>
+              </a:solidFill>
+            </a:endParaRPr>
           </a:p>
         </p:txBody>
       </p:sp>
@@ -3767,7 +3627,7 @@
           <p:nvPr/>
         </p:nvPicPr>
         <p:blipFill>
-          <a:blip r:embed="rId3"/>
+          <a:blip r:embed="rId1"/>
           <a:stretch>
             <a:fillRect/>
           </a:stretch>
@@ -3842,48 +3702,20 @@
         <p:txBody>
           <a:bodyPr/>
           <a:lstStyle/>
-          <a:p>
-            <a:endParaRPr/>
-          </a:p>
-          <a:p>
-            <a:endParaRPr/>
-          </a:p>
-          <a:p>
-            <a:endParaRPr/>
-          </a:p>
-          <a:p>
-            <a:endParaRPr/>
-          </a:p>
-          <a:p>
-            <a:endParaRPr/>
-          </a:p>
-          <a:p>
-            <a:endParaRPr/>
-          </a:p>
-          <a:p>
-            <a:endParaRPr/>
-          </a:p>
-          <a:p>
-            <a:endParaRPr/>
-          </a:p>
-          <a:p>
-            <a:endParaRPr/>
-          </a:p>
-          <a:p>
-            <a:endParaRPr/>
-          </a:p>
-          <a:p>
-            <a:endParaRPr/>
-          </a:p>
-          <a:p>
-            <a:endParaRPr/>
-          </a:p>
-          <a:p>
-            <a:endParaRPr/>
-          </a:p>
-          <a:p>
-            <a:endParaRPr/>
-          </a:p>
+          <a:p/>
+          <a:p/>
+          <a:p/>
+          <a:p/>
+          <a:p/>
+          <a:p/>
+          <a:p/>
+          <a:p/>
+          <a:p/>
+          <a:p/>
+          <a:p/>
+          <a:p/>
+          <a:p/>
+          <a:p/>
         </p:txBody>
       </p:sp>
       <p:sp>
@@ -3916,6 +3748,11 @@
               </a:rPr>
               <a:t>Copyright © 2021 by Elephant Scale, All Rights Reserved</a:t>
             </a:r>
+            <a:endParaRPr sz="800">
+              <a:solidFill>
+                <a:srgbClr val="000000"/>
+              </a:solidFill>
+            </a:endParaRPr>
           </a:p>
         </p:txBody>
       </p:sp>
@@ -3928,7 +3765,7 @@
           <p:nvPr/>
         </p:nvPicPr>
         <p:blipFill>
-          <a:blip r:embed="rId3"/>
+          <a:blip r:embed="rId1"/>
           <a:stretch>
             <a:fillRect/>
           </a:stretch>
@@ -4003,30 +3840,14 @@
         <p:txBody>
           <a:bodyPr/>
           <a:lstStyle/>
-          <a:p>
-            <a:endParaRPr/>
-          </a:p>
-          <a:p>
-            <a:endParaRPr/>
-          </a:p>
-          <a:p>
-            <a:endParaRPr/>
-          </a:p>
-          <a:p>
-            <a:endParaRPr/>
-          </a:p>
-          <a:p>
-            <a:endParaRPr/>
-          </a:p>
-          <a:p>
-            <a:endParaRPr/>
-          </a:p>
-          <a:p>
-            <a:endParaRPr/>
-          </a:p>
-          <a:p>
-            <a:endParaRPr/>
-          </a:p>
+          <a:p/>
+          <a:p/>
+          <a:p/>
+          <a:p/>
+          <a:p/>
+          <a:p/>
+          <a:p/>
+          <a:p/>
         </p:txBody>
       </p:sp>
       <p:sp>
@@ -4059,6 +3880,11 @@
               </a:rPr>
               <a:t>Copyright © 2021 by Elephant Scale, All Rights Reserved</a:t>
             </a:r>
+            <a:endParaRPr sz="800">
+              <a:solidFill>
+                <a:srgbClr val="000000"/>
+              </a:solidFill>
+            </a:endParaRPr>
           </a:p>
         </p:txBody>
       </p:sp>
@@ -4071,7 +3897,7 @@
           <p:nvPr/>
         </p:nvPicPr>
         <p:blipFill>
-          <a:blip r:embed="rId2"/>
+          <a:blip r:embed="rId1"/>
           <a:stretch>
             <a:fillRect/>
           </a:stretch>
@@ -4337,13 +4163,8 @@
           <a:headEnd type="none" w="med" len="med"/>
           <a:tailEnd type="none" w="med" len="med"/>
         </a:ln>
-        <a:effectLst/>
       </a:spPr>
-      <a:bodyPr vert="horz" wrap="square" lIns="91440" tIns="45720" rIns="91440" bIns="45720" numCol="1" anchor="t" anchorCtr="0" compatLnSpc="1">
-        <a:prstTxWarp prst="textNoShape">
-          <a:avLst/>
-        </a:prstTxWarp>
-      </a:bodyPr>
+      <a:bodyPr vert="horz" wrap="square" lIns="91440" tIns="45720" rIns="91440" bIns="45720" numCol="1" anchor="t" anchorCtr="0" compatLnSpc="1"/>
       <a:lstStyle>
         <a:defPPr marL="0" marR="0" indent="0" algn="ctr" defTabSz="914400" rtl="0" eaLnBrk="1" fontAlgn="base" latinLnBrk="0" hangingPunct="1">
           <a:lnSpc>
@@ -4359,7 +4180,6 @@
           <a:buSzTx/>
           <a:buFontTx/>
           <a:buNone/>
-          <a:tabLst/>
           <a:defRPr kumimoji="0" lang="en-US" sz="1000" b="0" i="0" u="none" strike="noStrike" cap="none" normalizeH="0" baseline="0">
             <a:ln>
               <a:noFill/>
@@ -4368,7 +4188,7 @@
               <a:schemeClr val="tx1"/>
             </a:solidFill>
             <a:effectLst/>
-            <a:latin typeface="Garamond" pitchFamily="-110" charset="0"/>
+            <a:latin typeface="Garamond" pitchFamily="18" charset="0"/>
           </a:defRPr>
         </a:defPPr>
       </a:lstStyle>
@@ -4399,13 +4219,8 @@
           <a:headEnd type="none" w="med" len="med"/>
           <a:tailEnd type="none" w="med" len="med"/>
         </a:ln>
-        <a:effectLst/>
       </a:spPr>
-      <a:bodyPr vert="horz" wrap="square" lIns="91440" tIns="45720" rIns="91440" bIns="45720" numCol="1" anchor="t" anchorCtr="0" compatLnSpc="1">
-        <a:prstTxWarp prst="textNoShape">
-          <a:avLst/>
-        </a:prstTxWarp>
-      </a:bodyPr>
+      <a:bodyPr vert="horz" wrap="square" lIns="91440" tIns="45720" rIns="91440" bIns="45720" numCol="1" anchor="t" anchorCtr="0" compatLnSpc="1"/>
       <a:lstStyle>
         <a:defPPr marL="0" marR="0" indent="0" algn="ctr" defTabSz="914400" rtl="0" eaLnBrk="1" fontAlgn="base" latinLnBrk="0" hangingPunct="1">
           <a:lnSpc>
@@ -4421,7 +4236,6 @@
           <a:buSzTx/>
           <a:buFontTx/>
           <a:buNone/>
-          <a:tabLst/>
           <a:defRPr kumimoji="0" lang="en-US" sz="1000" b="0" i="0" u="none" strike="noStrike" cap="none" normalizeH="0" baseline="0">
             <a:ln>
               <a:noFill/>
@@ -4430,7 +4244,7 @@
               <a:schemeClr val="tx1"/>
             </a:solidFill>
             <a:effectLst/>
-            <a:latin typeface="Garamond" pitchFamily="-110" charset="0"/>
+            <a:latin typeface="Garamond" pitchFamily="18" charset="0"/>
           </a:defRPr>
         </a:defPPr>
       </a:lstStyle>
@@ -4725,6 +4539,11 @@
       <a:clrMap bg1="dk2" tx1="lt1" bg2="dk1" tx2="lt2" accent1="accent1" accent2="accent2" accent3="accent3" accent4="accent4" accent5="accent5" accent6="accent6" hlink="hlink" folHlink="folHlink"/>
     </a:extraClrScheme>
   </a:extraClrSchemeLst>
+  <a:extLst>
+    <a:ext uri="{05A4C25C-085E-4340-85A3-A5531E510DB2}">
+      <thm15:themeFamily xmlns:thm15="http://schemas.microsoft.com/office/thememl/2012/main" name="Office Theme" id="{62F939B6-93AF-4DB8-9C6B-D6C7DFDC589F}" vid="{4A3C46E8-61CC-4603-A589-7422A47A8E4A}"/>
+    </a:ext>
+  </a:extLst>
 </a:theme>
 </file>
 
@@ -5042,7 +4861,11 @@
       </a:style>
     </a:lnDef>
   </a:objectDefaults>
-  <a:extraClrSchemeLst/>
+  <a:extLst>
+    <a:ext uri="{05A4C25C-085E-4340-85A3-A5531E510DB2}">
+      <thm15:themeFamily xmlns:thm15="http://schemas.microsoft.com/office/thememl/2012/main" name="Office Theme" id="{62F939B6-93AF-4DB8-9C6B-D6C7DFDC589F}" vid="{4A3C46E8-61CC-4603-A589-7422A47A8E4A}"/>
+    </a:ext>
+  </a:extLst>
 </a:theme>
 </file>
 
@@ -5360,6 +5183,10 @@
       </a:style>
     </a:lnDef>
   </a:objectDefaults>
-  <a:extraClrSchemeLst/>
+  <a:extLst>
+    <a:ext uri="{05A4C25C-085E-4340-85A3-A5531E510DB2}">
+      <thm15:themeFamily xmlns:thm15="http://schemas.microsoft.com/office/thememl/2012/main" name="Office Theme" id="{62F939B6-93AF-4DB8-9C6B-D6C7DFDC589F}" vid="{4A3C46E8-61CC-4603-A589-7422A47A8E4A}"/>
+    </a:ext>
+  </a:extLst>
 </a:theme>
 </file>
--- a/secure-coding/slides/delivery/02__About-Secure-Coding-Class.pptx
+++ b/secure-coding/slides/delivery/02__About-Secure-Coding-Class.pptx
@@ -2824,18 +2824,58 @@
                     <a:lstStyle/>
                     <a:p>
                       <a:r>
-                        <a:t>Threat modeling  </a:t>
+                        <a:rPr sz="1800">
+                          <a:sym typeface="+mn-ea"/>
+                        </a:rPr>
+                        <a:t>Intro</a:t>
                       </a:r>
+                      <a:endParaRPr sz="1800">
+                        <a:sym typeface="+mn-ea"/>
+                      </a:endParaRPr>
                     </a:p>
                     <a:p>
                       <a:r>
-                        <a:t>Common attacks </a:t>
+                        <a:rPr sz="1800">
+                          <a:sym typeface="+mn-ea"/>
+                        </a:rPr>
+                        <a:t>Threat modeling </a:t>
                       </a:r>
+                      <a:endParaRPr sz="1800">
+                        <a:sym typeface="+mn-ea"/>
+                      </a:endParaRPr>
                     </a:p>
                     <a:p>
                       <a:r>
+                        <a:rPr sz="1800">
+                          <a:sym typeface="+mn-ea"/>
+                        </a:rPr>
+                        <a:t>Common attacks </a:t>
+                      </a:r>
+                      <a:endParaRPr sz="1800">
+                        <a:sym typeface="+mn-ea"/>
+                      </a:endParaRPr>
+                    </a:p>
+                    <a:p>
+                      <a:r>
+                        <a:rPr sz="1800">
+                          <a:sym typeface="+mn-ea"/>
+                        </a:rPr>
+                        <a:t>Countermeasures </a:t>
+                      </a:r>
+                      <a:endParaRPr sz="1800">
+                        <a:sym typeface="+mn-ea"/>
+                      </a:endParaRPr>
+                    </a:p>
+                    <a:p>
+                      <a:r>
+                        <a:rPr sz="1800">
+                          <a:sym typeface="+mn-ea"/>
+                        </a:rPr>
                         <a:t>Secure design</a:t>
                       </a:r>
+                      <a:endParaRPr sz="1800">
+                        <a:sym typeface="+mn-ea"/>
+                      </a:endParaRPr>
                     </a:p>
                   </a:txBody>
                   <a:tcPr/>
@@ -2872,17 +2912,43 @@
                     <a:lstStyle/>
                     <a:p>
                       <a:r>
-                        <a:t>Countermeasures  </a:t>
+                        <a:rPr sz="1800">
+                          <a:sym typeface="+mn-ea"/>
+                        </a:rPr>
+                        <a:t>Java Security</a:t>
                       </a:r>
+                      <a:endParaRPr sz="1800">
+                        <a:sym typeface="+mn-ea"/>
+                      </a:endParaRPr>
                     </a:p>
                     <a:p>
                       <a:r>
-                        <a:t>Authorization and authentication  </a:t>
+                        <a:rPr sz="1800">
+                          <a:sym typeface="+mn-ea"/>
+                        </a:rPr>
+                        <a:t>JavaScript Security</a:t>
                       </a:r>
+                      <a:endParaRPr sz="1800">
+                        <a:sym typeface="+mn-ea"/>
+                      </a:endParaRPr>
                     </a:p>
                     <a:p>
                       <a:r>
-                        <a:t>Session security</a:t>
+                        <a:rPr sz="1800">
+                          <a:sym typeface="+mn-ea"/>
+                        </a:rPr>
+                        <a:t>REST endpoint security</a:t>
+                      </a:r>
+                      <a:endParaRPr sz="1800">
+                        <a:sym typeface="+mn-ea"/>
+                      </a:endParaRPr>
+                    </a:p>
+                    <a:p>
+                      <a:r>
+                        <a:rPr sz="1800">
+                          <a:sym typeface="+mn-ea"/>
+                        </a:rPr>
+                        <a:t>Authentication and Authorization (OAuth) Session security</a:t>
                       </a:r>
                     </a:p>
                   </a:txBody>
@@ -2920,28 +2986,42 @@
                     <a:lstStyle/>
                     <a:p>
                       <a:r>
-                        <a:rPr dirty="0"/>
-                        <a:t>Modern security frameworks  </a:t>
+                        <a:rPr sz="1800">
+                          <a:sym typeface="+mn-ea"/>
+                        </a:rPr>
+                        <a:t>Modern security frameworks (Vault and Consul)</a:t>
                       </a:r>
-                      <a:endParaRPr dirty="0"/>
+                      <a:endParaRPr sz="1800">
+                        <a:sym typeface="+mn-ea"/>
+                      </a:endParaRPr>
                     </a:p>
                     <a:p>
                       <a:r>
-                        <a:rPr dirty="0"/>
-                        <a:t>Framework architecture  </a:t>
+                        <a:rPr sz="1800">
+                          <a:sym typeface="+mn-ea"/>
+                        </a:rPr>
+                        <a:t>Framework architecture</a:t>
                       </a:r>
-                      <a:endParaRPr dirty="0"/>
+                      <a:endParaRPr sz="1800">
+                        <a:sym typeface="+mn-ea"/>
+                      </a:endParaRPr>
                     </a:p>
                     <a:p>
                       <a:r>
-                        <a:rPr dirty="0"/>
-                        <a:t>Securing the runtime environment  </a:t>
+                        <a:rPr sz="1800">
+                          <a:sym typeface="+mn-ea"/>
+                        </a:rPr>
+                        <a:t>Securing the runtime environment</a:t>
                       </a:r>
-                      <a:endParaRPr dirty="0"/>
+                      <a:endParaRPr sz="1800">
+                        <a:sym typeface="+mn-ea"/>
+                      </a:endParaRPr>
                     </a:p>
                     <a:p>
                       <a:r>
-                        <a:rPr dirty="0"/>
+                        <a:rPr sz="1800">
+                          <a:sym typeface="+mn-ea"/>
+                        </a:rPr>
                         <a:t>Security future</a:t>
                       </a:r>
                       <a:endParaRPr dirty="0"/>

--- a/secure-coding/slides/delivery/02__About-Secure-Coding-Class.pptx
+++ b/secure-coding/slides/delivery/02__About-Secure-Coding-Class.pptx
@@ -1,29 +1,29 @@
 
 <file path=ppt/presentation.xml><?xml version="1.0" encoding="utf-8"?>
-<p:presentation xmlns:a="http://schemas.openxmlformats.org/drawingml/2006/main" xmlns:r="http://schemas.openxmlformats.org/officeDocument/2006/relationships" xmlns:p="http://schemas.openxmlformats.org/presentationml/2006/main" showSpecialPlsOnTitleSld="0" saveSubsetFonts="1" autoCompressPictures="0">
+<p:presentation xmlns:a="http://schemas.openxmlformats.org/drawingml/2006/main" xmlns:r="http://schemas.openxmlformats.org/officeDocument/2006/relationships" xmlns:p="http://schemas.openxmlformats.org/presentationml/2006/main" showSpecialPlsOnTitleSld="0" autoCompressPictures="0">
   <p:sldMasterIdLst>
-    <p:sldMasterId id="2147483651" r:id="rId1"/>
+    <p:sldMasterId id="2147483648" r:id="rId1"/>
   </p:sldMasterIdLst>
   <p:notesMasterIdLst>
-    <p:notesMasterId r:id="rId2"/>
+    <p:notesMasterId r:id="rId10"/>
   </p:notesMasterIdLst>
   <p:handoutMasterIdLst>
-    <p:handoutMasterId r:id="rId3"/>
+    <p:handoutMasterId r:id="rId15"/>
   </p:handoutMasterIdLst>
   <p:sldIdLst>
-    <p:sldId id="256" r:id="rId9"/>
-    <p:sldId id="257" r:id="rId10"/>
-    <p:sldId id="258" r:id="rId11"/>
-    <p:sldId id="259" r:id="rId12"/>
-    <p:sldId id="260" r:id="rId13"/>
-    <p:sldId id="261" r:id="rId14"/>
-    <p:sldId id="262" r:id="rId15"/>
-    <p:sldId id="263" r:id="rId16"/>
-    <p:sldId id="264" r:id="rId17"/>
-    <p:sldId id="265" r:id="rId18"/>
-    <p:sldId id="266" r:id="rId19"/>
+    <p:sldId id="256" r:id="rId3"/>
+    <p:sldId id="257" r:id="rId4"/>
+    <p:sldId id="258" r:id="rId5"/>
+    <p:sldId id="259" r:id="rId6"/>
+    <p:sldId id="260" r:id="rId7"/>
+    <p:sldId id="261" r:id="rId8"/>
+    <p:sldId id="262" r:id="rId9"/>
+    <p:sldId id="263" r:id="rId11"/>
+    <p:sldId id="264" r:id="rId12"/>
+    <p:sldId id="265" r:id="rId13"/>
+    <p:sldId id="266" r:id="rId14"/>
   </p:sldIdLst>
-  <p:sldSz cx="9372600" cy="8297863"/>
+  <p:sldSz cx="9372600" cy="8297545"/>
   <p:notesSz cx="7315200" cy="9601200"/>
   <p:defaultTextStyle>
     <a:defPPr>
@@ -41,8 +41,8 @@
           <a:schemeClr val="tx1"/>
         </a:solidFill>
         <a:latin typeface="Garamond" pitchFamily="18" charset="0"/>
-        <a:ea typeface="ＭＳ Ｐゴシック"/>
-        <a:cs typeface="ＭＳ Ｐゴシック"/>
+        <a:ea typeface="MS PGothic"/>
+        <a:cs typeface="MS PGothic"/>
       </a:defRPr>
     </a:lvl1pPr>
     <a:lvl2pPr marL="457200" algn="l" rtl="0" fontAlgn="base">
@@ -57,8 +57,8 @@
           <a:schemeClr val="tx1"/>
         </a:solidFill>
         <a:latin typeface="Garamond" pitchFamily="18" charset="0"/>
-        <a:ea typeface="ＭＳ Ｐゴシック"/>
-        <a:cs typeface="ＭＳ Ｐゴシック"/>
+        <a:ea typeface="MS PGothic"/>
+        <a:cs typeface="MS PGothic"/>
       </a:defRPr>
     </a:lvl2pPr>
     <a:lvl3pPr marL="914400" algn="l" rtl="0" fontAlgn="base">
@@ -73,8 +73,8 @@
           <a:schemeClr val="tx1"/>
         </a:solidFill>
         <a:latin typeface="Garamond" pitchFamily="18" charset="0"/>
-        <a:ea typeface="ＭＳ Ｐゴシック"/>
-        <a:cs typeface="ＭＳ Ｐゴシック"/>
+        <a:ea typeface="MS PGothic"/>
+        <a:cs typeface="MS PGothic"/>
       </a:defRPr>
     </a:lvl3pPr>
     <a:lvl4pPr marL="1371600" algn="l" rtl="0" fontAlgn="base">
@@ -89,8 +89,8 @@
           <a:schemeClr val="tx1"/>
         </a:solidFill>
         <a:latin typeface="Garamond" pitchFamily="18" charset="0"/>
-        <a:ea typeface="ＭＳ Ｐゴシック"/>
-        <a:cs typeface="ＭＳ Ｐゴシック"/>
+        <a:ea typeface="MS PGothic"/>
+        <a:cs typeface="MS PGothic"/>
       </a:defRPr>
     </a:lvl4pPr>
     <a:lvl5pPr marL="1828800" algn="l" rtl="0" fontAlgn="base">
@@ -105,8 +105,8 @@
           <a:schemeClr val="tx1"/>
         </a:solidFill>
         <a:latin typeface="Garamond" pitchFamily="18" charset="0"/>
-        <a:ea typeface="ＭＳ Ｐゴシック"/>
-        <a:cs typeface="ＭＳ Ｐゴシック"/>
+        <a:ea typeface="MS PGothic"/>
+        <a:cs typeface="MS PGothic"/>
       </a:defRPr>
     </a:lvl5pPr>
     <a:lvl6pPr marL="2286000" algn="l" defTabSz="914400" rtl="0" eaLnBrk="1" latinLnBrk="0" hangingPunct="1">
@@ -115,8 +115,8 @@
           <a:schemeClr val="tx1"/>
         </a:solidFill>
         <a:latin typeface="Garamond" pitchFamily="18" charset="0"/>
-        <a:ea typeface="ＭＳ Ｐゴシック"/>
-        <a:cs typeface="ＭＳ Ｐゴシック"/>
+        <a:ea typeface="MS PGothic"/>
+        <a:cs typeface="MS PGothic"/>
       </a:defRPr>
     </a:lvl6pPr>
     <a:lvl7pPr marL="2743200" algn="l" defTabSz="914400" rtl="0" eaLnBrk="1" latinLnBrk="0" hangingPunct="1">
@@ -125,8 +125,8 @@
           <a:schemeClr val="tx1"/>
         </a:solidFill>
         <a:latin typeface="Garamond" pitchFamily="18" charset="0"/>
-        <a:ea typeface="ＭＳ Ｐゴシック"/>
-        <a:cs typeface="ＭＳ Ｐゴシック"/>
+        <a:ea typeface="MS PGothic"/>
+        <a:cs typeface="MS PGothic"/>
       </a:defRPr>
     </a:lvl7pPr>
     <a:lvl8pPr marL="3200400" algn="l" defTabSz="914400" rtl="0" eaLnBrk="1" latinLnBrk="0" hangingPunct="1">
@@ -135,8 +135,8 @@
           <a:schemeClr val="tx1"/>
         </a:solidFill>
         <a:latin typeface="Garamond" pitchFamily="18" charset="0"/>
-        <a:ea typeface="ＭＳ Ｐゴシック"/>
-        <a:cs typeface="ＭＳ Ｐゴシック"/>
+        <a:ea typeface="MS PGothic"/>
+        <a:cs typeface="MS PGothic"/>
       </a:defRPr>
     </a:lvl8pPr>
     <a:lvl9pPr marL="3657600" algn="l" defTabSz="914400" rtl="0" eaLnBrk="1" latinLnBrk="0" hangingPunct="1">
@@ -145,41 +145,11 @@
           <a:schemeClr val="tx1"/>
         </a:solidFill>
         <a:latin typeface="Garamond" pitchFamily="18" charset="0"/>
-        <a:ea typeface="ＭＳ Ｐゴシック"/>
-        <a:cs typeface="ＭＳ Ｐゴシック"/>
+        <a:ea typeface="MS PGothic"/>
+        <a:cs typeface="MS PGothic"/>
       </a:defRPr>
     </a:lvl9pPr>
   </p:defaultTextStyle>
-  <p:extLst>
-    <p:ext uri="{EFAFB233-063F-42B5-8137-9DF3F51BA10A}">
-      <p15:sldGuideLst xmlns:p15="http://schemas.microsoft.com/office/powerpoint/2012/main">
-        <p15:guide id="1" orient="horz" pos="2614" userDrawn="1">
-          <p15:clr>
-            <a:srgbClr val="A4A3A4"/>
-          </p15:clr>
-        </p15:guide>
-        <p15:guide id="2" pos="2952" userDrawn="1">
-          <p15:clr>
-            <a:srgbClr val="A4A3A4"/>
-          </p15:clr>
-        </p15:guide>
-      </p15:sldGuideLst>
-    </p:ext>
-    <p:ext uri="{2D200454-40CA-4A62-9FC3-DE9A4176ACB9}">
-      <p15:notesGuideLst xmlns:p15="http://schemas.microsoft.com/office/powerpoint/2012/main">
-        <p15:guide id="1" orient="horz" pos="3024">
-          <p15:clr>
-            <a:srgbClr val="A4A3A4"/>
-          </p15:clr>
-        </p15:guide>
-        <p15:guide id="2" pos="2308">
-          <p15:clr>
-            <a:srgbClr val="A4A3A4"/>
-          </p15:clr>
-        </p15:guide>
-      </p15:notesGuideLst>
-    </p:ext>
-  </p:extLst>
 </p:presentation>
 </file>
 
@@ -189,9 +159,7 @@
   <p:cmAuthor id="2" name="Mark Kerzner" initials="MK" lastIdx="6" clrIdx="1"/>
   <p:cmAuthor id="3" name="Mary Beth Conlee" initials="MBC" lastIdx="7" clrIdx="2"/>
   <p:cmAuthor id="4" name="Michelle" initials="M" lastIdx="5" clrIdx="3"/>
-  <p:cmAuthor id="5" name="Tricia Murphy" initials="TM" lastIdx="4" clrIdx="4">
-    <p:extLst/>
-  </p:cmAuthor>
+  <p:cmAuthor id="5" name="Tricia Murphy" initials="TM" lastIdx="4" clrIdx="4"/>
 </p:cmAuthorLst>
 </file>
 
@@ -242,20 +210,14 @@
           <a:ln w="9525">
             <a:noFill/>
             <a:miter lim="800000"/>
-            <a:headEnd/>
-            <a:tailEnd/>
           </a:ln>
         </p:spPr>
         <p:txBody>
-          <a:bodyPr vert="horz" wrap="square" lIns="96603" tIns="48303" rIns="96603" bIns="48303" numCol="1" anchor="b" anchorCtr="0" compatLnSpc="1">
-            <a:prstTxWarp prst="textNoShape">
-              <a:avLst/>
-            </a:prstTxWarp>
-          </a:bodyPr>
+          <a:bodyPr vert="horz" wrap="square" lIns="96603" tIns="48303" rIns="96603" bIns="48303" numCol="1" anchor="b" anchorCtr="0" compatLnSpc="1"/>
           <a:lstStyle>
             <a:lvl1pPr defTabSz="965200">
               <a:defRPr sz="1200">
-                <a:latin typeface="Times New Roman" pitchFamily="18" charset="0"/>
+                <a:latin typeface="Times New Roman" panose="02020603050405020304" pitchFamily="-110" charset="0"/>
               </a:defRPr>
             </a:lvl1pPr>
           </a:lstStyle>
@@ -267,6 +229,7 @@
               <a:rPr lang="en-US" dirty="0"/>
               <a:t>Copyright © 2017 Elephant Scale. All rights reserved.</a:t>
             </a:r>
+            <a:endParaRPr lang="en-US" dirty="0"/>
           </a:p>
         </p:txBody>
       </p:sp>
@@ -292,20 +255,14 @@
           <a:ln w="9525">
             <a:noFill/>
             <a:miter lim="800000"/>
-            <a:headEnd/>
-            <a:tailEnd/>
           </a:ln>
         </p:spPr>
         <p:txBody>
-          <a:bodyPr vert="horz" wrap="square" lIns="96603" tIns="48303" rIns="96603" bIns="48303" numCol="1" anchor="b" anchorCtr="0" compatLnSpc="1">
-            <a:prstTxWarp prst="textNoShape">
-              <a:avLst/>
-            </a:prstTxWarp>
-          </a:bodyPr>
+          <a:bodyPr vert="horz" wrap="square" lIns="96603" tIns="48303" rIns="96603" bIns="48303" numCol="1" anchor="b" anchorCtr="0" compatLnSpc="1"/>
           <a:lstStyle>
             <a:lvl1pPr algn="r" defTabSz="965200">
               <a:defRPr sz="1200">
-                <a:latin typeface="Times New Roman" pitchFamily="18" charset="0"/>
+                <a:latin typeface="Times New Roman" panose="02020603050405020304" pitchFamily="-110" charset="0"/>
               </a:defRPr>
             </a:lvl1pPr>
           </a:lstStyle>
@@ -315,21 +272,12 @@
             </a:pPr>
             <a:fld id="{97E62689-8C7D-4291-A094-4E689FEC4C3B}" type="slidenum">
               <a:rPr lang="en-US"/>
-              <a:pPr>
-                <a:defRPr/>
-              </a:pPr>
-              <a:t>‹#›</a:t>
             </a:fld>
             <a:endParaRPr lang="en-US" dirty="0"/>
           </a:p>
         </p:txBody>
       </p:sp>
     </p:spTree>
-    <p:extLst>
-      <p:ext uri="{BB962C8B-B14F-4D97-AF65-F5344CB8AC3E}">
-        <p14:creationId xmlns:p14="http://schemas.microsoft.com/office/powerpoint/2010/main" val="3239291525"/>
-      </p:ext>
-    </p:extLst>
   </p:cSld>
   <p:clrMap bg1="lt1" tx1="dk1" bg2="lt2" tx2="dk2" accent1="accent1" accent2="accent2" accent3="accent3" accent4="accent4" accent5="accent5" accent6="accent6" hlink="hlink" folHlink="folHlink"/>
   <p:hf hdr="0" ftr="0" dt="0"/>
@@ -385,8 +333,6 @@
               <a:srgbClr val="000000"/>
             </a:solidFill>
             <a:miter lim="800000"/>
-            <a:headEnd/>
-            <a:tailEnd/>
           </a:ln>
         </p:spPr>
       </p:sp>
@@ -412,21 +358,15 @@
           <a:ln w="9525">
             <a:noFill/>
             <a:miter lim="800000"/>
-            <a:headEnd/>
-            <a:tailEnd/>
           </a:ln>
           <a:effectLst/>
         </p:spPr>
         <p:txBody>
-          <a:bodyPr vert="horz" wrap="square" lIns="0" tIns="0" rIns="0" bIns="0" numCol="1" anchor="b" anchorCtr="1" compatLnSpc="1">
-            <a:prstTxWarp prst="textNoShape">
-              <a:avLst/>
-            </a:prstTxWarp>
-          </a:bodyPr>
+          <a:bodyPr vert="horz" wrap="square" lIns="0" tIns="0" rIns="0" bIns="0" numCol="1" anchor="b" anchorCtr="1" compatLnSpc="1"/>
           <a:lstStyle>
             <a:lvl1pPr algn="ctr" defTabSz="965200" eaLnBrk="0" hangingPunct="0">
               <a:defRPr sz="900">
-                <a:latin typeface="Arial" charset="0"/>
+                <a:latin typeface="Arial" panose="020B0604020202020204" pitchFamily="34" charset="0"/>
               </a:defRPr>
             </a:lvl1pPr>
           </a:lstStyle>
@@ -438,6 +378,7 @@
               <a:rPr lang="en-US" dirty="0"/>
               <a:t>Copyright © 2017 Elephant Scale. All rights reserved.</a:t>
             </a:r>
+            <a:endParaRPr lang="en-US" dirty="0"/>
           </a:p>
         </p:txBody>
       </p:sp>
@@ -463,21 +404,15 @@
           <a:ln w="9525">
             <a:noFill/>
             <a:miter lim="800000"/>
-            <a:headEnd/>
-            <a:tailEnd/>
           </a:ln>
           <a:effectLst/>
         </p:spPr>
         <p:txBody>
-          <a:bodyPr vert="horz" wrap="square" lIns="0" tIns="0" rIns="0" bIns="0" numCol="1" anchor="b" anchorCtr="0" compatLnSpc="1">
-            <a:prstTxWarp prst="textNoShape">
-              <a:avLst/>
-            </a:prstTxWarp>
-          </a:bodyPr>
+          <a:bodyPr vert="horz" wrap="square" lIns="0" tIns="0" rIns="0" bIns="0" numCol="1" anchor="b" anchorCtr="0" compatLnSpc="1"/>
           <a:lstStyle>
             <a:lvl1pPr algn="r" defTabSz="965200" eaLnBrk="0" hangingPunct="0">
               <a:defRPr b="1">
-                <a:latin typeface="Arial" charset="0"/>
+                <a:latin typeface="Arial" panose="020B0604020202020204" pitchFamily="34" charset="0"/>
               </a:defRPr>
             </a:lvl1pPr>
           </a:lstStyle>
@@ -487,10 +422,6 @@
             </a:pPr>
             <a:fld id="{EFAADD5D-AF76-45EE-AA5F-6DAC73BF167A}" type="slidenum">
               <a:rPr lang="en-US"/>
-              <a:pPr>
-                <a:defRPr/>
-              </a:pPr>
-              <a:t>‹#›</a:t>
             </a:fld>
             <a:endParaRPr lang="en-US" dirty="0"/>
           </a:p>
@@ -516,24 +447,26 @@
           <a:ln w="9525">
             <a:noFill/>
             <a:miter lim="800000"/>
-            <a:headEnd/>
-            <a:tailEnd/>
           </a:ln>
         </p:spPr>
         <p:txBody>
           <a:bodyPr wrap="none" lIns="96386" tIns="48194" rIns="96386" bIns="48194"/>
           <a:lstStyle/>
           <a:p>
-            <a:pPr defTabSz="960438">
+            <a:pPr defTabSz="960755">
               <a:defRPr/>
             </a:pPr>
             <a:r>
               <a:rPr lang="en-US" sz="1200" b="1" u="sng" dirty="0">
-                <a:latin typeface="Times New Roman" pitchFamily="18" charset="0"/>
-                <a:cs typeface="Times New Roman" pitchFamily="18" charset="0"/>
+                <a:latin typeface="Times New Roman" panose="02020603050405020304" pitchFamily="-110" charset="0"/>
+                <a:cs typeface="Times New Roman" panose="02020603050405020304" pitchFamily="-110" charset="0"/>
               </a:rPr>
               <a:t>Notes:</a:t>
             </a:r>
+            <a:endParaRPr lang="en-US" sz="1200" b="1" u="sng" dirty="0">
+              <a:latin typeface="Times New Roman" panose="02020603050405020304" pitchFamily="-110" charset="0"/>
+              <a:cs typeface="Times New Roman" panose="02020603050405020304" pitchFamily="-110" charset="0"/>
+            </a:endParaRPr>
           </a:p>
         </p:txBody>
       </p:sp>
@@ -559,16 +492,10 @@
           <a:ln w="9525">
             <a:noFill/>
             <a:miter lim="800000"/>
-            <a:headEnd/>
-            <a:tailEnd/>
           </a:ln>
         </p:spPr>
         <p:txBody>
-          <a:bodyPr vert="horz" wrap="square" lIns="91537" tIns="45768" rIns="91537" bIns="45768" numCol="1" anchor="t" anchorCtr="0" compatLnSpc="1">
-            <a:prstTxWarp prst="textNoShape">
-              <a:avLst/>
-            </a:prstTxWarp>
-          </a:bodyPr>
+          <a:bodyPr vert="horz" wrap="square" lIns="91537" tIns="45768" rIns="91537" bIns="45768" numCol="1" anchor="t" anchorCtr="0" compatLnSpc="1"/>
           <a:lstStyle/>
           <a:p>
             <a:pPr lvl="0"/>
@@ -598,8 +525,6 @@
               <a:srgbClr val="000000"/>
             </a:solidFill>
             <a:round/>
-            <a:headEnd/>
-            <a:tailEnd/>
           </a:ln>
           <a:effectLst/>
         </p:spPr>
@@ -614,7 +539,7 @@
               <a:defRPr/>
             </a:pPr>
             <a:endParaRPr lang="en-US" dirty="0">
-              <a:latin typeface="Garamond" pitchFamily="-110" charset="0"/>
+              <a:latin typeface="Garamond" pitchFamily="18" charset="0"/>
               <a:ea typeface="+mn-ea"/>
               <a:cs typeface="+mn-cs"/>
             </a:endParaRPr>
@@ -622,11 +547,6 @@
         </p:txBody>
       </p:sp>
     </p:spTree>
-    <p:extLst>
-      <p:ext uri="{BB962C8B-B14F-4D97-AF65-F5344CB8AC3E}">
-        <p14:creationId xmlns:p14="http://schemas.microsoft.com/office/powerpoint/2010/main" val="953744030"/>
-      </p:ext>
-    </p:extLst>
   </p:cSld>
   <p:clrMap bg1="lt1" tx1="dk1" bg2="lt2" tx2="dk2" accent1="accent1" accent2="accent2" accent3="accent3" accent4="accent4" accent5="accent5" accent6="accent6" hlink="hlink" folHlink="folHlink"/>
   <p:hf dt="0"/>
@@ -639,15 +559,15 @@
         <a:spcPct val="0"/>
       </a:spcAft>
       <a:buSzPct val="65000"/>
-      <a:buFont typeface="Wingdings" pitchFamily="2" charset="2"/>
+      <a:buFont typeface="Wingdings" panose="05000000000000000000" pitchFamily="2" charset="2"/>
       <a:buNone/>
       <a:defRPr sz="1200" kern="1200">
         <a:solidFill>
           <a:schemeClr val="tx1"/>
         </a:solidFill>
-        <a:latin typeface="Times New Roman" pitchFamily="-110" charset="0"/>
-        <a:ea typeface="ＭＳ Ｐゴシック" pitchFamily="-110" charset="-128"/>
-        <a:cs typeface="ＭＳ Ｐゴシック" pitchFamily="-110" charset="-128"/>
+        <a:latin typeface="Times New Roman" panose="02020603050405020304" pitchFamily="-110" charset="0"/>
+        <a:ea typeface="MS PGothic" pitchFamily="-110" charset="-128"/>
+        <a:cs typeface="MS PGothic" pitchFamily="-110" charset="-128"/>
       </a:defRPr>
     </a:lvl1pPr>
     <a:lvl2pPr marL="282575" indent="0" algn="l" rtl="0" eaLnBrk="0" fontAlgn="base" hangingPunct="0">
@@ -662,12 +582,12 @@
         <a:solidFill>
           <a:schemeClr val="tx1"/>
         </a:solidFill>
-        <a:latin typeface="Times New Roman" pitchFamily="-110" charset="0"/>
-        <a:ea typeface="ＭＳ Ｐゴシック" pitchFamily="-110" charset="-128"/>
-        <a:cs typeface="ＭＳ Ｐゴシック"/>
+        <a:latin typeface="Times New Roman" panose="02020603050405020304" pitchFamily="-110" charset="0"/>
+        <a:ea typeface="MS PGothic" pitchFamily="-110" charset="-128"/>
+        <a:cs typeface="MS PGothic"/>
       </a:defRPr>
     </a:lvl2pPr>
-    <a:lvl3pPr marL="744538" indent="-173038" algn="l" rtl="0" eaLnBrk="0" fontAlgn="base" hangingPunct="0">
+    <a:lvl3pPr marL="744855" indent="-173355" algn="l" rtl="0" eaLnBrk="0" fontAlgn="base" hangingPunct="0">
       <a:spcBef>
         <a:spcPct val="30000"/>
       </a:spcBef>
@@ -679,9 +599,9 @@
         <a:solidFill>
           <a:schemeClr val="tx1"/>
         </a:solidFill>
-        <a:latin typeface="Times New Roman" pitchFamily="-110" charset="0"/>
-        <a:ea typeface="ＭＳ Ｐゴシック" pitchFamily="-110" charset="-128"/>
-        <a:cs typeface="ＭＳ Ｐゴシック"/>
+        <a:latin typeface="Times New Roman" panose="02020603050405020304" pitchFamily="-110" charset="0"/>
+        <a:ea typeface="MS PGothic" pitchFamily="-110" charset="-128"/>
+        <a:cs typeface="MS PGothic"/>
       </a:defRPr>
     </a:lvl3pPr>
     <a:lvl4pPr marL="1600200" indent="-228600" algn="l" rtl="0" eaLnBrk="0" fontAlgn="base" hangingPunct="0">
@@ -695,9 +615,9 @@
         <a:solidFill>
           <a:schemeClr val="tx1"/>
         </a:solidFill>
-        <a:latin typeface="Times New Roman" pitchFamily="-110" charset="0"/>
-        <a:ea typeface="ＭＳ Ｐゴシック" pitchFamily="-110" charset="-128"/>
-        <a:cs typeface="ＭＳ Ｐゴシック"/>
+        <a:latin typeface="Times New Roman" panose="02020603050405020304" pitchFamily="-110" charset="0"/>
+        <a:ea typeface="MS PGothic" pitchFamily="-110" charset="-128"/>
+        <a:cs typeface="MS PGothic"/>
       </a:defRPr>
     </a:lvl4pPr>
     <a:lvl5pPr marL="2057400" indent="-228600" algn="l" rtl="0" eaLnBrk="0" fontAlgn="base" hangingPunct="0">
@@ -711,9 +631,9 @@
         <a:solidFill>
           <a:schemeClr val="tx1"/>
         </a:solidFill>
-        <a:latin typeface="Times New Roman" pitchFamily="-110" charset="0"/>
-        <a:ea typeface="ＭＳ Ｐゴシック" pitchFamily="-110" charset="-128"/>
-        <a:cs typeface="ＭＳ Ｐゴシック"/>
+        <a:latin typeface="Times New Roman" panose="02020603050405020304" pitchFamily="-110" charset="0"/>
+        <a:ea typeface="MS PGothic" pitchFamily="-110" charset="-128"/>
+        <a:cs typeface="MS PGothic"/>
       </a:defRPr>
     </a:lvl5pPr>
     <a:lvl6pPr marL="2286000" algn="l" defTabSz="457200" rtl="0" eaLnBrk="1" latinLnBrk="0" hangingPunct="1">
@@ -761,7 +681,7 @@
 </file>
 
 <file path=ppt/notesSlides/notesSlide1.xml><?xml version="1.0" encoding="utf-8"?>
-<p:notes xmlns:a="http://schemas.openxmlformats.org/drawingml/2006/main" xmlns:p="http://schemas.openxmlformats.org/presentationml/2006/main" xmlns:r="http://schemas.openxmlformats.org/officeDocument/2006/relationships">
+<p:notes xmlns:a="http://schemas.openxmlformats.org/drawingml/2006/main" xmlns:r="http://schemas.openxmlformats.org/officeDocument/2006/relationships" xmlns:p="http://schemas.openxmlformats.org/presentationml/2006/main">
   <p:cSld>
     <p:spTree>
       <p:nvGrpSpPr>
@@ -796,7 +716,7 @@
             <a:spLocks noGrp="1"/>
           </p:cNvSpPr>
           <p:nvPr>
-            <p:ph type="sldNum" idx="5" sz="quarter"/>
+            <p:ph type="sldNum" sz="quarter" idx="5"/>
           </p:nvPr>
         </p:nvSpPr>
         <p:spPr/>
@@ -808,7 +728,7 @@
             <a:spLocks noGrp="1"/>
           </p:cNvSpPr>
           <p:nvPr>
-            <p:ph type="body" idx="3" sz="quarter"/>
+            <p:ph type="body" sz="quarter" idx="3"/>
           </p:nvPr>
         </p:nvSpPr>
         <p:spPr/>
@@ -831,7 +751,7 @@
 </file>
 
 <file path=ppt/notesSlides/notesSlide2.xml><?xml version="1.0" encoding="utf-8"?>
-<p:notes xmlns:a="http://schemas.openxmlformats.org/drawingml/2006/main" xmlns:p="http://schemas.openxmlformats.org/presentationml/2006/main" xmlns:r="http://schemas.openxmlformats.org/officeDocument/2006/relationships">
+<p:notes xmlns:a="http://schemas.openxmlformats.org/drawingml/2006/main" xmlns:r="http://schemas.openxmlformats.org/officeDocument/2006/relationships" xmlns:p="http://schemas.openxmlformats.org/presentationml/2006/main">
   <p:cSld>
     <p:spTree>
       <p:nvGrpSpPr>
@@ -866,7 +786,7 @@
             <a:spLocks noGrp="1"/>
           </p:cNvSpPr>
           <p:nvPr>
-            <p:ph type="sldNum" idx="5" sz="quarter"/>
+            <p:ph type="sldNum" sz="quarter" idx="5"/>
           </p:nvPr>
         </p:nvSpPr>
         <p:spPr/>
@@ -878,7 +798,7 @@
             <a:spLocks noGrp="1"/>
           </p:cNvSpPr>
           <p:nvPr>
-            <p:ph type="body" idx="3" sz="quarter"/>
+            <p:ph type="body" sz="quarter" idx="3"/>
           </p:nvPr>
         </p:nvSpPr>
         <p:spPr/>
@@ -901,7 +821,7 @@
 </file>
 
 <file path=ppt/slideLayouts/slideLayout1.xml><?xml version="1.0" encoding="utf-8"?>
-<p:sldLayout xmlns:a="http://schemas.openxmlformats.org/drawingml/2006/main" xmlns:r="http://schemas.openxmlformats.org/officeDocument/2006/relationships" xmlns:p="http://schemas.openxmlformats.org/presentationml/2006/main" showMasterSp="0" type="title" preserve="1">
+<p:sldLayout xmlns:a="http://schemas.openxmlformats.org/drawingml/2006/main" xmlns:r="http://schemas.openxmlformats.org/officeDocument/2006/relationships" xmlns:p="http://schemas.openxmlformats.org/presentationml/2006/main" type="title" preserve="1" showMasterSp="0">
   <p:cSld name="Title Slide">
     <p:bg>
       <p:bgPr>
@@ -936,7 +856,9 @@
         <p:blipFill rotWithShape="1">
           <a:blip r:embed="rId2"/>
           <a:srcRect t="19473"/>
-          <a:stretch/>
+          <a:stretch>
+            <a:fillRect/>
+          </a:stretch>
         </p:blipFill>
         <p:spPr bwMode="auto">
           <a:xfrm>
@@ -987,6 +909,7 @@
               <a:rPr lang="en-US"/>
               <a:t>Click to edit Master subtitle style</a:t>
             </a:r>
+            <a:endParaRPr lang="en-US"/>
           </a:p>
         </p:txBody>
       </p:sp>
@@ -1018,6 +941,7 @@
               <a:rPr lang="en-US"/>
               <a:t>Click to edit Master title style</a:t>
             </a:r>
+            <a:endParaRPr lang="en-US"/>
           </a:p>
         </p:txBody>
       </p:sp>
@@ -1067,6 +991,7 @@
               <a:rPr lang="en-US" dirty="0"/>
               <a:t>Click to edit Master title style</a:t>
             </a:r>
+            <a:endParaRPr lang="en-US" dirty="0"/>
           </a:p>
         </p:txBody>
       </p:sp>
@@ -1090,6 +1015,7 @@
               <a:rPr lang="en-US" dirty="0"/>
               <a:t>Click to edit Master text styles</a:t>
             </a:r>
+            <a:endParaRPr lang="en-US" dirty="0"/>
           </a:p>
           <a:p>
             <a:pPr lvl="1"/>
@@ -1097,6 +1023,7 @@
               <a:rPr lang="en-US" dirty="0"/>
               <a:t>Second level</a:t>
             </a:r>
+            <a:endParaRPr lang="en-US" dirty="0"/>
           </a:p>
           <a:p>
             <a:pPr lvl="2"/>
@@ -1104,6 +1031,7 @@
               <a:rPr lang="en-US" dirty="0"/>
               <a:t>Third level</a:t>
             </a:r>
+            <a:endParaRPr lang="en-US" dirty="0"/>
           </a:p>
           <a:p>
             <a:pPr lvl="3"/>
@@ -1111,6 +1039,7 @@
               <a:rPr lang="en-US" dirty="0"/>
               <a:t>Fourth level</a:t>
             </a:r>
+            <a:endParaRPr lang="en-US" dirty="0"/>
           </a:p>
           <a:p>
             <a:pPr lvl="4"/>
@@ -1118,6 +1047,7 @@
               <a:rPr lang="en-US" dirty="0"/>
               <a:t>Fifth level</a:t>
             </a:r>
+            <a:endParaRPr lang="en-US" dirty="0"/>
           </a:p>
         </p:txBody>
       </p:sp>
@@ -1143,6 +1073,7 @@
               <a:rPr lang="en-US" dirty="0"/>
               <a:t>Copyright © 2017 Elephant Scale. All rights reserved.</a:t>
             </a:r>
+            <a:endParaRPr lang="en-US" dirty="0"/>
           </a:p>
         </p:txBody>
       </p:sp>
@@ -1166,10 +1097,6 @@
             </a:pPr>
             <a:fld id="{77EF9825-4C23-4085-A4E3-B5565466BD91}" type="slidenum">
               <a:rPr lang="en-US" smtClean="0"/>
-              <a:pPr>
-                <a:defRPr/>
-              </a:pPr>
-              <a:t>‹#›</a:t>
             </a:fld>
             <a:endParaRPr lang="en-US" dirty="0"/>
           </a:p>
@@ -1224,6 +1151,7 @@
               <a:rPr lang="en-US"/>
               <a:t>Click to edit Master title style</a:t>
             </a:r>
+            <a:endParaRPr lang="en-US"/>
           </a:p>
         </p:txBody>
       </p:sp>
@@ -1252,6 +1180,7 @@
               <a:rPr lang="en-US"/>
               <a:t>Click to edit Master text styles</a:t>
             </a:r>
+            <a:endParaRPr lang="en-US"/>
           </a:p>
           <a:p>
             <a:pPr lvl="1"/>
@@ -1259,6 +1188,7 @@
               <a:rPr lang="en-US"/>
               <a:t>Second level</a:t>
             </a:r>
+            <a:endParaRPr lang="en-US"/>
           </a:p>
           <a:p>
             <a:pPr lvl="2"/>
@@ -1266,6 +1196,7 @@
               <a:rPr lang="en-US"/>
               <a:t>Third level</a:t>
             </a:r>
+            <a:endParaRPr lang="en-US"/>
           </a:p>
           <a:p>
             <a:pPr lvl="3"/>
@@ -1273,6 +1204,7 @@
               <a:rPr lang="en-US"/>
               <a:t>Fourth level</a:t>
             </a:r>
+            <a:endParaRPr lang="en-US"/>
           </a:p>
           <a:p>
             <a:pPr lvl="4"/>
@@ -1280,6 +1212,7 @@
               <a:rPr lang="en-US"/>
               <a:t>Fifth level</a:t>
             </a:r>
+            <a:endParaRPr lang="en-US"/>
           </a:p>
         </p:txBody>
       </p:sp>
@@ -1308,6 +1241,7 @@
               <a:rPr lang="en-US"/>
               <a:t>Click to edit Master text styles</a:t>
             </a:r>
+            <a:endParaRPr lang="en-US"/>
           </a:p>
           <a:p>
             <a:pPr lvl="1"/>
@@ -1315,6 +1249,7 @@
               <a:rPr lang="en-US"/>
               <a:t>Second level</a:t>
             </a:r>
+            <a:endParaRPr lang="en-US"/>
           </a:p>
           <a:p>
             <a:pPr lvl="2"/>
@@ -1322,6 +1257,7 @@
               <a:rPr lang="en-US"/>
               <a:t>Third level</a:t>
             </a:r>
+            <a:endParaRPr lang="en-US"/>
           </a:p>
           <a:p>
             <a:pPr lvl="3"/>
@@ -1329,6 +1265,7 @@
               <a:rPr lang="en-US"/>
               <a:t>Fourth level</a:t>
             </a:r>
+            <a:endParaRPr lang="en-US"/>
           </a:p>
           <a:p>
             <a:pPr lvl="4"/>
@@ -1336,6 +1273,7 @@
               <a:rPr lang="en-US"/>
               <a:t>Fifth level</a:t>
             </a:r>
+            <a:endParaRPr lang="en-US"/>
           </a:p>
         </p:txBody>
       </p:sp>
@@ -1364,6 +1302,7 @@
               <a:rPr lang="en-US"/>
               <a:t>Click to edit Master text styles</a:t>
             </a:r>
+            <a:endParaRPr lang="en-US"/>
           </a:p>
           <a:p>
             <a:pPr lvl="1"/>
@@ -1371,6 +1310,7 @@
               <a:rPr lang="en-US"/>
               <a:t>Second level</a:t>
             </a:r>
+            <a:endParaRPr lang="en-US"/>
           </a:p>
           <a:p>
             <a:pPr lvl="2"/>
@@ -1378,6 +1318,7 @@
               <a:rPr lang="en-US"/>
               <a:t>Third level</a:t>
             </a:r>
+            <a:endParaRPr lang="en-US"/>
           </a:p>
           <a:p>
             <a:pPr lvl="3"/>
@@ -1385,6 +1326,7 @@
               <a:rPr lang="en-US"/>
               <a:t>Fourth level</a:t>
             </a:r>
+            <a:endParaRPr lang="en-US"/>
           </a:p>
           <a:p>
             <a:pPr lvl="4"/>
@@ -1392,6 +1334,7 @@
               <a:rPr lang="en-US"/>
               <a:t>Fifth level</a:t>
             </a:r>
+            <a:endParaRPr lang="en-US"/>
           </a:p>
         </p:txBody>
       </p:sp>
@@ -1405,9 +1348,7 @@
             <p:ph type="sldNum" sz="quarter" idx="11"/>
           </p:nvPr>
         </p:nvSpPr>
-        <p:spPr>
-          <a:ln/>
-        </p:spPr>
+        <p:spPr/>
         <p:txBody>
           <a:bodyPr/>
           <a:lstStyle>
@@ -1421,10 +1362,6 @@
             </a:pPr>
             <a:fld id="{040E4B02-67B9-4228-B08B-2561CEE6B946}" type="slidenum">
               <a:rPr lang="en-US"/>
-              <a:pPr>
-                <a:defRPr/>
-              </a:pPr>
-              <a:t>‹#›</a:t>
             </a:fld>
             <a:endParaRPr lang="en-US" dirty="0"/>
           </a:p>
@@ -1440,9 +1377,7 @@
             <p:ph type="ftr" sz="quarter" idx="12"/>
           </p:nvPr>
         </p:nvSpPr>
-        <p:spPr>
-          <a:ln/>
-        </p:spPr>
+        <p:spPr/>
         <p:txBody>
           <a:bodyPr/>
           <a:lstStyle>
@@ -1458,6 +1393,7 @@
               <a:rPr lang="en-US" dirty="0"/>
               <a:t>Copyright © 2017 Elephant Scale. All rights reserved.</a:t>
             </a:r>
+            <a:endParaRPr lang="en-US" dirty="0"/>
           </a:p>
         </p:txBody>
       </p:sp>
@@ -1510,6 +1446,7 @@
               <a:rPr lang="en-US"/>
               <a:t>Click to edit Master title style</a:t>
             </a:r>
+            <a:endParaRPr lang="en-US"/>
           </a:p>
         </p:txBody>
       </p:sp>
@@ -1538,6 +1475,7 @@
               <a:rPr lang="en-US"/>
               <a:t>Click to edit Master text styles</a:t>
             </a:r>
+            <a:endParaRPr lang="en-US"/>
           </a:p>
           <a:p>
             <a:pPr lvl="1"/>
@@ -1545,6 +1483,7 @@
               <a:rPr lang="en-US"/>
               <a:t>Second level</a:t>
             </a:r>
+            <a:endParaRPr lang="en-US"/>
           </a:p>
           <a:p>
             <a:pPr lvl="2"/>
@@ -1552,6 +1491,7 @@
               <a:rPr lang="en-US"/>
               <a:t>Third level</a:t>
             </a:r>
+            <a:endParaRPr lang="en-US"/>
           </a:p>
           <a:p>
             <a:pPr lvl="3"/>
@@ -1559,6 +1499,7 @@
               <a:rPr lang="en-US"/>
               <a:t>Fourth level</a:t>
             </a:r>
+            <a:endParaRPr lang="en-US"/>
           </a:p>
           <a:p>
             <a:pPr lvl="4"/>
@@ -1566,6 +1507,7 @@
               <a:rPr lang="en-US"/>
               <a:t>Fifth level</a:t>
             </a:r>
+            <a:endParaRPr lang="en-US"/>
           </a:p>
         </p:txBody>
       </p:sp>
@@ -1594,6 +1536,7 @@
               <a:rPr lang="en-US"/>
               <a:t>Click to edit Master text styles</a:t>
             </a:r>
+            <a:endParaRPr lang="en-US"/>
           </a:p>
           <a:p>
             <a:pPr lvl="1"/>
@@ -1601,6 +1544,7 @@
               <a:rPr lang="en-US"/>
               <a:t>Second level</a:t>
             </a:r>
+            <a:endParaRPr lang="en-US"/>
           </a:p>
           <a:p>
             <a:pPr lvl="2"/>
@@ -1608,6 +1552,7 @@
               <a:rPr lang="en-US"/>
               <a:t>Third level</a:t>
             </a:r>
+            <a:endParaRPr lang="en-US"/>
           </a:p>
           <a:p>
             <a:pPr lvl="3"/>
@@ -1615,6 +1560,7 @@
               <a:rPr lang="en-US"/>
               <a:t>Fourth level</a:t>
             </a:r>
+            <a:endParaRPr lang="en-US"/>
           </a:p>
           <a:p>
             <a:pPr lvl="4"/>
@@ -1622,6 +1568,7 @@
               <a:rPr lang="en-US"/>
               <a:t>Fifth level</a:t>
             </a:r>
+            <a:endParaRPr lang="en-US"/>
           </a:p>
         </p:txBody>
       </p:sp>
@@ -1635,9 +1582,7 @@
             <p:ph type="sldNum" sz="quarter" idx="11"/>
           </p:nvPr>
         </p:nvSpPr>
-        <p:spPr>
-          <a:ln/>
-        </p:spPr>
+        <p:spPr/>
         <p:txBody>
           <a:bodyPr/>
           <a:lstStyle>
@@ -1651,10 +1596,6 @@
             </a:pPr>
             <a:fld id="{A86CC632-9864-46F1-8EAB-FCD3BB9CEC9A}" type="slidenum">
               <a:rPr lang="en-US"/>
-              <a:pPr>
-                <a:defRPr/>
-              </a:pPr>
-              <a:t>‹#›</a:t>
             </a:fld>
             <a:endParaRPr lang="en-US" dirty="0"/>
           </a:p>
@@ -1670,9 +1611,7 @@
             <p:ph type="ftr" sz="quarter" idx="12"/>
           </p:nvPr>
         </p:nvSpPr>
-        <p:spPr>
-          <a:ln/>
-        </p:spPr>
+        <p:spPr/>
         <p:txBody>
           <a:bodyPr/>
           <a:lstStyle>
@@ -1688,6 +1627,7 @@
               <a:rPr lang="en-US" dirty="0"/>
               <a:t>Copyright © 2017 Elephant Scale. All rights reserved.</a:t>
             </a:r>
+            <a:endParaRPr lang="en-US" dirty="0"/>
           </a:p>
         </p:txBody>
       </p:sp>
@@ -1746,15 +1686,10 @@
           <a:ln w="9525">
             <a:noFill/>
             <a:miter lim="800000"/>
-            <a:headEnd/>
-            <a:tailEnd/>
           </a:ln>
         </p:spPr>
         <p:txBody>
           <a:bodyPr vert="horz" wrap="square" lIns="92007" tIns="46005" rIns="92007" bIns="46005" numCol="1" anchor="t" anchorCtr="0" compatLnSpc="1">
-            <a:prstTxWarp prst="textNoShape">
-              <a:avLst/>
-            </a:prstTxWarp>
             <a:normAutofit/>
           </a:bodyPr>
           <a:lstStyle/>
@@ -1764,6 +1699,7 @@
               <a:rPr lang="en-US" dirty="0"/>
               <a:t>Click to edit Master text styles</a:t>
             </a:r>
+            <a:endParaRPr lang="en-US" dirty="0"/>
           </a:p>
           <a:p>
             <a:pPr lvl="1"/>
@@ -1771,6 +1707,7 @@
               <a:rPr lang="en-US" dirty="0"/>
               <a:t>Second level</a:t>
             </a:r>
+            <a:endParaRPr lang="en-US" dirty="0"/>
           </a:p>
           <a:p>
             <a:pPr lvl="2"/>
@@ -1778,6 +1715,7 @@
               <a:rPr lang="en-US" dirty="0"/>
               <a:t>Third level</a:t>
             </a:r>
+            <a:endParaRPr lang="en-US" dirty="0"/>
           </a:p>
           <a:p>
             <a:pPr lvl="3"/>
@@ -1785,6 +1723,7 @@
               <a:rPr lang="en-US" dirty="0"/>
               <a:t>Fourth level</a:t>
             </a:r>
+            <a:endParaRPr lang="en-US" dirty="0"/>
           </a:p>
           <a:p>
             <a:pPr lvl="4"/>
@@ -1792,6 +1731,7 @@
               <a:rPr lang="en-US" dirty="0"/>
               <a:t>Fifth level</a:t>
             </a:r>
+            <a:endParaRPr lang="en-US" dirty="0"/>
           </a:p>
         </p:txBody>
       </p:sp>
@@ -1817,26 +1757,20 @@
           <a:ln w="9525">
             <a:noFill/>
             <a:miter lim="800000"/>
-            <a:headEnd/>
-            <a:tailEnd/>
           </a:ln>
           <a:effectLst/>
         </p:spPr>
         <p:txBody>
-          <a:bodyPr vert="horz" wrap="square" lIns="0" tIns="0" rIns="0" bIns="0" numCol="1" anchor="b" anchorCtr="0" compatLnSpc="1">
-            <a:prstTxWarp prst="textNoShape">
-              <a:avLst/>
-            </a:prstTxWarp>
-          </a:bodyPr>
+          <a:bodyPr vert="horz" wrap="square" lIns="0" tIns="0" rIns="0" bIns="0" numCol="1" anchor="b" anchorCtr="0" compatLnSpc="1"/>
           <a:lstStyle>
             <a:lvl1pPr algn="r" eaLnBrk="0" hangingPunct="0">
               <a:defRPr b="1">
                 <a:solidFill>
                   <a:srgbClr val="000000"/>
                 </a:solidFill>
-                <a:latin typeface="Arial" charset="0"/>
-                <a:ea typeface="ＭＳ Ｐゴシック" charset="0"/>
-                <a:cs typeface="ＭＳ Ｐゴシック" charset="0"/>
+                <a:latin typeface="Arial" panose="020B0604020202020204" pitchFamily="34" charset="0"/>
+                <a:ea typeface="MS PGothic" charset="0"/>
+                <a:cs typeface="MS PGothic" charset="0"/>
               </a:defRPr>
             </a:lvl1pPr>
           </a:lstStyle>
@@ -1846,10 +1780,6 @@
             </a:pPr>
             <a:fld id="{77EF9825-4C23-4085-A4E3-B5565466BD91}" type="slidenum">
               <a:rPr lang="en-US"/>
-              <a:pPr>
-                <a:defRPr/>
-              </a:pPr>
-              <a:t>‹#›</a:t>
             </a:fld>
             <a:endParaRPr lang="en-US" dirty="0"/>
           </a:p>
@@ -1877,16 +1807,11 @@
           <a:ln w="9525">
             <a:noFill/>
             <a:miter lim="800000"/>
-            <a:headEnd/>
-            <a:tailEnd/>
           </a:ln>
           <a:effectLst/>
         </p:spPr>
         <p:txBody>
           <a:bodyPr vert="horz" wrap="square" lIns="0" tIns="0" rIns="0" bIns="0" numCol="1" anchor="t" anchorCtr="0" compatLnSpc="1">
-            <a:prstTxWarp prst="textNoShape">
-              <a:avLst/>
-            </a:prstTxWarp>
             <a:spAutoFit/>
           </a:bodyPr>
           <a:lstStyle>
@@ -1912,6 +1837,7 @@
               <a:rPr lang="en-US" dirty="0"/>
               <a:t>Copyright © 2017 Elephant Scale. All rights reserved.</a:t>
             </a:r>
+            <a:endParaRPr lang="en-US" dirty="0"/>
           </a:p>
         </p:txBody>
       </p:sp>
@@ -1924,7 +1850,7 @@
           <p:nvPr/>
         </p:nvPicPr>
         <p:blipFill>
-          <a:blip r:embed="rId6"/>
+          <a:blip r:embed="rId5"/>
           <a:srcRect/>
           <a:stretch>
             <a:fillRect/>
@@ -1971,16 +1897,10 @@
           <a:ln w="9525">
             <a:noFill/>
             <a:miter lim="800000"/>
-            <a:headEnd/>
-            <a:tailEnd/>
           </a:ln>
         </p:spPr>
         <p:txBody>
-          <a:bodyPr vert="horz" wrap="square" lIns="92007" tIns="46005" rIns="92007" bIns="46005" numCol="1" anchor="b" anchorCtr="0" compatLnSpc="1">
-            <a:prstTxWarp prst="textNoShape">
-              <a:avLst/>
-            </a:prstTxWarp>
-          </a:bodyPr>
+          <a:bodyPr vert="horz" wrap="square" lIns="92007" tIns="46005" rIns="92007" bIns="46005" numCol="1" anchor="b" anchorCtr="0" compatLnSpc="1"/>
           <a:lstStyle/>
           <a:p>
             <a:pPr lvl="0"/>
@@ -1988,6 +1908,7 @@
               <a:rPr lang="en-US" dirty="0"/>
               <a:t>Click to edit Master title style</a:t>
             </a:r>
+            <a:endParaRPr lang="en-US" dirty="0"/>
           </a:p>
         </p:txBody>
       </p:sp>
@@ -1995,10 +1916,10 @@
   </p:cSld>
   <p:clrMap bg1="dk2" tx1="lt1" bg2="dk1" tx2="lt2" accent1="accent1" accent2="accent2" accent3="accent3" accent4="accent4" accent5="accent5" accent6="accent6" hlink="hlink" folHlink="folHlink"/>
   <p:sldLayoutIdLst>
-    <p:sldLayoutId id="2147483656" r:id="rId1"/>
-    <p:sldLayoutId id="2147483655" r:id="rId2"/>
-    <p:sldLayoutId id="2147483654" r:id="rId3"/>
-    <p:sldLayoutId id="2147483653" r:id="rId4"/>
+    <p:sldLayoutId id="2147483649" r:id="rId1"/>
+    <p:sldLayoutId id="2147483650" r:id="rId2"/>
+    <p:sldLayoutId id="2147483651" r:id="rId3"/>
+    <p:sldLayoutId id="2147483652" r:id="rId4"/>
   </p:sldLayoutIdLst>
   <p:hf hdr="0" dt="0"/>
   <p:txStyles>
@@ -2015,8 +1936,8 @@
             <a:schemeClr val="tx1"/>
           </a:solidFill>
           <a:latin typeface="+mj-lt"/>
-          <a:ea typeface="ＭＳ Ｐゴシック" pitchFamily="-110" charset="-128"/>
-          <a:cs typeface="ＭＳ Ｐゴシック" pitchFamily="-110" charset="-128"/>
+          <a:ea typeface="MS PGothic" pitchFamily="-110" charset="-128"/>
+          <a:cs typeface="MS PGothic" pitchFamily="-110" charset="-128"/>
         </a:defRPr>
       </a:lvl1pPr>
       <a:lvl2pPr algn="l" rtl="0" eaLnBrk="0" fontAlgn="base" hangingPunct="0">
@@ -2030,9 +1951,9 @@
           <a:solidFill>
             <a:schemeClr val="tx1"/>
           </a:solidFill>
-          <a:latin typeface="Verdana" pitchFamily="-110" charset="0"/>
-          <a:ea typeface="ＭＳ Ｐゴシック" pitchFamily="-110" charset="-128"/>
-          <a:cs typeface="ＭＳ Ｐゴシック" pitchFamily="-110" charset="-128"/>
+          <a:latin typeface="Verdana" panose="020B0604030504040204" pitchFamily="-110" charset="0"/>
+          <a:ea typeface="MS PGothic" pitchFamily="-110" charset="-128"/>
+          <a:cs typeface="MS PGothic" pitchFamily="-110" charset="-128"/>
         </a:defRPr>
       </a:lvl2pPr>
       <a:lvl3pPr algn="l" rtl="0" eaLnBrk="0" fontAlgn="base" hangingPunct="0">
@@ -2046,9 +1967,9 @@
           <a:solidFill>
             <a:schemeClr val="tx1"/>
           </a:solidFill>
-          <a:latin typeface="Verdana" pitchFamily="-110" charset="0"/>
-          <a:ea typeface="ＭＳ Ｐゴシック" pitchFamily="-110" charset="-128"/>
-          <a:cs typeface="ＭＳ Ｐゴシック" pitchFamily="-110" charset="-128"/>
+          <a:latin typeface="Verdana" panose="020B0604030504040204" pitchFamily="-110" charset="0"/>
+          <a:ea typeface="MS PGothic" pitchFamily="-110" charset="-128"/>
+          <a:cs typeface="MS PGothic" pitchFamily="-110" charset="-128"/>
         </a:defRPr>
       </a:lvl3pPr>
       <a:lvl4pPr algn="l" rtl="0" eaLnBrk="0" fontAlgn="base" hangingPunct="0">
@@ -2062,9 +1983,9 @@
           <a:solidFill>
             <a:schemeClr val="tx1"/>
           </a:solidFill>
-          <a:latin typeface="Verdana" pitchFamily="-110" charset="0"/>
-          <a:ea typeface="ＭＳ Ｐゴシック" pitchFamily="-110" charset="-128"/>
-          <a:cs typeface="ＭＳ Ｐゴシック" pitchFamily="-110" charset="-128"/>
+          <a:latin typeface="Verdana" panose="020B0604030504040204" pitchFamily="-110" charset="0"/>
+          <a:ea typeface="MS PGothic" pitchFamily="-110" charset="-128"/>
+          <a:cs typeface="MS PGothic" pitchFamily="-110" charset="-128"/>
         </a:defRPr>
       </a:lvl4pPr>
       <a:lvl5pPr algn="l" rtl="0" eaLnBrk="0" fontAlgn="base" hangingPunct="0">
@@ -2078,9 +1999,9 @@
           <a:solidFill>
             <a:schemeClr val="tx1"/>
           </a:solidFill>
-          <a:latin typeface="Verdana" pitchFamily="-110" charset="0"/>
-          <a:ea typeface="ＭＳ Ｐゴシック" pitchFamily="-110" charset="-128"/>
-          <a:cs typeface="ＭＳ Ｐゴシック" pitchFamily="-110" charset="-128"/>
+          <a:latin typeface="Verdana" panose="020B0604030504040204" pitchFamily="-110" charset="0"/>
+          <a:ea typeface="MS PGothic" pitchFamily="-110" charset="-128"/>
+          <a:cs typeface="MS PGothic" pitchFamily="-110" charset="-128"/>
         </a:defRPr>
       </a:lvl5pPr>
       <a:lvl6pPr marL="457200" algn="l" rtl="0" eaLnBrk="0" fontAlgn="base" hangingPunct="0">
@@ -2094,7 +2015,7 @@
           <a:solidFill>
             <a:schemeClr val="tx1"/>
           </a:solidFill>
-          <a:latin typeface="Verdana" pitchFamily="-110" charset="0"/>
+          <a:latin typeface="Verdana" panose="020B0604030504040204" pitchFamily="-110" charset="0"/>
         </a:defRPr>
       </a:lvl6pPr>
       <a:lvl7pPr marL="914400" algn="l" rtl="0" eaLnBrk="0" fontAlgn="base" hangingPunct="0">
@@ -2108,7 +2029,7 @@
           <a:solidFill>
             <a:schemeClr val="tx1"/>
           </a:solidFill>
-          <a:latin typeface="Verdana" pitchFamily="-110" charset="0"/>
+          <a:latin typeface="Verdana" panose="020B0604030504040204" pitchFamily="-110" charset="0"/>
         </a:defRPr>
       </a:lvl7pPr>
       <a:lvl8pPr marL="1371600" algn="l" rtl="0" eaLnBrk="0" fontAlgn="base" hangingPunct="0">
@@ -2122,7 +2043,7 @@
           <a:solidFill>
             <a:schemeClr val="tx1"/>
           </a:solidFill>
-          <a:latin typeface="Verdana" pitchFamily="-110" charset="0"/>
+          <a:latin typeface="Verdana" panose="020B0604030504040204" pitchFamily="-110" charset="0"/>
         </a:defRPr>
       </a:lvl8pPr>
       <a:lvl9pPr marL="1828800" algn="l" rtl="0" eaLnBrk="0" fontAlgn="base" hangingPunct="0">
@@ -2136,12 +2057,12 @@
           <a:solidFill>
             <a:schemeClr val="tx1"/>
           </a:solidFill>
-          <a:latin typeface="Verdana" pitchFamily="-110" charset="0"/>
+          <a:latin typeface="Verdana" panose="020B0604030504040204" pitchFamily="-110" charset="0"/>
         </a:defRPr>
       </a:lvl9pPr>
     </p:titleStyle>
     <p:bodyStyle>
-      <a:lvl1pPr marL="290513" indent="-290513" algn="l" rtl="0" eaLnBrk="0" fontAlgn="base" hangingPunct="0">
+      <a:lvl1pPr marL="290830" indent="-290830" algn="l" rtl="0" eaLnBrk="0" fontAlgn="base" hangingPunct="0">
         <a:spcBef>
           <a:spcPct val="20000"/>
         </a:spcBef>
@@ -2152,18 +2073,18 @@
           <a:schemeClr val="tx2"/>
         </a:buClr>
         <a:buSzPct val="65000"/>
-        <a:buFont typeface="Wingdings" pitchFamily="2" charset="2"/>
+        <a:buFont typeface="Wingdings" panose="05000000000000000000" pitchFamily="2" charset="2"/>
         <a:buChar char=""/>
         <a:defRPr sz="2400">
           <a:solidFill>
             <a:srgbClr val="000000"/>
           </a:solidFill>
           <a:latin typeface="+mn-lt"/>
-          <a:ea typeface="ＭＳ Ｐゴシック" pitchFamily="-110" charset="-128"/>
-          <a:cs typeface="ＭＳ Ｐゴシック" pitchFamily="-110" charset="-128"/>
+          <a:ea typeface="MS PGothic" pitchFamily="-110" charset="-128"/>
+          <a:cs typeface="MS PGothic" pitchFamily="-110" charset="-128"/>
         </a:defRPr>
       </a:lvl1pPr>
-      <a:lvl2pPr marL="633413" indent="-228600" algn="l" rtl="0" eaLnBrk="0" fontAlgn="base" hangingPunct="0">
+      <a:lvl2pPr marL="633730" indent="-228600" algn="l" rtl="0" eaLnBrk="0" fontAlgn="base" hangingPunct="0">
         <a:spcBef>
           <a:spcPct val="20000"/>
         </a:spcBef>
@@ -2179,11 +2100,11 @@
             <a:srgbClr val="000000"/>
           </a:solidFill>
           <a:latin typeface="+mn-lt"/>
-          <a:ea typeface="ＭＳ Ｐゴシック" pitchFamily="-110" charset="-128"/>
-          <a:cs typeface="ＭＳ Ｐゴシック"/>
+          <a:ea typeface="MS PGothic" pitchFamily="-110" charset="-128"/>
+          <a:cs typeface="MS PGothic"/>
         </a:defRPr>
       </a:lvl2pPr>
-      <a:lvl3pPr marL="969963" indent="-222250" algn="l" rtl="0" eaLnBrk="0" fontAlgn="base" hangingPunct="0">
+      <a:lvl3pPr marL="970280" indent="-222250" algn="l" rtl="0" eaLnBrk="0" fontAlgn="base" hangingPunct="0">
         <a:spcBef>
           <a:spcPct val="20000"/>
         </a:spcBef>
@@ -2196,11 +2117,11 @@
             <a:srgbClr val="000000"/>
           </a:solidFill>
           <a:latin typeface="+mn-lt"/>
-          <a:ea typeface="ＭＳ Ｐゴシック" pitchFamily="-110" charset="-128"/>
-          <a:cs typeface="ＭＳ Ｐゴシック"/>
+          <a:ea typeface="MS PGothic" pitchFamily="-110" charset="-128"/>
+          <a:cs typeface="MS PGothic"/>
         </a:defRPr>
       </a:lvl3pPr>
-      <a:lvl4pPr marL="1258888" indent="-228600" algn="l" rtl="0" eaLnBrk="0" fontAlgn="base" hangingPunct="0">
+      <a:lvl4pPr marL="1259205" indent="-228600" algn="l" rtl="0" eaLnBrk="0" fontAlgn="base" hangingPunct="0">
         <a:spcBef>
           <a:spcPct val="0"/>
         </a:spcBef>
@@ -2218,11 +2139,11 @@
             <a:srgbClr val="000000"/>
           </a:solidFill>
           <a:latin typeface="+mn-lt"/>
-          <a:ea typeface="ＭＳ Ｐゴシック" pitchFamily="-110" charset="-128"/>
-          <a:cs typeface="ＭＳ Ｐゴシック"/>
+          <a:ea typeface="MS PGothic" pitchFamily="-110" charset="-128"/>
+          <a:cs typeface="MS PGothic"/>
         </a:defRPr>
       </a:lvl4pPr>
-      <a:lvl5pPr marL="2055813" indent="-230188" algn="l" rtl="0" eaLnBrk="0" fontAlgn="base" hangingPunct="0">
+      <a:lvl5pPr marL="2056130" indent="-230505" algn="l" rtl="0" eaLnBrk="0" fontAlgn="base" hangingPunct="0">
         <a:spcBef>
           <a:spcPct val="20000"/>
         </a:spcBef>
@@ -2236,12 +2157,12 @@
           <a:solidFill>
             <a:schemeClr val="tx1"/>
           </a:solidFill>
-          <a:latin typeface="Times New Roman" pitchFamily="-110" charset="0"/>
-          <a:ea typeface="ＭＳ Ｐゴシック" pitchFamily="-110" charset="-128"/>
-          <a:cs typeface="ＭＳ Ｐゴシック"/>
+          <a:latin typeface="Times New Roman" panose="02020603050405020304" pitchFamily="-110" charset="0"/>
+          <a:ea typeface="MS PGothic" pitchFamily="-110" charset="-128"/>
+          <a:cs typeface="MS PGothic"/>
         </a:defRPr>
       </a:lvl5pPr>
-      <a:lvl6pPr marL="2513013" indent="-230188" algn="l" rtl="0" eaLnBrk="0" fontAlgn="base" hangingPunct="0">
+      <a:lvl6pPr marL="2513330" indent="-230505" algn="l" rtl="0" eaLnBrk="0" fontAlgn="base" hangingPunct="0">
         <a:spcBef>
           <a:spcPct val="20000"/>
         </a:spcBef>
@@ -2255,11 +2176,11 @@
           <a:solidFill>
             <a:schemeClr val="tx1"/>
           </a:solidFill>
-          <a:latin typeface="Times New Roman" pitchFamily="-110" charset="0"/>
-          <a:ea typeface="ＭＳ Ｐゴシック" pitchFamily="-110" charset="-128"/>
+          <a:latin typeface="Times New Roman" panose="02020603050405020304" pitchFamily="-110" charset="0"/>
+          <a:ea typeface="MS PGothic" pitchFamily="-110" charset="-128"/>
         </a:defRPr>
       </a:lvl6pPr>
-      <a:lvl7pPr marL="2970213" indent="-230188" algn="l" rtl="0" eaLnBrk="0" fontAlgn="base" hangingPunct="0">
+      <a:lvl7pPr marL="2970530" indent="-230505" algn="l" rtl="0" eaLnBrk="0" fontAlgn="base" hangingPunct="0">
         <a:spcBef>
           <a:spcPct val="20000"/>
         </a:spcBef>
@@ -2273,11 +2194,11 @@
           <a:solidFill>
             <a:schemeClr val="tx1"/>
           </a:solidFill>
-          <a:latin typeface="Times New Roman" pitchFamily="-110" charset="0"/>
-          <a:ea typeface="ＭＳ Ｐゴシック" pitchFamily="-110" charset="-128"/>
+          <a:latin typeface="Times New Roman" panose="02020603050405020304" pitchFamily="-110" charset="0"/>
+          <a:ea typeface="MS PGothic" pitchFamily="-110" charset="-128"/>
         </a:defRPr>
       </a:lvl7pPr>
-      <a:lvl8pPr marL="3427413" indent="-230188" algn="l" rtl="0" eaLnBrk="0" fontAlgn="base" hangingPunct="0">
+      <a:lvl8pPr marL="3427730" indent="-230505" algn="l" rtl="0" eaLnBrk="0" fontAlgn="base" hangingPunct="0">
         <a:spcBef>
           <a:spcPct val="20000"/>
         </a:spcBef>
@@ -2291,11 +2212,11 @@
           <a:solidFill>
             <a:schemeClr val="tx1"/>
           </a:solidFill>
-          <a:latin typeface="Times New Roman" pitchFamily="-110" charset="0"/>
-          <a:ea typeface="ＭＳ Ｐゴシック" pitchFamily="-110" charset="-128"/>
+          <a:latin typeface="Times New Roman" panose="02020603050405020304" pitchFamily="-110" charset="0"/>
+          <a:ea typeface="MS PGothic" pitchFamily="-110" charset="-128"/>
         </a:defRPr>
       </a:lvl8pPr>
-      <a:lvl9pPr marL="3884613" indent="-230188" algn="l" rtl="0" eaLnBrk="0" fontAlgn="base" hangingPunct="0">
+      <a:lvl9pPr marL="3884930" indent="-230505" algn="l" rtl="0" eaLnBrk="0" fontAlgn="base" hangingPunct="0">
         <a:spcBef>
           <a:spcPct val="20000"/>
         </a:spcBef>
@@ -2309,8 +2230,8 @@
           <a:solidFill>
             <a:schemeClr val="tx1"/>
           </a:solidFill>
-          <a:latin typeface="Times New Roman" pitchFamily="-110" charset="0"/>
-          <a:ea typeface="ＭＳ Ｐゴシック" pitchFamily="-110" charset="-128"/>
+          <a:latin typeface="Times New Roman" panose="02020603050405020304" pitchFamily="-110" charset="0"/>
+          <a:ea typeface="MS PGothic" pitchFamily="-110" charset="-128"/>
         </a:defRPr>
       </a:lvl9pPr>
     </p:bodyStyle>
@@ -2414,7 +2335,7 @@
 </file>
 
 <file path=ppt/slides/slide1.xml><?xml version="1.0" encoding="utf-8"?>
-<p:sld xmlns:a="http://schemas.openxmlformats.org/drawingml/2006/main" xmlns:p="http://schemas.openxmlformats.org/presentationml/2006/main" xmlns:r="http://schemas.openxmlformats.org/officeDocument/2006/relationships">
+<p:sld xmlns:a="http://schemas.openxmlformats.org/drawingml/2006/main" xmlns:r="http://schemas.openxmlformats.org/officeDocument/2006/relationships" xmlns:p="http://schemas.openxmlformats.org/presentationml/2006/main">
   <p:cSld>
     <p:spTree>
       <p:nvGrpSpPr>
@@ -2430,7 +2351,7 @@
             <a:spLocks noGrp="1"/>
           </p:cNvSpPr>
           <p:nvPr>
-            <p:ph type="subTitle" idx="1" sz="quarter"/>
+            <p:ph type="subTitle" sz="quarter" idx="1"/>
           </p:nvPr>
         </p:nvSpPr>
         <p:spPr/>
@@ -2491,6 +2412,11 @@
               </a:rPr>
               <a:t>Copyright © 2021 by Elephant Scale, All Rights Reserved</a:t>
             </a:r>
+            <a:endParaRPr sz="800">
+              <a:solidFill>
+                <a:srgbClr val="000000"/>
+              </a:solidFill>
+            </a:endParaRPr>
           </a:p>
         </p:txBody>
       </p:sp>
@@ -2503,7 +2429,7 @@
 </file>
 
 <file path=ppt/slides/slide10.xml><?xml version="1.0" encoding="utf-8"?>
-<p:sld xmlns:a="http://schemas.openxmlformats.org/drawingml/2006/main" xmlns:p="http://schemas.openxmlformats.org/presentationml/2006/main" xmlns:r="http://schemas.openxmlformats.org/officeDocument/2006/relationships">
+<p:sld xmlns:a="http://schemas.openxmlformats.org/drawingml/2006/main" xmlns:r="http://schemas.openxmlformats.org/officeDocument/2006/relationships" xmlns:p="http://schemas.openxmlformats.org/presentationml/2006/main">
   <p:cSld>
     <p:spTree>
       <p:nvGrpSpPr>
@@ -2573,7 +2499,7 @@
             </a:r>
             <a:r>
               <a:rPr>
-                <a:latin typeface="Courier New"/>
+                <a:latin typeface="Courier New" panose="02070309020205020404"/>
               </a:rPr>
               <a:t> mark@elephantscale.com</a:t>
             </a:r>
@@ -2613,6 +2539,11 @@
               </a:rPr>
               <a:t>Copyright © 2021 by Elephant Scale, All Rights Reserved</a:t>
             </a:r>
+            <a:endParaRPr sz="800">
+              <a:solidFill>
+                <a:srgbClr val="000000"/>
+              </a:solidFill>
+            </a:endParaRPr>
           </a:p>
         </p:txBody>
       </p:sp>
@@ -2625,7 +2556,7 @@
 </file>
 
 <file path=ppt/slides/slide11.xml><?xml version="1.0" encoding="utf-8"?>
-<p:sld xmlns:a="http://schemas.openxmlformats.org/drawingml/2006/main" xmlns:p="http://schemas.openxmlformats.org/presentationml/2006/main" xmlns:r="http://schemas.openxmlformats.org/officeDocument/2006/relationships">
+<p:sld xmlns:a="http://schemas.openxmlformats.org/drawingml/2006/main" xmlns:r="http://schemas.openxmlformats.org/officeDocument/2006/relationships" xmlns:p="http://schemas.openxmlformats.org/presentationml/2006/main">
   <p:cSld>
     <p:spTree>
       <p:nvGrpSpPr>
@@ -2746,6 +2677,11 @@
               </a:rPr>
               <a:t>Copyright © 2021 by Elephant Scale, All Rights Reserved</a:t>
             </a:r>
+            <a:endParaRPr sz="800">
+              <a:solidFill>
+                <a:srgbClr val="000000"/>
+              </a:solidFill>
+            </a:endParaRPr>
           </a:p>
         </p:txBody>
       </p:sp>
@@ -2758,7 +2694,7 @@
           <p:nvPr/>
         </p:nvPicPr>
         <p:blipFill>
-          <a:blip r:embed="rId2"/>
+          <a:blip r:embed="rId1"/>
           <a:stretch>
             <a:fillRect/>
           </a:stretch>
@@ -2782,7 +2718,7 @@
           <p:nvPr/>
         </p:nvPicPr>
         <p:blipFill>
-          <a:blip r:embed="rId3"/>
+          <a:blip r:embed="rId2"/>
           <a:stretch>
             <a:fillRect/>
           </a:stretch>
@@ -2806,7 +2742,7 @@
 </file>
 
 <file path=ppt/slides/slide2.xml><?xml version="1.0" encoding="utf-8"?>
-<p:sld xmlns:a="http://schemas.openxmlformats.org/drawingml/2006/main" xmlns:p="http://schemas.openxmlformats.org/presentationml/2006/main" xmlns:r="http://schemas.openxmlformats.org/officeDocument/2006/relationships">
+<p:sld xmlns:a="http://schemas.openxmlformats.org/drawingml/2006/main" xmlns:r="http://schemas.openxmlformats.org/officeDocument/2006/relationships" xmlns:p="http://schemas.openxmlformats.org/presentationml/2006/main">
   <p:cSld>
     <p:spTree>
       <p:nvGrpSpPr>
@@ -2886,6 +2822,11 @@
               </a:rPr>
               <a:t>Copyright © 2021 by Elephant Scale, All Rights Reserved</a:t>
             </a:r>
+            <a:endParaRPr sz="800">
+              <a:solidFill>
+                <a:srgbClr val="000000"/>
+              </a:solidFill>
+            </a:endParaRPr>
           </a:p>
         </p:txBody>
       </p:sp>
@@ -2899,7 +2840,7 @@
         </p:nvGraphicFramePr>
         <p:xfrm>
           <a:off x="237744" y="914400"/>
-          <a:ext cx="8915400" cy="1371600"/>
+          <a:ext cx="8915400" cy="2011680"/>
         </p:xfrm>
         <a:graphic>
           <a:graphicData uri="http://schemas.openxmlformats.org/drawingml/2006/table">
@@ -2908,9 +2849,9 @@
                 <a:tableStyleId>{5C22544A-7EE6-4342-B048-85BDC9FD1C3A}</a:tableStyleId>
               </a:tblPr>
               <a:tblGrid>
-                <a:gridCol w="2971800"/>
-                <a:gridCol w="2971800"/>
-                <a:gridCol w="2971800"/>
+                <a:gridCol w="1287780"/>
+                <a:gridCol w="2493010"/>
+                <a:gridCol w="5134610"/>
               </a:tblGrid>
               <a:tr h="457200">
                 <a:tc>
@@ -3039,7 +2980,7 @@
 </file>
 
 <file path=ppt/slides/slide3.xml><?xml version="1.0" encoding="utf-8"?>
-<p:sld xmlns:a="http://schemas.openxmlformats.org/drawingml/2006/main" xmlns:p="http://schemas.openxmlformats.org/presentationml/2006/main" xmlns:r="http://schemas.openxmlformats.org/officeDocument/2006/relationships">
+<p:sld xmlns:a="http://schemas.openxmlformats.org/drawingml/2006/main" xmlns:r="http://schemas.openxmlformats.org/officeDocument/2006/relationships" xmlns:p="http://schemas.openxmlformats.org/presentationml/2006/main">
   <p:cSld>
     <p:spTree>
       <p:nvGrpSpPr>
@@ -3165,6 +3106,11 @@
               </a:rPr>
               <a:t>Copyright © 2021 by Elephant Scale, All Rights Reserved</a:t>
             </a:r>
+            <a:endParaRPr sz="800">
+              <a:solidFill>
+                <a:srgbClr val="000000"/>
+              </a:solidFill>
+            </a:endParaRPr>
           </a:p>
         </p:txBody>
       </p:sp>
@@ -3177,7 +3123,7 @@
 </file>
 
 <file path=ppt/slides/slide4.xml><?xml version="1.0" encoding="utf-8"?>
-<p:sld xmlns:a="http://schemas.openxmlformats.org/drawingml/2006/main" xmlns:p="http://schemas.openxmlformats.org/presentationml/2006/main" xmlns:r="http://schemas.openxmlformats.org/officeDocument/2006/relationships">
+<p:sld xmlns:a="http://schemas.openxmlformats.org/drawingml/2006/main" xmlns:r="http://schemas.openxmlformats.org/officeDocument/2006/relationships" xmlns:p="http://schemas.openxmlformats.org/presentationml/2006/main">
   <p:cSld>
     <p:spTree>
       <p:nvGrpSpPr>
@@ -3273,6 +3219,11 @@
               </a:rPr>
               <a:t>Copyright © 2021 by Elephant Scale, All Rights Reserved</a:t>
             </a:r>
+            <a:endParaRPr sz="800">
+              <a:solidFill>
+                <a:srgbClr val="000000"/>
+              </a:solidFill>
+            </a:endParaRPr>
           </a:p>
         </p:txBody>
       </p:sp>
@@ -3285,7 +3236,7 @@
 </file>
 
 <file path=ppt/slides/slide5.xml><?xml version="1.0" encoding="utf-8"?>
-<p:sld xmlns:a="http://schemas.openxmlformats.org/drawingml/2006/main" xmlns:p="http://schemas.openxmlformats.org/presentationml/2006/main" xmlns:r="http://schemas.openxmlformats.org/officeDocument/2006/relationships">
+<p:sld xmlns:a="http://schemas.openxmlformats.org/drawingml/2006/main" xmlns:r="http://schemas.openxmlformats.org/officeDocument/2006/relationships" xmlns:p="http://schemas.openxmlformats.org/presentationml/2006/main">
   <p:cSld>
     <p:spTree>
       <p:nvGrpSpPr>
@@ -3379,6 +3330,11 @@
               </a:rPr>
               <a:t>Copyright © 2021 by Elephant Scale, All Rights Reserved</a:t>
             </a:r>
+            <a:endParaRPr sz="800">
+              <a:solidFill>
+                <a:srgbClr val="000000"/>
+              </a:solidFill>
+            </a:endParaRPr>
           </a:p>
         </p:txBody>
       </p:sp>
@@ -3391,7 +3347,7 @@
           <p:nvPr/>
         </p:nvPicPr>
         <p:blipFill>
-          <a:blip r:embed="rId2"/>
+          <a:blip r:embed="rId1"/>
           <a:stretch>
             <a:fillRect/>
           </a:stretch>
@@ -3415,7 +3371,7 @@
 </file>
 
 <file path=ppt/slides/slide6.xml><?xml version="1.0" encoding="utf-8"?>
-<p:sld xmlns:a="http://schemas.openxmlformats.org/drawingml/2006/main" xmlns:p="http://schemas.openxmlformats.org/presentationml/2006/main" xmlns:r="http://schemas.openxmlformats.org/officeDocument/2006/relationships">
+<p:sld xmlns:a="http://schemas.openxmlformats.org/drawingml/2006/main" xmlns:r="http://schemas.openxmlformats.org/officeDocument/2006/relationships" xmlns:p="http://schemas.openxmlformats.org/presentationml/2006/main">
   <p:cSld>
     <p:spTree>
       <p:nvGrpSpPr>
@@ -3505,6 +3461,11 @@
               </a:rPr>
               <a:t>Copyright © 2021 by Elephant Scale, All Rights Reserved</a:t>
             </a:r>
+            <a:endParaRPr sz="800">
+              <a:solidFill>
+                <a:srgbClr val="000000"/>
+              </a:solidFill>
+            </a:endParaRPr>
           </a:p>
         </p:txBody>
       </p:sp>
@@ -3517,7 +3478,7 @@
           <p:nvPr/>
         </p:nvPicPr>
         <p:blipFill>
-          <a:blip r:embed="rId2"/>
+          <a:blip r:embed="rId1"/>
           <a:stretch>
             <a:fillRect/>
           </a:stretch>
@@ -3541,7 +3502,7 @@
 </file>
 
 <file path=ppt/slides/slide7.xml><?xml version="1.0" encoding="utf-8"?>
-<p:sld xmlns:a="http://schemas.openxmlformats.org/drawingml/2006/main" xmlns:p="http://schemas.openxmlformats.org/presentationml/2006/main" xmlns:r="http://schemas.openxmlformats.org/officeDocument/2006/relationships">
+<p:sld xmlns:a="http://schemas.openxmlformats.org/drawingml/2006/main" xmlns:r="http://schemas.openxmlformats.org/officeDocument/2006/relationships" xmlns:p="http://schemas.openxmlformats.org/presentationml/2006/main">
   <p:cSld>
     <p:spTree>
       <p:nvGrpSpPr>
@@ -3631,6 +3592,11 @@
               </a:rPr>
               <a:t>Copyright © 2021 by Elephant Scale, All Rights Reserved</a:t>
             </a:r>
+            <a:endParaRPr sz="800">
+              <a:solidFill>
+                <a:srgbClr val="000000"/>
+              </a:solidFill>
+            </a:endParaRPr>
           </a:p>
         </p:txBody>
       </p:sp>
@@ -3643,7 +3609,7 @@
           <p:nvPr/>
         </p:nvPicPr>
         <p:blipFill>
-          <a:blip r:embed="rId2"/>
+          <a:blip r:embed="rId1"/>
           <a:stretch>
             <a:fillRect/>
           </a:stretch>
@@ -3667,7 +3633,7 @@
 </file>
 
 <file path=ppt/slides/slide8.xml><?xml version="1.0" encoding="utf-8"?>
-<p:sld xmlns:a="http://schemas.openxmlformats.org/drawingml/2006/main" xmlns:p="http://schemas.openxmlformats.org/presentationml/2006/main" xmlns:r="http://schemas.openxmlformats.org/officeDocument/2006/relationships">
+<p:sld xmlns:a="http://schemas.openxmlformats.org/drawingml/2006/main" xmlns:r="http://schemas.openxmlformats.org/officeDocument/2006/relationships" xmlns:p="http://schemas.openxmlformats.org/presentationml/2006/main">
   <p:cSld>
     <p:spTree>
       <p:nvGrpSpPr>
@@ -3757,6 +3723,11 @@
               </a:rPr>
               <a:t>Copyright © 2021 by Elephant Scale, All Rights Reserved</a:t>
             </a:r>
+            <a:endParaRPr sz="800">
+              <a:solidFill>
+                <a:srgbClr val="000000"/>
+              </a:solidFill>
+            </a:endParaRPr>
           </a:p>
         </p:txBody>
       </p:sp>
@@ -3769,7 +3740,7 @@
           <p:nvPr/>
         </p:nvPicPr>
         <p:blipFill>
-          <a:blip r:embed="rId2"/>
+          <a:blip r:embed="rId1"/>
           <a:stretch>
             <a:fillRect/>
           </a:stretch>
@@ -3793,7 +3764,7 @@
 </file>
 
 <file path=ppt/slides/slide9.xml><?xml version="1.0" encoding="utf-8"?>
-<p:sld xmlns:a="http://schemas.openxmlformats.org/drawingml/2006/main" xmlns:p="http://schemas.openxmlformats.org/presentationml/2006/main" xmlns:r="http://schemas.openxmlformats.org/officeDocument/2006/relationships">
+<p:sld xmlns:a="http://schemas.openxmlformats.org/drawingml/2006/main" xmlns:r="http://schemas.openxmlformats.org/officeDocument/2006/relationships" xmlns:p="http://schemas.openxmlformats.org/presentationml/2006/main">
   <p:cSld>
     <p:spTree>
       <p:nvGrpSpPr>
@@ -3877,6 +3848,11 @@
               </a:rPr>
               <a:t>Copyright © 2021 by Elephant Scale, All Rights Reserved</a:t>
             </a:r>
+            <a:endParaRPr sz="800">
+              <a:solidFill>
+                <a:srgbClr val="000000"/>
+              </a:solidFill>
+            </a:endParaRPr>
           </a:p>
         </p:txBody>
       </p:sp>
@@ -3889,7 +3865,7 @@
           <p:nvPr/>
         </p:nvPicPr>
         <p:blipFill>
-          <a:blip r:embed="rId2"/>
+          <a:blip r:embed="rId1"/>
           <a:stretch>
             <a:fillRect/>
           </a:stretch>
@@ -4155,13 +4131,8 @@
           <a:headEnd type="none" w="med" len="med"/>
           <a:tailEnd type="none" w="med" len="med"/>
         </a:ln>
-        <a:effectLst/>
       </a:spPr>
-      <a:bodyPr vert="horz" wrap="square" lIns="91440" tIns="45720" rIns="91440" bIns="45720" numCol="1" anchor="t" anchorCtr="0" compatLnSpc="1">
-        <a:prstTxWarp prst="textNoShape">
-          <a:avLst/>
-        </a:prstTxWarp>
-      </a:bodyPr>
+      <a:bodyPr vert="horz" wrap="square" lIns="91440" tIns="45720" rIns="91440" bIns="45720" numCol="1" anchor="t" anchorCtr="0" compatLnSpc="1"/>
       <a:lstStyle>
         <a:defPPr marL="0" marR="0" indent="0" algn="ctr" defTabSz="914400" rtl="0" eaLnBrk="1" fontAlgn="base" latinLnBrk="0" hangingPunct="1">
           <a:lnSpc>
@@ -4177,7 +4148,6 @@
           <a:buSzTx/>
           <a:buFontTx/>
           <a:buNone/>
-          <a:tabLst/>
           <a:defRPr kumimoji="0" lang="en-US" sz="1000" b="0" i="0" u="none" strike="noStrike" cap="none" normalizeH="0" baseline="0">
             <a:ln>
               <a:noFill/>
@@ -4186,7 +4156,7 @@
               <a:schemeClr val="tx1"/>
             </a:solidFill>
             <a:effectLst/>
-            <a:latin typeface="Garamond" pitchFamily="-110" charset="0"/>
+            <a:latin typeface="Garamond" pitchFamily="18" charset="0"/>
           </a:defRPr>
         </a:defPPr>
       </a:lstStyle>
@@ -4217,13 +4187,8 @@
           <a:headEnd type="none" w="med" len="med"/>
           <a:tailEnd type="none" w="med" len="med"/>
         </a:ln>
-        <a:effectLst/>
       </a:spPr>
-      <a:bodyPr vert="horz" wrap="square" lIns="91440" tIns="45720" rIns="91440" bIns="45720" numCol="1" anchor="t" anchorCtr="0" compatLnSpc="1">
-        <a:prstTxWarp prst="textNoShape">
-          <a:avLst/>
-        </a:prstTxWarp>
-      </a:bodyPr>
+      <a:bodyPr vert="horz" wrap="square" lIns="91440" tIns="45720" rIns="91440" bIns="45720" numCol="1" anchor="t" anchorCtr="0" compatLnSpc="1"/>
       <a:lstStyle>
         <a:defPPr marL="0" marR="0" indent="0" algn="ctr" defTabSz="914400" rtl="0" eaLnBrk="1" fontAlgn="base" latinLnBrk="0" hangingPunct="1">
           <a:lnSpc>
@@ -4239,7 +4204,6 @@
           <a:buSzTx/>
           <a:buFontTx/>
           <a:buNone/>
-          <a:tabLst/>
           <a:defRPr kumimoji="0" lang="en-US" sz="1000" b="0" i="0" u="none" strike="noStrike" cap="none" normalizeH="0" baseline="0">
             <a:ln>
               <a:noFill/>
@@ -4248,7 +4212,7 @@
               <a:schemeClr val="tx1"/>
             </a:solidFill>
             <a:effectLst/>
-            <a:latin typeface="Garamond" pitchFamily="-110" charset="0"/>
+            <a:latin typeface="Garamond" pitchFamily="18" charset="0"/>
           </a:defRPr>
         </a:defPPr>
       </a:lstStyle>
@@ -4543,6 +4507,11 @@
       <a:clrMap bg1="dk2" tx1="lt1" bg2="dk1" tx2="lt2" accent1="accent1" accent2="accent2" accent3="accent3" accent4="accent4" accent5="accent5" accent6="accent6" hlink="hlink" folHlink="folHlink"/>
     </a:extraClrScheme>
   </a:extraClrSchemeLst>
+  <a:extLst>
+    <a:ext uri="{05A4C25C-085E-4340-85A3-A5531E510DB2}">
+      <thm15:themeFamily xmlns:thm15="http://schemas.microsoft.com/office/thememl/2012/main" name="Office Theme" id="{62F939B6-93AF-4DB8-9C6B-D6C7DFDC589F}" vid="{4A3C46E8-61CC-4603-A589-7422A47A8E4A}"/>
+    </a:ext>
+  </a:extLst>
 </a:theme>
 </file>
 
@@ -4860,7 +4829,11 @@
       </a:style>
     </a:lnDef>
   </a:objectDefaults>
-  <a:extraClrSchemeLst/>
+  <a:extLst>
+    <a:ext uri="{05A4C25C-085E-4340-85A3-A5531E510DB2}">
+      <thm15:themeFamily xmlns:thm15="http://schemas.microsoft.com/office/thememl/2012/main" name="Office Theme" id="{62F939B6-93AF-4DB8-9C6B-D6C7DFDC589F}" vid="{4A3C46E8-61CC-4603-A589-7422A47A8E4A}"/>
+    </a:ext>
+  </a:extLst>
 </a:theme>
 </file>
 
@@ -5178,6 +5151,10 @@
       </a:style>
     </a:lnDef>
   </a:objectDefaults>
-  <a:extraClrSchemeLst/>
+  <a:extLst>
+    <a:ext uri="{05A4C25C-085E-4340-85A3-A5531E510DB2}">
+      <thm15:themeFamily xmlns:thm15="http://schemas.microsoft.com/office/thememl/2012/main" name="Office Theme" id="{62F939B6-93AF-4DB8-9C6B-D6C7DFDC589F}" vid="{4A3C46E8-61CC-4603-A589-7422A47A8E4A}"/>
+    </a:ext>
+  </a:extLst>
 </a:theme>
 </file>